--- a/Final_task/documentation/Presentation/presentation.pptx
+++ b/Final_task/documentation/Presentation/presentation.pptx
@@ -5,55 +5,52 @@
     <p:sldMasterId id="2147483660" r:id="rId1"/>
   </p:sldMasterIdLst>
   <p:notesMasterIdLst>
-    <p:notesMasterId r:id="rId45"/>
+    <p:notesMasterId r:id="rId42"/>
   </p:notesMasterIdLst>
   <p:handoutMasterIdLst>
-    <p:handoutMasterId r:id="rId46"/>
+    <p:handoutMasterId r:id="rId43"/>
   </p:handoutMasterIdLst>
   <p:sldIdLst>
     <p:sldId id="256" r:id="rId2"/>
     <p:sldId id="257" r:id="rId3"/>
     <p:sldId id="279" r:id="rId4"/>
-    <p:sldId id="284" r:id="rId5"/>
-    <p:sldId id="294" r:id="rId6"/>
-    <p:sldId id="280" r:id="rId7"/>
-    <p:sldId id="309" r:id="rId8"/>
-    <p:sldId id="281" r:id="rId9"/>
-    <p:sldId id="310" r:id="rId10"/>
-    <p:sldId id="293" r:id="rId11"/>
-    <p:sldId id="311" r:id="rId12"/>
-    <p:sldId id="295" r:id="rId13"/>
-    <p:sldId id="292" r:id="rId14"/>
-    <p:sldId id="298" r:id="rId15"/>
-    <p:sldId id="299" r:id="rId16"/>
-    <p:sldId id="300" r:id="rId17"/>
-    <p:sldId id="301" r:id="rId18"/>
-    <p:sldId id="302" r:id="rId19"/>
-    <p:sldId id="312" r:id="rId20"/>
-    <p:sldId id="313" r:id="rId21"/>
-    <p:sldId id="297" r:id="rId22"/>
-    <p:sldId id="303" r:id="rId23"/>
-    <p:sldId id="304" r:id="rId24"/>
-    <p:sldId id="305" r:id="rId25"/>
-    <p:sldId id="306" r:id="rId26"/>
-    <p:sldId id="307" r:id="rId27"/>
-    <p:sldId id="308" r:id="rId28"/>
-    <p:sldId id="283" r:id="rId29"/>
-    <p:sldId id="314" r:id="rId30"/>
-    <p:sldId id="296" r:id="rId31"/>
-    <p:sldId id="278" r:id="rId32"/>
-    <p:sldId id="269" r:id="rId33"/>
-    <p:sldId id="271" r:id="rId34"/>
-    <p:sldId id="315" r:id="rId35"/>
-    <p:sldId id="316" r:id="rId36"/>
-    <p:sldId id="317" r:id="rId37"/>
-    <p:sldId id="318" r:id="rId38"/>
-    <p:sldId id="319" r:id="rId39"/>
-    <p:sldId id="320" r:id="rId40"/>
-    <p:sldId id="321" r:id="rId41"/>
-    <p:sldId id="322" r:id="rId42"/>
-    <p:sldId id="323" r:id="rId43"/>
-    <p:sldId id="324" r:id="rId44"/>
+    <p:sldId id="294" r:id="rId5"/>
+    <p:sldId id="280" r:id="rId6"/>
+    <p:sldId id="281" r:id="rId7"/>
+    <p:sldId id="310" r:id="rId8"/>
+    <p:sldId id="293" r:id="rId9"/>
+    <p:sldId id="295" r:id="rId10"/>
+    <p:sldId id="292" r:id="rId11"/>
+    <p:sldId id="298" r:id="rId12"/>
+    <p:sldId id="299" r:id="rId13"/>
+    <p:sldId id="300" r:id="rId14"/>
+    <p:sldId id="301" r:id="rId15"/>
+    <p:sldId id="302" r:id="rId16"/>
+    <p:sldId id="312" r:id="rId17"/>
+    <p:sldId id="313" r:id="rId18"/>
+    <p:sldId id="297" r:id="rId19"/>
+    <p:sldId id="303" r:id="rId20"/>
+    <p:sldId id="304" r:id="rId21"/>
+    <p:sldId id="305" r:id="rId22"/>
+    <p:sldId id="306" r:id="rId23"/>
+    <p:sldId id="307" r:id="rId24"/>
+    <p:sldId id="308" r:id="rId25"/>
+    <p:sldId id="283" r:id="rId26"/>
+    <p:sldId id="314" r:id="rId27"/>
+    <p:sldId id="296" r:id="rId28"/>
+    <p:sldId id="278" r:id="rId29"/>
+    <p:sldId id="269" r:id="rId30"/>
+    <p:sldId id="271" r:id="rId31"/>
+    <p:sldId id="315" r:id="rId32"/>
+    <p:sldId id="316" r:id="rId33"/>
+    <p:sldId id="317" r:id="rId34"/>
+    <p:sldId id="318" r:id="rId35"/>
+    <p:sldId id="319" r:id="rId36"/>
+    <p:sldId id="320" r:id="rId37"/>
+    <p:sldId id="321" r:id="rId38"/>
+    <p:sldId id="322" r:id="rId39"/>
+    <p:sldId id="323" r:id="rId40"/>
+    <p:sldId id="324" r:id="rId41"/>
   </p:sldIdLst>
   <p:sldSz cx="10080625" cy="5670550"/>
   <p:notesSz cx="7559675" cy="10691813"/>
@@ -1065,7 +1062,7 @@
               </a:defRPr>
             </a:pPr>
             <a:fld id="{27BAB00E-928E-4A2D-8EA4-FE0F80AF5FD7}" type="slidenum">
-              <a:t>11</a:t>
+              <a:t>12</a:t>
             </a:fld>
             <a:endParaRPr lang="en-US" sz="1400" b="0" i="0" u="none" strike="noStrike" kern="1200" cap="none" spc="0" baseline="0">
               <a:solidFill>
@@ -1127,7 +1124,7 @@
     </p:spTree>
     <p:extLst>
       <p:ext uri="{BB962C8B-B14F-4D97-AF65-F5344CB8AC3E}">
-        <p14:creationId xmlns:p14="http://schemas.microsoft.com/office/powerpoint/2010/main" val="1464276251"/>
+        <p14:creationId xmlns:p14="http://schemas.microsoft.com/office/powerpoint/2010/main" val="1238261791"/>
       </p:ext>
     </p:extLst>
   </p:cSld>
@@ -1261,7 +1258,7 @@
     </p:spTree>
     <p:extLst>
       <p:ext uri="{BB962C8B-B14F-4D97-AF65-F5344CB8AC3E}">
-        <p14:creationId xmlns:p14="http://schemas.microsoft.com/office/powerpoint/2010/main" val="926727575"/>
+        <p14:creationId xmlns:p14="http://schemas.microsoft.com/office/powerpoint/2010/main" val="2730660692"/>
       </p:ext>
     </p:extLst>
   </p:cSld>
@@ -1395,7 +1392,7 @@
     </p:spTree>
     <p:extLst>
       <p:ext uri="{BB962C8B-B14F-4D97-AF65-F5344CB8AC3E}">
-        <p14:creationId xmlns:p14="http://schemas.microsoft.com/office/powerpoint/2010/main" val="629443100"/>
+        <p14:creationId xmlns:p14="http://schemas.microsoft.com/office/powerpoint/2010/main" val="2071758032"/>
       </p:ext>
     </p:extLst>
   </p:cSld>
@@ -1529,7 +1526,7 @@
     </p:spTree>
     <p:extLst>
       <p:ext uri="{BB962C8B-B14F-4D97-AF65-F5344CB8AC3E}">
-        <p14:creationId xmlns:p14="http://schemas.microsoft.com/office/powerpoint/2010/main" val="1238261791"/>
+        <p14:creationId xmlns:p14="http://schemas.microsoft.com/office/powerpoint/2010/main" val="2973782582"/>
       </p:ext>
     </p:extLst>
   </p:cSld>
@@ -1663,7 +1660,7 @@
     </p:spTree>
     <p:extLst>
       <p:ext uri="{BB962C8B-B14F-4D97-AF65-F5344CB8AC3E}">
-        <p14:creationId xmlns:p14="http://schemas.microsoft.com/office/powerpoint/2010/main" val="2730660692"/>
+        <p14:creationId xmlns:p14="http://schemas.microsoft.com/office/powerpoint/2010/main" val="3281411676"/>
       </p:ext>
     </p:extLst>
   </p:cSld>
@@ -1797,7 +1794,7 @@
     </p:spTree>
     <p:extLst>
       <p:ext uri="{BB962C8B-B14F-4D97-AF65-F5344CB8AC3E}">
-        <p14:creationId xmlns:p14="http://schemas.microsoft.com/office/powerpoint/2010/main" val="2071758032"/>
+        <p14:creationId xmlns:p14="http://schemas.microsoft.com/office/powerpoint/2010/main" val="1829540040"/>
       </p:ext>
     </p:extLst>
   </p:cSld>
@@ -1808,140 +1805,6 @@
 </file>
 
 <file path=ppt/notesSlides/notesSlide16.xml><?xml version="1.0" encoding="utf-8"?>
-<p:notes xmlns:a="http://schemas.openxmlformats.org/drawingml/2006/main" xmlns:r="http://schemas.openxmlformats.org/officeDocument/2006/relationships" xmlns:p="http://schemas.openxmlformats.org/presentationml/2006/main">
-  <p:cSld>
-    <p:spTree>
-      <p:nvGrpSpPr>
-        <p:cNvPr id="1" name=""/>
-        <p:cNvGrpSpPr/>
-        <p:nvPr/>
-      </p:nvGrpSpPr>
-      <p:grpSpPr>
-        <a:xfrm>
-          <a:off x="0" y="0"/>
-          <a:ext cx="0" cy="0"/>
-          <a:chOff x="0" y="0"/>
-          <a:chExt cx="0" cy="0"/>
-        </a:xfrm>
-      </p:grpSpPr>
-      <p:sp>
-        <p:nvSpPr>
-          <p:cNvPr id="2" name="Foliennummernplatzhalter 6"/>
-          <p:cNvSpPr txBox="1"/>
-          <p:nvPr/>
-        </p:nvSpPr>
-        <p:spPr>
-          <a:xfrm>
-            <a:off x="4278962" y="10157402"/>
-            <a:ext cx="3280684" cy="534238"/>
-          </a:xfrm>
-          <a:prstGeom prst="rect">
-            <a:avLst/>
-          </a:prstGeom>
-          <a:noFill/>
-          <a:ln cap="flat">
-            <a:noFill/>
-          </a:ln>
-        </p:spPr>
-        <p:txBody>
-          <a:bodyPr vert="horz" wrap="square" lIns="0" tIns="0" rIns="0" bIns="0" anchor="b" anchorCtr="0" compatLnSpc="1">
-            <a:noAutofit/>
-          </a:bodyPr>
-          <a:lstStyle/>
-          <a:p>
-            <a:pPr marL="0" marR="0" lvl="0" indent="0" algn="r" defTabSz="914400" rtl="0" fontAlgn="auto" hangingPunct="0">
-              <a:lnSpc>
-                <a:spcPct val="100000"/>
-              </a:lnSpc>
-              <a:spcBef>
-                <a:spcPts val="0"/>
-              </a:spcBef>
-              <a:spcAft>
-                <a:spcPts val="0"/>
-              </a:spcAft>
-              <a:buNone/>
-              <a:tabLst/>
-              <a:defRPr sz="1800" b="0" i="0" u="none" strike="noStrike" kern="0" cap="none" spc="0" baseline="0">
-                <a:solidFill>
-                  <a:srgbClr val="000000"/>
-                </a:solidFill>
-                <a:uFillTx/>
-              </a:defRPr>
-            </a:pPr>
-            <a:fld id="{27BAB00E-928E-4A2D-8EA4-FE0F80AF5FD7}" type="slidenum">
-              <a:t>18</a:t>
-            </a:fld>
-            <a:endParaRPr lang="en-US" sz="1400" b="0" i="0" u="none" strike="noStrike" kern="1200" cap="none" spc="0" baseline="0">
-              <a:solidFill>
-                <a:srgbClr val="000000"/>
-              </a:solidFill>
-              <a:uFillTx/>
-              <a:latin typeface="Liberation Serif" pitchFamily="18"/>
-              <a:ea typeface="Segoe UI" pitchFamily="2"/>
-              <a:cs typeface="Tahoma" pitchFamily="2"/>
-            </a:endParaRPr>
-          </a:p>
-        </p:txBody>
-      </p:sp>
-      <p:sp>
-        <p:nvSpPr>
-          <p:cNvPr id="3" name="Folienbildplatzhalter 1"/>
-          <p:cNvSpPr>
-            <a:spLocks noGrp="1" noRot="1" noChangeAspect="1"/>
-          </p:cNvSpPr>
-          <p:nvPr>
-            <p:ph type="sldImg"/>
-          </p:nvPr>
-        </p:nvSpPr>
-        <p:spPr>
-          <a:xfrm>
-            <a:off x="217488" y="812800"/>
-            <a:ext cx="7123112" cy="4008438"/>
-          </a:xfrm>
-          <a:solidFill>
-            <a:srgbClr val="729FCF"/>
-          </a:solidFill>
-          <a:ln w="25402">
-            <a:solidFill>
-              <a:srgbClr val="3465A4"/>
-            </a:solidFill>
-            <a:prstDash val="solid"/>
-          </a:ln>
-        </p:spPr>
-      </p:sp>
-      <p:sp>
-        <p:nvSpPr>
-          <p:cNvPr id="4" name="Notizenplatzhalter 2"/>
-          <p:cNvSpPr txBox="1">
-            <a:spLocks noGrp="1"/>
-          </p:cNvSpPr>
-          <p:nvPr>
-            <p:ph type="body" sz="quarter" idx="1"/>
-          </p:nvPr>
-        </p:nvSpPr>
-        <p:spPr/>
-        <p:txBody>
-          <a:bodyPr/>
-          <a:lstStyle/>
-          <a:p>
-            <a:endParaRPr lang="de-DE"/>
-          </a:p>
-        </p:txBody>
-      </p:sp>
-    </p:spTree>
-    <p:extLst>
-      <p:ext uri="{BB962C8B-B14F-4D97-AF65-F5344CB8AC3E}">
-        <p14:creationId xmlns:p14="http://schemas.microsoft.com/office/powerpoint/2010/main" val="2973782582"/>
-      </p:ext>
-    </p:extLst>
-  </p:cSld>
-  <p:clrMapOvr>
-    <a:masterClrMapping/>
-  </p:clrMapOvr>
-</p:notes>
-</file>
-
-<file path=ppt/notesSlides/notesSlide17.xml><?xml version="1.0" encoding="utf-8"?>
 <p:notes xmlns:a="http://schemas.openxmlformats.org/drawingml/2006/main" xmlns:r="http://schemas.openxmlformats.org/officeDocument/2006/relationships" xmlns:p="http://schemas.openxmlformats.org/presentationml/2006/main">
   <p:cSld>
     <p:spTree>
@@ -2065,7 +1928,7 @@
     </p:spTree>
     <p:extLst>
       <p:ext uri="{BB962C8B-B14F-4D97-AF65-F5344CB8AC3E}">
-        <p14:creationId xmlns:p14="http://schemas.microsoft.com/office/powerpoint/2010/main" val="3281411676"/>
+        <p14:creationId xmlns:p14="http://schemas.microsoft.com/office/powerpoint/2010/main" val="3350532334"/>
       </p:ext>
     </p:extLst>
   </p:cSld>
@@ -2075,7 +1938,7 @@
 </p:notes>
 </file>
 
-<file path=ppt/notesSlides/notesSlide18.xml><?xml version="1.0" encoding="utf-8"?>
+<file path=ppt/notesSlides/notesSlide17.xml><?xml version="1.0" encoding="utf-8"?>
 <p:notes xmlns:a="http://schemas.openxmlformats.org/drawingml/2006/main" xmlns:r="http://schemas.openxmlformats.org/officeDocument/2006/relationships" xmlns:p="http://schemas.openxmlformats.org/presentationml/2006/main">
   <p:cSld>
     <p:spTree>
@@ -2199,7 +2062,141 @@
     </p:spTree>
     <p:extLst>
       <p:ext uri="{BB962C8B-B14F-4D97-AF65-F5344CB8AC3E}">
-        <p14:creationId xmlns:p14="http://schemas.microsoft.com/office/powerpoint/2010/main" val="1829540040"/>
+        <p14:creationId xmlns:p14="http://schemas.microsoft.com/office/powerpoint/2010/main" val="3706052217"/>
+      </p:ext>
+    </p:extLst>
+  </p:cSld>
+  <p:clrMapOvr>
+    <a:masterClrMapping/>
+  </p:clrMapOvr>
+</p:notes>
+</file>
+
+<file path=ppt/notesSlides/notesSlide18.xml><?xml version="1.0" encoding="utf-8"?>
+<p:notes xmlns:a="http://schemas.openxmlformats.org/drawingml/2006/main" xmlns:r="http://schemas.openxmlformats.org/officeDocument/2006/relationships" xmlns:p="http://schemas.openxmlformats.org/presentationml/2006/main">
+  <p:cSld>
+    <p:spTree>
+      <p:nvGrpSpPr>
+        <p:cNvPr id="1" name=""/>
+        <p:cNvGrpSpPr/>
+        <p:nvPr/>
+      </p:nvGrpSpPr>
+      <p:grpSpPr>
+        <a:xfrm>
+          <a:off x="0" y="0"/>
+          <a:ext cx="0" cy="0"/>
+          <a:chOff x="0" y="0"/>
+          <a:chExt cx="0" cy="0"/>
+        </a:xfrm>
+      </p:grpSpPr>
+      <p:sp>
+        <p:nvSpPr>
+          <p:cNvPr id="2" name="Foliennummernplatzhalter 6"/>
+          <p:cNvSpPr txBox="1"/>
+          <p:nvPr/>
+        </p:nvSpPr>
+        <p:spPr>
+          <a:xfrm>
+            <a:off x="4278962" y="10157402"/>
+            <a:ext cx="3280684" cy="534238"/>
+          </a:xfrm>
+          <a:prstGeom prst="rect">
+            <a:avLst/>
+          </a:prstGeom>
+          <a:noFill/>
+          <a:ln cap="flat">
+            <a:noFill/>
+          </a:ln>
+        </p:spPr>
+        <p:txBody>
+          <a:bodyPr vert="horz" wrap="square" lIns="0" tIns="0" rIns="0" bIns="0" anchor="b" anchorCtr="0" compatLnSpc="1">
+            <a:noAutofit/>
+          </a:bodyPr>
+          <a:lstStyle/>
+          <a:p>
+            <a:pPr marL="0" marR="0" lvl="0" indent="0" algn="r" defTabSz="914400" rtl="0" fontAlgn="auto" hangingPunct="0">
+              <a:lnSpc>
+                <a:spcPct val="100000"/>
+              </a:lnSpc>
+              <a:spcBef>
+                <a:spcPts val="0"/>
+              </a:spcBef>
+              <a:spcAft>
+                <a:spcPts val="0"/>
+              </a:spcAft>
+              <a:buNone/>
+              <a:tabLst/>
+              <a:defRPr sz="1800" b="0" i="0" u="none" strike="noStrike" kern="0" cap="none" spc="0" baseline="0">
+                <a:solidFill>
+                  <a:srgbClr val="000000"/>
+                </a:solidFill>
+                <a:uFillTx/>
+              </a:defRPr>
+            </a:pPr>
+            <a:fld id="{27BAB00E-928E-4A2D-8EA4-FE0F80AF5FD7}" type="slidenum">
+              <a:t>21</a:t>
+            </a:fld>
+            <a:endParaRPr lang="en-US" sz="1400" b="0" i="0" u="none" strike="noStrike" kern="1200" cap="none" spc="0" baseline="0">
+              <a:solidFill>
+                <a:srgbClr val="000000"/>
+              </a:solidFill>
+              <a:uFillTx/>
+              <a:latin typeface="Liberation Serif" pitchFamily="18"/>
+              <a:ea typeface="Segoe UI" pitchFamily="2"/>
+              <a:cs typeface="Tahoma" pitchFamily="2"/>
+            </a:endParaRPr>
+          </a:p>
+        </p:txBody>
+      </p:sp>
+      <p:sp>
+        <p:nvSpPr>
+          <p:cNvPr id="3" name="Folienbildplatzhalter 1"/>
+          <p:cNvSpPr>
+            <a:spLocks noGrp="1" noRot="1" noChangeAspect="1"/>
+          </p:cNvSpPr>
+          <p:nvPr>
+            <p:ph type="sldImg"/>
+          </p:nvPr>
+        </p:nvSpPr>
+        <p:spPr>
+          <a:xfrm>
+            <a:off x="217488" y="812800"/>
+            <a:ext cx="7123112" cy="4008438"/>
+          </a:xfrm>
+          <a:solidFill>
+            <a:srgbClr val="729FCF"/>
+          </a:solidFill>
+          <a:ln w="25402">
+            <a:solidFill>
+              <a:srgbClr val="3465A4"/>
+            </a:solidFill>
+            <a:prstDash val="solid"/>
+          </a:ln>
+        </p:spPr>
+      </p:sp>
+      <p:sp>
+        <p:nvSpPr>
+          <p:cNvPr id="4" name="Notizenplatzhalter 2"/>
+          <p:cNvSpPr txBox="1">
+            <a:spLocks noGrp="1"/>
+          </p:cNvSpPr>
+          <p:nvPr>
+            <p:ph type="body" sz="quarter" idx="1"/>
+          </p:nvPr>
+        </p:nvSpPr>
+        <p:spPr/>
+        <p:txBody>
+          <a:bodyPr/>
+          <a:lstStyle/>
+          <a:p>
+            <a:endParaRPr lang="de-DE"/>
+          </a:p>
+        </p:txBody>
+      </p:sp>
+    </p:spTree>
+    <p:extLst>
+      <p:ext uri="{BB962C8B-B14F-4D97-AF65-F5344CB8AC3E}">
+        <p14:creationId xmlns:p14="http://schemas.microsoft.com/office/powerpoint/2010/main" val="3871398602"/>
       </p:ext>
     </p:extLst>
   </p:cSld>
@@ -2333,7 +2330,7 @@
     </p:spTree>
     <p:extLst>
       <p:ext uri="{BB962C8B-B14F-4D97-AF65-F5344CB8AC3E}">
-        <p14:creationId xmlns:p14="http://schemas.microsoft.com/office/powerpoint/2010/main" val="3350532334"/>
+        <p14:creationId xmlns:p14="http://schemas.microsoft.com/office/powerpoint/2010/main" val="1726495249"/>
       </p:ext>
     </p:extLst>
   </p:cSld>
@@ -2596,7 +2593,7 @@
     </p:spTree>
     <p:extLst>
       <p:ext uri="{BB962C8B-B14F-4D97-AF65-F5344CB8AC3E}">
-        <p14:creationId xmlns:p14="http://schemas.microsoft.com/office/powerpoint/2010/main" val="3706052217"/>
+        <p14:creationId xmlns:p14="http://schemas.microsoft.com/office/powerpoint/2010/main" val="2754071049"/>
       </p:ext>
     </p:extLst>
   </p:cSld>
@@ -2730,7 +2727,7 @@
     </p:spTree>
     <p:extLst>
       <p:ext uri="{BB962C8B-B14F-4D97-AF65-F5344CB8AC3E}">
-        <p14:creationId xmlns:p14="http://schemas.microsoft.com/office/powerpoint/2010/main" val="3871398602"/>
+        <p14:creationId xmlns:p14="http://schemas.microsoft.com/office/powerpoint/2010/main" val="2416048597"/>
       </p:ext>
     </p:extLst>
   </p:cSld>
@@ -2864,7 +2861,7 @@
     </p:spTree>
     <p:extLst>
       <p:ext uri="{BB962C8B-B14F-4D97-AF65-F5344CB8AC3E}">
-        <p14:creationId xmlns:p14="http://schemas.microsoft.com/office/powerpoint/2010/main" val="1726495249"/>
+        <p14:creationId xmlns:p14="http://schemas.microsoft.com/office/powerpoint/2010/main" val="171844322"/>
       </p:ext>
     </p:extLst>
   </p:cSld>
@@ -2998,7 +2995,7 @@
     </p:spTree>
     <p:extLst>
       <p:ext uri="{BB962C8B-B14F-4D97-AF65-F5344CB8AC3E}">
-        <p14:creationId xmlns:p14="http://schemas.microsoft.com/office/powerpoint/2010/main" val="2754071049"/>
+        <p14:creationId xmlns:p14="http://schemas.microsoft.com/office/powerpoint/2010/main" val="2857232401"/>
       </p:ext>
     </p:extLst>
   </p:cSld>
@@ -3069,8 +3066,8 @@
                 <a:uFillTx/>
               </a:defRPr>
             </a:pPr>
-            <a:fld id="{27BAB00E-928E-4A2D-8EA4-FE0F80AF5FD7}" type="slidenum">
-              <a:t>27</a:t>
+            <a:fld id="{B7415586-1D9E-41B9-A72E-457EEAF51782}" type="slidenum">
+              <a:t>28</a:t>
             </a:fld>
             <a:endParaRPr lang="en-US" sz="1400" b="0" i="0" u="none" strike="noStrike" kern="1200" cap="none" spc="0" baseline="0">
               <a:solidFill>
@@ -3130,11 +3127,6 @@
         </p:txBody>
       </p:sp>
     </p:spTree>
-    <p:extLst>
-      <p:ext uri="{BB962C8B-B14F-4D97-AF65-F5344CB8AC3E}">
-        <p14:creationId xmlns:p14="http://schemas.microsoft.com/office/powerpoint/2010/main" val="2416048597"/>
-      </p:ext>
-    </p:extLst>
   </p:cSld>
   <p:clrMapOvr>
     <a:masterClrMapping/>
@@ -3203,8 +3195,8 @@
                 <a:uFillTx/>
               </a:defRPr>
             </a:pPr>
-            <a:fld id="{27BAB00E-928E-4A2D-8EA4-FE0F80AF5FD7}" type="slidenum">
-              <a:t>28</a:t>
+            <a:fld id="{51EC759B-773E-4F53-A4C2-AF219D41B78C}" type="slidenum">
+              <a:t>29</a:t>
             </a:fld>
             <a:endParaRPr lang="en-US" sz="1400" b="0" i="0" u="none" strike="noStrike" kern="1200" cap="none" spc="0" baseline="0">
               <a:solidFill>
@@ -3264,11 +3256,6 @@
         </p:txBody>
       </p:sp>
     </p:spTree>
-    <p:extLst>
-      <p:ext uri="{BB962C8B-B14F-4D97-AF65-F5344CB8AC3E}">
-        <p14:creationId xmlns:p14="http://schemas.microsoft.com/office/powerpoint/2010/main" val="171844322"/>
-      </p:ext>
-    </p:extLst>
   </p:cSld>
   <p:clrMapOvr>
     <a:masterClrMapping/>
@@ -3337,8 +3324,8 @@
                 <a:uFillTx/>
               </a:defRPr>
             </a:pPr>
-            <a:fld id="{27BAB00E-928E-4A2D-8EA4-FE0F80AF5FD7}" type="slidenum">
-              <a:t>29</a:t>
+            <a:fld id="{A7C9B5AC-E632-456F-8A7B-DE723A96131E}" type="slidenum">
+              <a:t>30</a:t>
             </a:fld>
             <a:endParaRPr lang="en-US" sz="1400" b="0" i="0" u="none" strike="noStrike" kern="1200" cap="none" spc="0" baseline="0">
               <a:solidFill>
@@ -3398,11 +3385,6 @@
         </p:txBody>
       </p:sp>
     </p:spTree>
-    <p:extLst>
-      <p:ext uri="{BB962C8B-B14F-4D97-AF65-F5344CB8AC3E}">
-        <p14:creationId xmlns:p14="http://schemas.microsoft.com/office/powerpoint/2010/main" val="2857232401"/>
-      </p:ext>
-    </p:extLst>
   </p:cSld>
   <p:clrMapOvr>
     <a:masterClrMapping/>
@@ -3471,7 +3453,7 @@
                 <a:uFillTx/>
               </a:defRPr>
             </a:pPr>
-            <a:fld id="{B7415586-1D9E-41B9-A72E-457EEAF51782}" type="slidenum">
+            <a:fld id="{A7C9B5AC-E632-456F-8A7B-DE723A96131E}" type="slidenum">
               <a:t>31</a:t>
             </a:fld>
             <a:endParaRPr lang="en-US" sz="1400" b="0" i="0" u="none" strike="noStrike" kern="1200" cap="none" spc="0" baseline="0">
@@ -3532,6 +3514,11 @@
         </p:txBody>
       </p:sp>
     </p:spTree>
+    <p:extLst>
+      <p:ext uri="{BB962C8B-B14F-4D97-AF65-F5344CB8AC3E}">
+        <p14:creationId xmlns:p14="http://schemas.microsoft.com/office/powerpoint/2010/main" val="2398895678"/>
+      </p:ext>
+    </p:extLst>
   </p:cSld>
   <p:clrMapOvr>
     <a:masterClrMapping/>
@@ -3600,7 +3587,7 @@
                 <a:uFillTx/>
               </a:defRPr>
             </a:pPr>
-            <a:fld id="{51EC759B-773E-4F53-A4C2-AF219D41B78C}" type="slidenum">
+            <a:fld id="{A7C9B5AC-E632-456F-8A7B-DE723A96131E}" type="slidenum">
               <a:t>32</a:t>
             </a:fld>
             <a:endParaRPr lang="en-US" sz="1400" b="0" i="0" u="none" strike="noStrike" kern="1200" cap="none" spc="0" baseline="0">
@@ -3661,6 +3648,11 @@
         </p:txBody>
       </p:sp>
     </p:spTree>
+    <p:extLst>
+      <p:ext uri="{BB962C8B-B14F-4D97-AF65-F5344CB8AC3E}">
+        <p14:creationId xmlns:p14="http://schemas.microsoft.com/office/powerpoint/2010/main" val="3832065784"/>
+      </p:ext>
+    </p:extLst>
   </p:cSld>
   <p:clrMapOvr>
     <a:masterClrMapping/>
@@ -3790,6 +3782,11 @@
         </p:txBody>
       </p:sp>
     </p:spTree>
+    <p:extLst>
+      <p:ext uri="{BB962C8B-B14F-4D97-AF65-F5344CB8AC3E}">
+        <p14:creationId xmlns:p14="http://schemas.microsoft.com/office/powerpoint/2010/main" val="3897223652"/>
+      </p:ext>
+    </p:extLst>
   </p:cSld>
   <p:clrMapOvr>
     <a:masterClrMapping/>
@@ -4050,7 +4047,7 @@
     </p:spTree>
     <p:extLst>
       <p:ext uri="{BB962C8B-B14F-4D97-AF65-F5344CB8AC3E}">
-        <p14:creationId xmlns:p14="http://schemas.microsoft.com/office/powerpoint/2010/main" val="2398895678"/>
+        <p14:creationId xmlns:p14="http://schemas.microsoft.com/office/powerpoint/2010/main" val="3494455252"/>
       </p:ext>
     </p:extLst>
   </p:cSld>
@@ -4184,7 +4181,7 @@
     </p:spTree>
     <p:extLst>
       <p:ext uri="{BB962C8B-B14F-4D97-AF65-F5344CB8AC3E}">
-        <p14:creationId xmlns:p14="http://schemas.microsoft.com/office/powerpoint/2010/main" val="3832065784"/>
+        <p14:creationId xmlns:p14="http://schemas.microsoft.com/office/powerpoint/2010/main" val="2779206713"/>
       </p:ext>
     </p:extLst>
   </p:cSld>
@@ -4318,7 +4315,7 @@
     </p:spTree>
     <p:extLst>
       <p:ext uri="{BB962C8B-B14F-4D97-AF65-F5344CB8AC3E}">
-        <p14:creationId xmlns:p14="http://schemas.microsoft.com/office/powerpoint/2010/main" val="3897223652"/>
+        <p14:creationId xmlns:p14="http://schemas.microsoft.com/office/powerpoint/2010/main" val="136526389"/>
       </p:ext>
     </p:extLst>
   </p:cSld>
@@ -4452,7 +4449,7 @@
     </p:spTree>
     <p:extLst>
       <p:ext uri="{BB962C8B-B14F-4D97-AF65-F5344CB8AC3E}">
-        <p14:creationId xmlns:p14="http://schemas.microsoft.com/office/powerpoint/2010/main" val="3494455252"/>
+        <p14:creationId xmlns:p14="http://schemas.microsoft.com/office/powerpoint/2010/main" val="3452300253"/>
       </p:ext>
     </p:extLst>
   </p:cSld>
@@ -4586,7 +4583,7 @@
     </p:spTree>
     <p:extLst>
       <p:ext uri="{BB962C8B-B14F-4D97-AF65-F5344CB8AC3E}">
-        <p14:creationId xmlns:p14="http://schemas.microsoft.com/office/powerpoint/2010/main" val="2779206713"/>
+        <p14:creationId xmlns:p14="http://schemas.microsoft.com/office/powerpoint/2010/main" val="413793691"/>
       </p:ext>
     </p:extLst>
   </p:cSld>
@@ -4720,7 +4717,7 @@
     </p:spTree>
     <p:extLst>
       <p:ext uri="{BB962C8B-B14F-4D97-AF65-F5344CB8AC3E}">
-        <p14:creationId xmlns:p14="http://schemas.microsoft.com/office/powerpoint/2010/main" val="136526389"/>
+        <p14:creationId xmlns:p14="http://schemas.microsoft.com/office/powerpoint/2010/main" val="3249980849"/>
       </p:ext>
     </p:extLst>
   </p:cSld>
@@ -4854,408 +4851,6 @@
     </p:spTree>
     <p:extLst>
       <p:ext uri="{BB962C8B-B14F-4D97-AF65-F5344CB8AC3E}">
-        <p14:creationId xmlns:p14="http://schemas.microsoft.com/office/powerpoint/2010/main" val="3452300253"/>
-      </p:ext>
-    </p:extLst>
-  </p:cSld>
-  <p:clrMapOvr>
-    <a:masterClrMapping/>
-  </p:clrMapOvr>
-</p:notes>
-</file>
-
-<file path=ppt/notesSlides/notesSlide37.xml><?xml version="1.0" encoding="utf-8"?>
-<p:notes xmlns:a="http://schemas.openxmlformats.org/drawingml/2006/main" xmlns:r="http://schemas.openxmlformats.org/officeDocument/2006/relationships" xmlns:p="http://schemas.openxmlformats.org/presentationml/2006/main">
-  <p:cSld>
-    <p:spTree>
-      <p:nvGrpSpPr>
-        <p:cNvPr id="1" name=""/>
-        <p:cNvGrpSpPr/>
-        <p:nvPr/>
-      </p:nvGrpSpPr>
-      <p:grpSpPr>
-        <a:xfrm>
-          <a:off x="0" y="0"/>
-          <a:ext cx="0" cy="0"/>
-          <a:chOff x="0" y="0"/>
-          <a:chExt cx="0" cy="0"/>
-        </a:xfrm>
-      </p:grpSpPr>
-      <p:sp>
-        <p:nvSpPr>
-          <p:cNvPr id="2" name="Foliennummernplatzhalter 6"/>
-          <p:cNvSpPr txBox="1"/>
-          <p:nvPr/>
-        </p:nvSpPr>
-        <p:spPr>
-          <a:xfrm>
-            <a:off x="4278962" y="10157402"/>
-            <a:ext cx="3280684" cy="534238"/>
-          </a:xfrm>
-          <a:prstGeom prst="rect">
-            <a:avLst/>
-          </a:prstGeom>
-          <a:noFill/>
-          <a:ln cap="flat">
-            <a:noFill/>
-          </a:ln>
-        </p:spPr>
-        <p:txBody>
-          <a:bodyPr vert="horz" wrap="square" lIns="0" tIns="0" rIns="0" bIns="0" anchor="b" anchorCtr="0" compatLnSpc="1">
-            <a:noAutofit/>
-          </a:bodyPr>
-          <a:lstStyle/>
-          <a:p>
-            <a:pPr marL="0" marR="0" lvl="0" indent="0" algn="r" defTabSz="914400" rtl="0" fontAlgn="auto" hangingPunct="0">
-              <a:lnSpc>
-                <a:spcPct val="100000"/>
-              </a:lnSpc>
-              <a:spcBef>
-                <a:spcPts val="0"/>
-              </a:spcBef>
-              <a:spcAft>
-                <a:spcPts val="0"/>
-              </a:spcAft>
-              <a:buNone/>
-              <a:tabLst/>
-              <a:defRPr sz="1800" b="0" i="0" u="none" strike="noStrike" kern="0" cap="none" spc="0" baseline="0">
-                <a:solidFill>
-                  <a:srgbClr val="000000"/>
-                </a:solidFill>
-                <a:uFillTx/>
-              </a:defRPr>
-            </a:pPr>
-            <a:fld id="{A7C9B5AC-E632-456F-8A7B-DE723A96131E}" type="slidenum">
-              <a:t>41</a:t>
-            </a:fld>
-            <a:endParaRPr lang="en-US" sz="1400" b="0" i="0" u="none" strike="noStrike" kern="1200" cap="none" spc="0" baseline="0">
-              <a:solidFill>
-                <a:srgbClr val="000000"/>
-              </a:solidFill>
-              <a:uFillTx/>
-              <a:latin typeface="Liberation Serif" pitchFamily="18"/>
-              <a:ea typeface="Segoe UI" pitchFamily="2"/>
-              <a:cs typeface="Tahoma" pitchFamily="2"/>
-            </a:endParaRPr>
-          </a:p>
-        </p:txBody>
-      </p:sp>
-      <p:sp>
-        <p:nvSpPr>
-          <p:cNvPr id="3" name="Folienbildplatzhalter 1"/>
-          <p:cNvSpPr>
-            <a:spLocks noGrp="1" noRot="1" noChangeAspect="1"/>
-          </p:cNvSpPr>
-          <p:nvPr>
-            <p:ph type="sldImg"/>
-          </p:nvPr>
-        </p:nvSpPr>
-        <p:spPr>
-          <a:xfrm>
-            <a:off x="217488" y="812800"/>
-            <a:ext cx="7123112" cy="4008438"/>
-          </a:xfrm>
-          <a:solidFill>
-            <a:srgbClr val="729FCF"/>
-          </a:solidFill>
-          <a:ln w="25402">
-            <a:solidFill>
-              <a:srgbClr val="3465A4"/>
-            </a:solidFill>
-            <a:prstDash val="solid"/>
-          </a:ln>
-        </p:spPr>
-      </p:sp>
-      <p:sp>
-        <p:nvSpPr>
-          <p:cNvPr id="4" name="Notizenplatzhalter 2"/>
-          <p:cNvSpPr txBox="1">
-            <a:spLocks noGrp="1"/>
-          </p:cNvSpPr>
-          <p:nvPr>
-            <p:ph type="body" sz="quarter" idx="1"/>
-          </p:nvPr>
-        </p:nvSpPr>
-        <p:spPr/>
-        <p:txBody>
-          <a:bodyPr/>
-          <a:lstStyle/>
-          <a:p>
-            <a:endParaRPr lang="de-DE"/>
-          </a:p>
-        </p:txBody>
-      </p:sp>
-    </p:spTree>
-    <p:extLst>
-      <p:ext uri="{BB962C8B-B14F-4D97-AF65-F5344CB8AC3E}">
-        <p14:creationId xmlns:p14="http://schemas.microsoft.com/office/powerpoint/2010/main" val="413793691"/>
-      </p:ext>
-    </p:extLst>
-  </p:cSld>
-  <p:clrMapOvr>
-    <a:masterClrMapping/>
-  </p:clrMapOvr>
-</p:notes>
-</file>
-
-<file path=ppt/notesSlides/notesSlide38.xml><?xml version="1.0" encoding="utf-8"?>
-<p:notes xmlns:a="http://schemas.openxmlformats.org/drawingml/2006/main" xmlns:r="http://schemas.openxmlformats.org/officeDocument/2006/relationships" xmlns:p="http://schemas.openxmlformats.org/presentationml/2006/main">
-  <p:cSld>
-    <p:spTree>
-      <p:nvGrpSpPr>
-        <p:cNvPr id="1" name=""/>
-        <p:cNvGrpSpPr/>
-        <p:nvPr/>
-      </p:nvGrpSpPr>
-      <p:grpSpPr>
-        <a:xfrm>
-          <a:off x="0" y="0"/>
-          <a:ext cx="0" cy="0"/>
-          <a:chOff x="0" y="0"/>
-          <a:chExt cx="0" cy="0"/>
-        </a:xfrm>
-      </p:grpSpPr>
-      <p:sp>
-        <p:nvSpPr>
-          <p:cNvPr id="2" name="Foliennummernplatzhalter 6"/>
-          <p:cNvSpPr txBox="1"/>
-          <p:nvPr/>
-        </p:nvSpPr>
-        <p:spPr>
-          <a:xfrm>
-            <a:off x="4278962" y="10157402"/>
-            <a:ext cx="3280684" cy="534238"/>
-          </a:xfrm>
-          <a:prstGeom prst="rect">
-            <a:avLst/>
-          </a:prstGeom>
-          <a:noFill/>
-          <a:ln cap="flat">
-            <a:noFill/>
-          </a:ln>
-        </p:spPr>
-        <p:txBody>
-          <a:bodyPr vert="horz" wrap="square" lIns="0" tIns="0" rIns="0" bIns="0" anchor="b" anchorCtr="0" compatLnSpc="1">
-            <a:noAutofit/>
-          </a:bodyPr>
-          <a:lstStyle/>
-          <a:p>
-            <a:pPr marL="0" marR="0" lvl="0" indent="0" algn="r" defTabSz="914400" rtl="0" fontAlgn="auto" hangingPunct="0">
-              <a:lnSpc>
-                <a:spcPct val="100000"/>
-              </a:lnSpc>
-              <a:spcBef>
-                <a:spcPts val="0"/>
-              </a:spcBef>
-              <a:spcAft>
-                <a:spcPts val="0"/>
-              </a:spcAft>
-              <a:buNone/>
-              <a:tabLst/>
-              <a:defRPr sz="1800" b="0" i="0" u="none" strike="noStrike" kern="0" cap="none" spc="0" baseline="0">
-                <a:solidFill>
-                  <a:srgbClr val="000000"/>
-                </a:solidFill>
-                <a:uFillTx/>
-              </a:defRPr>
-            </a:pPr>
-            <a:fld id="{A7C9B5AC-E632-456F-8A7B-DE723A96131E}" type="slidenum">
-              <a:t>42</a:t>
-            </a:fld>
-            <a:endParaRPr lang="en-US" sz="1400" b="0" i="0" u="none" strike="noStrike" kern="1200" cap="none" spc="0" baseline="0">
-              <a:solidFill>
-                <a:srgbClr val="000000"/>
-              </a:solidFill>
-              <a:uFillTx/>
-              <a:latin typeface="Liberation Serif" pitchFamily="18"/>
-              <a:ea typeface="Segoe UI" pitchFamily="2"/>
-              <a:cs typeface="Tahoma" pitchFamily="2"/>
-            </a:endParaRPr>
-          </a:p>
-        </p:txBody>
-      </p:sp>
-      <p:sp>
-        <p:nvSpPr>
-          <p:cNvPr id="3" name="Folienbildplatzhalter 1"/>
-          <p:cNvSpPr>
-            <a:spLocks noGrp="1" noRot="1" noChangeAspect="1"/>
-          </p:cNvSpPr>
-          <p:nvPr>
-            <p:ph type="sldImg"/>
-          </p:nvPr>
-        </p:nvSpPr>
-        <p:spPr>
-          <a:xfrm>
-            <a:off x="217488" y="812800"/>
-            <a:ext cx="7123112" cy="4008438"/>
-          </a:xfrm>
-          <a:solidFill>
-            <a:srgbClr val="729FCF"/>
-          </a:solidFill>
-          <a:ln w="25402">
-            <a:solidFill>
-              <a:srgbClr val="3465A4"/>
-            </a:solidFill>
-            <a:prstDash val="solid"/>
-          </a:ln>
-        </p:spPr>
-      </p:sp>
-      <p:sp>
-        <p:nvSpPr>
-          <p:cNvPr id="4" name="Notizenplatzhalter 2"/>
-          <p:cNvSpPr txBox="1">
-            <a:spLocks noGrp="1"/>
-          </p:cNvSpPr>
-          <p:nvPr>
-            <p:ph type="body" sz="quarter" idx="1"/>
-          </p:nvPr>
-        </p:nvSpPr>
-        <p:spPr/>
-        <p:txBody>
-          <a:bodyPr/>
-          <a:lstStyle/>
-          <a:p>
-            <a:endParaRPr lang="de-DE"/>
-          </a:p>
-        </p:txBody>
-      </p:sp>
-    </p:spTree>
-    <p:extLst>
-      <p:ext uri="{BB962C8B-B14F-4D97-AF65-F5344CB8AC3E}">
-        <p14:creationId xmlns:p14="http://schemas.microsoft.com/office/powerpoint/2010/main" val="3249980849"/>
-      </p:ext>
-    </p:extLst>
-  </p:cSld>
-  <p:clrMapOvr>
-    <a:masterClrMapping/>
-  </p:clrMapOvr>
-</p:notes>
-</file>
-
-<file path=ppt/notesSlides/notesSlide39.xml><?xml version="1.0" encoding="utf-8"?>
-<p:notes xmlns:a="http://schemas.openxmlformats.org/drawingml/2006/main" xmlns:r="http://schemas.openxmlformats.org/officeDocument/2006/relationships" xmlns:p="http://schemas.openxmlformats.org/presentationml/2006/main">
-  <p:cSld>
-    <p:spTree>
-      <p:nvGrpSpPr>
-        <p:cNvPr id="1" name=""/>
-        <p:cNvGrpSpPr/>
-        <p:nvPr/>
-      </p:nvGrpSpPr>
-      <p:grpSpPr>
-        <a:xfrm>
-          <a:off x="0" y="0"/>
-          <a:ext cx="0" cy="0"/>
-          <a:chOff x="0" y="0"/>
-          <a:chExt cx="0" cy="0"/>
-        </a:xfrm>
-      </p:grpSpPr>
-      <p:sp>
-        <p:nvSpPr>
-          <p:cNvPr id="2" name="Foliennummernplatzhalter 6"/>
-          <p:cNvSpPr txBox="1"/>
-          <p:nvPr/>
-        </p:nvSpPr>
-        <p:spPr>
-          <a:xfrm>
-            <a:off x="4278962" y="10157402"/>
-            <a:ext cx="3280684" cy="534238"/>
-          </a:xfrm>
-          <a:prstGeom prst="rect">
-            <a:avLst/>
-          </a:prstGeom>
-          <a:noFill/>
-          <a:ln cap="flat">
-            <a:noFill/>
-          </a:ln>
-        </p:spPr>
-        <p:txBody>
-          <a:bodyPr vert="horz" wrap="square" lIns="0" tIns="0" rIns="0" bIns="0" anchor="b" anchorCtr="0" compatLnSpc="1">
-            <a:noAutofit/>
-          </a:bodyPr>
-          <a:lstStyle/>
-          <a:p>
-            <a:pPr marL="0" marR="0" lvl="0" indent="0" algn="r" defTabSz="914400" rtl="0" fontAlgn="auto" hangingPunct="0">
-              <a:lnSpc>
-                <a:spcPct val="100000"/>
-              </a:lnSpc>
-              <a:spcBef>
-                <a:spcPts val="0"/>
-              </a:spcBef>
-              <a:spcAft>
-                <a:spcPts val="0"/>
-              </a:spcAft>
-              <a:buNone/>
-              <a:tabLst/>
-              <a:defRPr sz="1800" b="0" i="0" u="none" strike="noStrike" kern="0" cap="none" spc="0" baseline="0">
-                <a:solidFill>
-                  <a:srgbClr val="000000"/>
-                </a:solidFill>
-                <a:uFillTx/>
-              </a:defRPr>
-            </a:pPr>
-            <a:fld id="{A7C9B5AC-E632-456F-8A7B-DE723A96131E}" type="slidenum">
-              <a:t>43</a:t>
-            </a:fld>
-            <a:endParaRPr lang="en-US" sz="1400" b="0" i="0" u="none" strike="noStrike" kern="1200" cap="none" spc="0" baseline="0">
-              <a:solidFill>
-                <a:srgbClr val="000000"/>
-              </a:solidFill>
-              <a:uFillTx/>
-              <a:latin typeface="Liberation Serif" pitchFamily="18"/>
-              <a:ea typeface="Segoe UI" pitchFamily="2"/>
-              <a:cs typeface="Tahoma" pitchFamily="2"/>
-            </a:endParaRPr>
-          </a:p>
-        </p:txBody>
-      </p:sp>
-      <p:sp>
-        <p:nvSpPr>
-          <p:cNvPr id="3" name="Folienbildplatzhalter 1"/>
-          <p:cNvSpPr>
-            <a:spLocks noGrp="1" noRot="1" noChangeAspect="1"/>
-          </p:cNvSpPr>
-          <p:nvPr>
-            <p:ph type="sldImg"/>
-          </p:nvPr>
-        </p:nvSpPr>
-        <p:spPr>
-          <a:xfrm>
-            <a:off x="217488" y="812800"/>
-            <a:ext cx="7123112" cy="4008438"/>
-          </a:xfrm>
-          <a:solidFill>
-            <a:srgbClr val="729FCF"/>
-          </a:solidFill>
-          <a:ln w="25402">
-            <a:solidFill>
-              <a:srgbClr val="3465A4"/>
-            </a:solidFill>
-            <a:prstDash val="solid"/>
-          </a:ln>
-        </p:spPr>
-      </p:sp>
-      <p:sp>
-        <p:nvSpPr>
-          <p:cNvPr id="4" name="Notizenplatzhalter 2"/>
-          <p:cNvSpPr txBox="1">
-            <a:spLocks noGrp="1"/>
-          </p:cNvSpPr>
-          <p:nvPr>
-            <p:ph type="body" sz="quarter" idx="1"/>
-          </p:nvPr>
-        </p:nvSpPr>
-        <p:spPr/>
-        <p:txBody>
-          <a:bodyPr/>
-          <a:lstStyle/>
-          <a:p>
-            <a:endParaRPr lang="de-DE"/>
-          </a:p>
-        </p:txBody>
-      </p:sp>
-    </p:spTree>
-    <p:extLst>
-      <p:ext uri="{BB962C8B-B14F-4D97-AF65-F5344CB8AC3E}">
         <p14:creationId xmlns:p14="http://schemas.microsoft.com/office/powerpoint/2010/main" val="115494691"/>
       </p:ext>
     </p:extLst>
@@ -5328,7 +4923,7 @@
               </a:defRPr>
             </a:pPr>
             <a:fld id="{27BAB00E-928E-4A2D-8EA4-FE0F80AF5FD7}" type="slidenum">
-              <a:t>4</a:t>
+              <a:t>5</a:t>
             </a:fld>
             <a:endParaRPr lang="en-US" sz="1400" b="0" i="0" u="none" strike="noStrike" kern="1200" cap="none" spc="0" baseline="0">
               <a:solidFill>
@@ -5390,7 +4985,7 @@
     </p:spTree>
     <p:extLst>
       <p:ext uri="{BB962C8B-B14F-4D97-AF65-F5344CB8AC3E}">
-        <p14:creationId xmlns:p14="http://schemas.microsoft.com/office/powerpoint/2010/main" val="1187796955"/>
+        <p14:creationId xmlns:p14="http://schemas.microsoft.com/office/powerpoint/2010/main" val="3732190470"/>
       </p:ext>
     </p:extLst>
   </p:cSld>
@@ -5524,7 +5119,7 @@
     </p:spTree>
     <p:extLst>
       <p:ext uri="{BB962C8B-B14F-4D97-AF65-F5344CB8AC3E}">
-        <p14:creationId xmlns:p14="http://schemas.microsoft.com/office/powerpoint/2010/main" val="3732190470"/>
+        <p14:creationId xmlns:p14="http://schemas.microsoft.com/office/powerpoint/2010/main" val="3054432821"/>
       </p:ext>
     </p:extLst>
   </p:cSld>
@@ -5658,7 +5253,7 @@
     </p:spTree>
     <p:extLst>
       <p:ext uri="{BB962C8B-B14F-4D97-AF65-F5344CB8AC3E}">
-        <p14:creationId xmlns:p14="http://schemas.microsoft.com/office/powerpoint/2010/main" val="1370856666"/>
+        <p14:creationId xmlns:p14="http://schemas.microsoft.com/office/powerpoint/2010/main" val="3128493277"/>
       </p:ext>
     </p:extLst>
   </p:cSld>
@@ -5785,14 +5380,36 @@
           <a:bodyPr/>
           <a:lstStyle/>
           <a:p>
-            <a:endParaRPr lang="de-DE"/>
+            <a:r>
+              <a:rPr lang="de-DE" dirty="0"/>
+              <a:t>FTP </a:t>
+            </a:r>
+            <a:r>
+              <a:rPr lang="de-DE" dirty="0" err="1"/>
+              <a:t>upload</a:t>
+            </a:r>
+            <a:r>
+              <a:rPr lang="de-DE" dirty="0"/>
+              <a:t>: residual </a:t>
+            </a:r>
+            <a:r>
+              <a:rPr lang="de-DE" dirty="0" err="1"/>
+              <a:t>bandwidth</a:t>
+            </a:r>
+            <a:endParaRPr lang="de-DE" dirty="0"/>
+          </a:p>
+          <a:p>
+            <a:r>
+              <a:rPr lang="en-US" dirty="0"/>
+              <a:t>CCTV and FTP upload independent of number of clients</a:t>
+            </a:r>
           </a:p>
         </p:txBody>
       </p:sp>
     </p:spTree>
     <p:extLst>
       <p:ext uri="{BB962C8B-B14F-4D97-AF65-F5344CB8AC3E}">
-        <p14:creationId xmlns:p14="http://schemas.microsoft.com/office/powerpoint/2010/main" val="3054432821"/>
+        <p14:creationId xmlns:p14="http://schemas.microsoft.com/office/powerpoint/2010/main" val="1672293471"/>
       </p:ext>
     </p:extLst>
   </p:cSld>
@@ -5803,140 +5420,6 @@
 </file>
 
 <file path=ppt/notesSlides/notesSlide8.xml><?xml version="1.0" encoding="utf-8"?>
-<p:notes xmlns:a="http://schemas.openxmlformats.org/drawingml/2006/main" xmlns:r="http://schemas.openxmlformats.org/officeDocument/2006/relationships" xmlns:p="http://schemas.openxmlformats.org/presentationml/2006/main">
-  <p:cSld>
-    <p:spTree>
-      <p:nvGrpSpPr>
-        <p:cNvPr id="1" name=""/>
-        <p:cNvGrpSpPr/>
-        <p:nvPr/>
-      </p:nvGrpSpPr>
-      <p:grpSpPr>
-        <a:xfrm>
-          <a:off x="0" y="0"/>
-          <a:ext cx="0" cy="0"/>
-          <a:chOff x="0" y="0"/>
-          <a:chExt cx="0" cy="0"/>
-        </a:xfrm>
-      </p:grpSpPr>
-      <p:sp>
-        <p:nvSpPr>
-          <p:cNvPr id="2" name="Foliennummernplatzhalter 6"/>
-          <p:cNvSpPr txBox="1"/>
-          <p:nvPr/>
-        </p:nvSpPr>
-        <p:spPr>
-          <a:xfrm>
-            <a:off x="4278962" y="10157402"/>
-            <a:ext cx="3280684" cy="534238"/>
-          </a:xfrm>
-          <a:prstGeom prst="rect">
-            <a:avLst/>
-          </a:prstGeom>
-          <a:noFill/>
-          <a:ln cap="flat">
-            <a:noFill/>
-          </a:ln>
-        </p:spPr>
-        <p:txBody>
-          <a:bodyPr vert="horz" wrap="square" lIns="0" tIns="0" rIns="0" bIns="0" anchor="b" anchorCtr="0" compatLnSpc="1">
-            <a:noAutofit/>
-          </a:bodyPr>
-          <a:lstStyle/>
-          <a:p>
-            <a:pPr marL="0" marR="0" lvl="0" indent="0" algn="r" defTabSz="914400" rtl="0" fontAlgn="auto" hangingPunct="0">
-              <a:lnSpc>
-                <a:spcPct val="100000"/>
-              </a:lnSpc>
-              <a:spcBef>
-                <a:spcPts val="0"/>
-              </a:spcBef>
-              <a:spcAft>
-                <a:spcPts val="0"/>
-              </a:spcAft>
-              <a:buNone/>
-              <a:tabLst/>
-              <a:defRPr sz="1800" b="0" i="0" u="none" strike="noStrike" kern="0" cap="none" spc="0" baseline="0">
-                <a:solidFill>
-                  <a:srgbClr val="000000"/>
-                </a:solidFill>
-                <a:uFillTx/>
-              </a:defRPr>
-            </a:pPr>
-            <a:fld id="{27BAB00E-928E-4A2D-8EA4-FE0F80AF5FD7}" type="slidenum">
-              <a:t>9</a:t>
-            </a:fld>
-            <a:endParaRPr lang="en-US" sz="1400" b="0" i="0" u="none" strike="noStrike" kern="1200" cap="none" spc="0" baseline="0">
-              <a:solidFill>
-                <a:srgbClr val="000000"/>
-              </a:solidFill>
-              <a:uFillTx/>
-              <a:latin typeface="Liberation Serif" pitchFamily="18"/>
-              <a:ea typeface="Segoe UI" pitchFamily="2"/>
-              <a:cs typeface="Tahoma" pitchFamily="2"/>
-            </a:endParaRPr>
-          </a:p>
-        </p:txBody>
-      </p:sp>
-      <p:sp>
-        <p:nvSpPr>
-          <p:cNvPr id="3" name="Folienbildplatzhalter 1"/>
-          <p:cNvSpPr>
-            <a:spLocks noGrp="1" noRot="1" noChangeAspect="1"/>
-          </p:cNvSpPr>
-          <p:nvPr>
-            <p:ph type="sldImg"/>
-          </p:nvPr>
-        </p:nvSpPr>
-        <p:spPr>
-          <a:xfrm>
-            <a:off x="217488" y="812800"/>
-            <a:ext cx="7123112" cy="4008438"/>
-          </a:xfrm>
-          <a:solidFill>
-            <a:srgbClr val="729FCF"/>
-          </a:solidFill>
-          <a:ln w="25402">
-            <a:solidFill>
-              <a:srgbClr val="3465A4"/>
-            </a:solidFill>
-            <a:prstDash val="solid"/>
-          </a:ln>
-        </p:spPr>
-      </p:sp>
-      <p:sp>
-        <p:nvSpPr>
-          <p:cNvPr id="4" name="Notizenplatzhalter 2"/>
-          <p:cNvSpPr txBox="1">
-            <a:spLocks noGrp="1"/>
-          </p:cNvSpPr>
-          <p:nvPr>
-            <p:ph type="body" sz="quarter" idx="1"/>
-          </p:nvPr>
-        </p:nvSpPr>
-        <p:spPr/>
-        <p:txBody>
-          <a:bodyPr/>
-          <a:lstStyle/>
-          <a:p>
-            <a:endParaRPr lang="de-DE"/>
-          </a:p>
-        </p:txBody>
-      </p:sp>
-    </p:spTree>
-    <p:extLst>
-      <p:ext uri="{BB962C8B-B14F-4D97-AF65-F5344CB8AC3E}">
-        <p14:creationId xmlns:p14="http://schemas.microsoft.com/office/powerpoint/2010/main" val="3128493277"/>
-      </p:ext>
-    </p:extLst>
-  </p:cSld>
-  <p:clrMapOvr>
-    <a:masterClrMapping/>
-  </p:clrMapOvr>
-</p:notes>
-</file>
-
-<file path=ppt/notesSlides/notesSlide9.xml><?xml version="1.0" encoding="utf-8"?>
 <p:notes xmlns:a="http://schemas.openxmlformats.org/drawingml/2006/main" xmlns:r="http://schemas.openxmlformats.org/officeDocument/2006/relationships" xmlns:p="http://schemas.openxmlformats.org/presentationml/2006/main">
   <p:cSld>
     <p:spTree>
@@ -6060,7 +5543,141 @@
     </p:spTree>
     <p:extLst>
       <p:ext uri="{BB962C8B-B14F-4D97-AF65-F5344CB8AC3E}">
-        <p14:creationId xmlns:p14="http://schemas.microsoft.com/office/powerpoint/2010/main" val="1672293471"/>
+        <p14:creationId xmlns:p14="http://schemas.microsoft.com/office/powerpoint/2010/main" val="926727575"/>
+      </p:ext>
+    </p:extLst>
+  </p:cSld>
+  <p:clrMapOvr>
+    <a:masterClrMapping/>
+  </p:clrMapOvr>
+</p:notes>
+</file>
+
+<file path=ppt/notesSlides/notesSlide9.xml><?xml version="1.0" encoding="utf-8"?>
+<p:notes xmlns:a="http://schemas.openxmlformats.org/drawingml/2006/main" xmlns:r="http://schemas.openxmlformats.org/officeDocument/2006/relationships" xmlns:p="http://schemas.openxmlformats.org/presentationml/2006/main">
+  <p:cSld>
+    <p:spTree>
+      <p:nvGrpSpPr>
+        <p:cNvPr id="1" name=""/>
+        <p:cNvGrpSpPr/>
+        <p:nvPr/>
+      </p:nvGrpSpPr>
+      <p:grpSpPr>
+        <a:xfrm>
+          <a:off x="0" y="0"/>
+          <a:ext cx="0" cy="0"/>
+          <a:chOff x="0" y="0"/>
+          <a:chExt cx="0" cy="0"/>
+        </a:xfrm>
+      </p:grpSpPr>
+      <p:sp>
+        <p:nvSpPr>
+          <p:cNvPr id="2" name="Foliennummernplatzhalter 6"/>
+          <p:cNvSpPr txBox="1"/>
+          <p:nvPr/>
+        </p:nvSpPr>
+        <p:spPr>
+          <a:xfrm>
+            <a:off x="4278962" y="10157402"/>
+            <a:ext cx="3280684" cy="534238"/>
+          </a:xfrm>
+          <a:prstGeom prst="rect">
+            <a:avLst/>
+          </a:prstGeom>
+          <a:noFill/>
+          <a:ln cap="flat">
+            <a:noFill/>
+          </a:ln>
+        </p:spPr>
+        <p:txBody>
+          <a:bodyPr vert="horz" wrap="square" lIns="0" tIns="0" rIns="0" bIns="0" anchor="b" anchorCtr="0" compatLnSpc="1">
+            <a:noAutofit/>
+          </a:bodyPr>
+          <a:lstStyle/>
+          <a:p>
+            <a:pPr marL="0" marR="0" lvl="0" indent="0" algn="r" defTabSz="914400" rtl="0" fontAlgn="auto" hangingPunct="0">
+              <a:lnSpc>
+                <a:spcPct val="100000"/>
+              </a:lnSpc>
+              <a:spcBef>
+                <a:spcPts val="0"/>
+              </a:spcBef>
+              <a:spcAft>
+                <a:spcPts val="0"/>
+              </a:spcAft>
+              <a:buNone/>
+              <a:tabLst/>
+              <a:defRPr sz="1800" b="0" i="0" u="none" strike="noStrike" kern="0" cap="none" spc="0" baseline="0">
+                <a:solidFill>
+                  <a:srgbClr val="000000"/>
+                </a:solidFill>
+                <a:uFillTx/>
+              </a:defRPr>
+            </a:pPr>
+            <a:fld id="{27BAB00E-928E-4A2D-8EA4-FE0F80AF5FD7}" type="slidenum">
+              <a:t>11</a:t>
+            </a:fld>
+            <a:endParaRPr lang="en-US" sz="1400" b="0" i="0" u="none" strike="noStrike" kern="1200" cap="none" spc="0" baseline="0">
+              <a:solidFill>
+                <a:srgbClr val="000000"/>
+              </a:solidFill>
+              <a:uFillTx/>
+              <a:latin typeface="Liberation Serif" pitchFamily="18"/>
+              <a:ea typeface="Segoe UI" pitchFamily="2"/>
+              <a:cs typeface="Tahoma" pitchFamily="2"/>
+            </a:endParaRPr>
+          </a:p>
+        </p:txBody>
+      </p:sp>
+      <p:sp>
+        <p:nvSpPr>
+          <p:cNvPr id="3" name="Folienbildplatzhalter 1"/>
+          <p:cNvSpPr>
+            <a:spLocks noGrp="1" noRot="1" noChangeAspect="1"/>
+          </p:cNvSpPr>
+          <p:nvPr>
+            <p:ph type="sldImg"/>
+          </p:nvPr>
+        </p:nvSpPr>
+        <p:spPr>
+          <a:xfrm>
+            <a:off x="217488" y="812800"/>
+            <a:ext cx="7123112" cy="4008438"/>
+          </a:xfrm>
+          <a:solidFill>
+            <a:srgbClr val="729FCF"/>
+          </a:solidFill>
+          <a:ln w="25402">
+            <a:solidFill>
+              <a:srgbClr val="3465A4"/>
+            </a:solidFill>
+            <a:prstDash val="solid"/>
+          </a:ln>
+        </p:spPr>
+      </p:sp>
+      <p:sp>
+        <p:nvSpPr>
+          <p:cNvPr id="4" name="Notizenplatzhalter 2"/>
+          <p:cNvSpPr txBox="1">
+            <a:spLocks noGrp="1"/>
+          </p:cNvSpPr>
+          <p:nvPr>
+            <p:ph type="body" sz="quarter" idx="1"/>
+          </p:nvPr>
+        </p:nvSpPr>
+        <p:spPr/>
+        <p:txBody>
+          <a:bodyPr/>
+          <a:lstStyle/>
+          <a:p>
+            <a:endParaRPr lang="de-DE"/>
+          </a:p>
+        </p:txBody>
+      </p:sp>
+    </p:spTree>
+    <p:extLst>
+      <p:ext uri="{BB962C8B-B14F-4D97-AF65-F5344CB8AC3E}">
+        <p14:creationId xmlns:p14="http://schemas.microsoft.com/office/powerpoint/2010/main" val="629443100"/>
       </p:ext>
     </p:extLst>
   </p:cSld>
@@ -9833,385 +9450,6 @@
           <a:lstStyle/>
           <a:p>
             <a:pPr lvl="0"/>
-            <a:r>
-              <a:rPr lang="en-US" dirty="0"/>
-              <a:t>Behavior Expectations with CCTV Camera Turned ON</a:t>
-            </a:r>
-          </a:p>
-        </p:txBody>
-      </p:sp>
-      <p:sp>
-        <p:nvSpPr>
-          <p:cNvPr id="8" name="Datumsplatzhalter 7"/>
-          <p:cNvSpPr>
-            <a:spLocks noGrp="1"/>
-          </p:cNvSpPr>
-          <p:nvPr>
-            <p:ph type="dt" sz="half" idx="7"/>
-          </p:nvPr>
-        </p:nvSpPr>
-        <p:spPr/>
-        <p:txBody>
-          <a:bodyPr/>
-          <a:lstStyle/>
-          <a:p>
-            <a:pPr lvl="0"/>
-            <a:r>
-              <a:rPr lang="de-DE"/>
-              <a:t>September 6, 2016</a:t>
-            </a:r>
-            <a:endParaRPr lang="en-US"/>
-          </a:p>
-        </p:txBody>
-      </p:sp>
-      <p:pic>
-        <p:nvPicPr>
-          <p:cNvPr id="2" name="Grafik 1"/>
-          <p:cNvPicPr>
-            <a:picLocks noChangeAspect="1"/>
-          </p:cNvPicPr>
-          <p:nvPr/>
-        </p:nvPicPr>
-        <p:blipFill>
-          <a:blip r:embed="rId3">
-            <a:extLst>
-              <a:ext uri="{28A0092B-C50C-407E-A947-70E740481C1C}">
-                <a14:useLocalDpi xmlns:a14="http://schemas.microsoft.com/office/drawing/2010/main" val="0"/>
-              </a:ext>
-            </a:extLst>
-          </a:blip>
-          <a:stretch>
-            <a:fillRect/>
-          </a:stretch>
-        </p:blipFill>
-        <p:spPr>
-          <a:xfrm>
-            <a:off x="2732627" y="1333786"/>
-            <a:ext cx="4614740" cy="3960000"/>
-          </a:xfrm>
-          <a:prstGeom prst="rect">
-            <a:avLst/>
-          </a:prstGeom>
-        </p:spPr>
-      </p:pic>
-    </p:spTree>
-    <p:extLst>
-      <p:ext uri="{BB962C8B-B14F-4D97-AF65-F5344CB8AC3E}">
-        <p14:creationId xmlns:p14="http://schemas.microsoft.com/office/powerpoint/2010/main" val="966713944"/>
-      </p:ext>
-    </p:extLst>
-  </p:cSld>
-  <p:clrMapOvr>
-    <a:masterClrMapping/>
-  </p:clrMapOvr>
-</p:sld>
-</file>
-
-<file path=ppt/slides/slide11.xml><?xml version="1.0" encoding="utf-8"?>
-<p:sld xmlns:a="http://schemas.openxmlformats.org/drawingml/2006/main" xmlns:r="http://schemas.openxmlformats.org/officeDocument/2006/relationships" xmlns:p="http://schemas.openxmlformats.org/presentationml/2006/main">
-  <p:cSld>
-    <p:spTree>
-      <p:nvGrpSpPr>
-        <p:cNvPr id="1" name=""/>
-        <p:cNvGrpSpPr/>
-        <p:nvPr/>
-      </p:nvGrpSpPr>
-      <p:grpSpPr>
-        <a:xfrm>
-          <a:off x="0" y="0"/>
-          <a:ext cx="0" cy="0"/>
-          <a:chOff x="0" y="0"/>
-          <a:chExt cx="0" cy="0"/>
-        </a:xfrm>
-      </p:grpSpPr>
-      <p:sp>
-        <p:nvSpPr>
-          <p:cNvPr id="9" name="Foliennummernplatzhalter 8"/>
-          <p:cNvSpPr>
-            <a:spLocks noGrp="1"/>
-          </p:cNvSpPr>
-          <p:nvPr>
-            <p:ph type="sldNum" sz="quarter" idx="8"/>
-          </p:nvPr>
-        </p:nvSpPr>
-        <p:spPr/>
-        <p:txBody>
-          <a:bodyPr/>
-          <a:lstStyle/>
-          <a:p>
-            <a:pPr lvl="0"/>
-            <a:fld id="{79BF4F03-89AE-40EF-85A4-570282C99B96}" type="slidenum">
-              <a:rPr lang="de-DE" smtClean="0"/>
-              <a:t>11</a:t>
-            </a:fld>
-            <a:endParaRPr lang="de-DE" dirty="0"/>
-          </a:p>
-        </p:txBody>
-      </p:sp>
-      <p:sp>
-        <p:nvSpPr>
-          <p:cNvPr id="4" name="Titel 1"/>
-          <p:cNvSpPr txBox="1">
-            <a:spLocks noGrp="1"/>
-          </p:cNvSpPr>
-          <p:nvPr>
-            <p:ph type="title" idx="4294967295"/>
-          </p:nvPr>
-        </p:nvSpPr>
-        <p:spPr/>
-        <p:txBody>
-          <a:bodyPr/>
-          <a:lstStyle/>
-          <a:p>
-            <a:pPr lvl="0"/>
-            <a:endParaRPr lang="en-US" dirty="0"/>
-          </a:p>
-        </p:txBody>
-      </p:sp>
-      <p:sp>
-        <p:nvSpPr>
-          <p:cNvPr id="8" name="Datumsplatzhalter 7"/>
-          <p:cNvSpPr>
-            <a:spLocks noGrp="1"/>
-          </p:cNvSpPr>
-          <p:nvPr>
-            <p:ph type="dt" sz="half" idx="7"/>
-          </p:nvPr>
-        </p:nvSpPr>
-        <p:spPr/>
-        <p:txBody>
-          <a:bodyPr/>
-          <a:lstStyle/>
-          <a:p>
-            <a:pPr lvl="0"/>
-            <a:r>
-              <a:rPr lang="de-DE"/>
-              <a:t>September 6, 2016</a:t>
-            </a:r>
-            <a:endParaRPr lang="en-US"/>
-          </a:p>
-        </p:txBody>
-      </p:sp>
-    </p:spTree>
-    <p:extLst>
-      <p:ext uri="{BB962C8B-B14F-4D97-AF65-F5344CB8AC3E}">
-        <p14:creationId xmlns:p14="http://schemas.microsoft.com/office/powerpoint/2010/main" val="1297710187"/>
-      </p:ext>
-    </p:extLst>
-  </p:cSld>
-  <p:clrMapOvr>
-    <a:masterClrMapping/>
-  </p:clrMapOvr>
-</p:sld>
-</file>
-
-<file path=ppt/slides/slide12.xml><?xml version="1.0" encoding="utf-8"?>
-<p:sld xmlns:a="http://schemas.openxmlformats.org/drawingml/2006/main" xmlns:r="http://schemas.openxmlformats.org/officeDocument/2006/relationships" xmlns:p="http://schemas.openxmlformats.org/presentationml/2006/main">
-  <p:cSld>
-    <p:spTree>
-      <p:nvGrpSpPr>
-        <p:cNvPr id="1" name=""/>
-        <p:cNvGrpSpPr/>
-        <p:nvPr/>
-      </p:nvGrpSpPr>
-      <p:grpSpPr>
-        <a:xfrm>
-          <a:off x="0" y="0"/>
-          <a:ext cx="0" cy="0"/>
-          <a:chOff x="0" y="0"/>
-          <a:chExt cx="0" cy="0"/>
-        </a:xfrm>
-      </p:grpSpPr>
-      <p:sp>
-        <p:nvSpPr>
-          <p:cNvPr id="4" name="Titel 3"/>
-          <p:cNvSpPr>
-            <a:spLocks noGrp="1"/>
-          </p:cNvSpPr>
-          <p:nvPr>
-            <p:ph type="title"/>
-          </p:nvPr>
-        </p:nvSpPr>
-        <p:spPr/>
-        <p:txBody>
-          <a:bodyPr/>
-          <a:lstStyle/>
-          <a:p>
-            <a:r>
-              <a:rPr lang="de-DE" sz="4000" dirty="0">
-                <a:solidFill>
-                  <a:schemeClr val="tx1"/>
-                </a:solidFill>
-              </a:rPr>
-              <a:t>Simulation </a:t>
-            </a:r>
-            <a:r>
-              <a:rPr lang="de-DE" sz="4000" dirty="0" err="1">
-                <a:solidFill>
-                  <a:schemeClr val="tx1"/>
-                </a:solidFill>
-              </a:rPr>
-              <a:t>and</a:t>
-            </a:r>
-            <a:r>
-              <a:rPr lang="de-DE" sz="4000" dirty="0">
-                <a:solidFill>
-                  <a:schemeClr val="tx1"/>
-                </a:solidFill>
-              </a:rPr>
-              <a:t> Evaluation</a:t>
-            </a:r>
-          </a:p>
-        </p:txBody>
-      </p:sp>
-      <p:sp>
-        <p:nvSpPr>
-          <p:cNvPr id="5" name="Textplatzhalter 4"/>
-          <p:cNvSpPr>
-            <a:spLocks noGrp="1"/>
-          </p:cNvSpPr>
-          <p:nvPr>
-            <p:ph type="body" idx="1"/>
-          </p:nvPr>
-        </p:nvSpPr>
-        <p:spPr/>
-        <p:txBody>
-          <a:bodyPr/>
-          <a:lstStyle/>
-          <a:p>
-            <a:r>
-              <a:rPr lang="de-DE" dirty="0"/>
-              <a:t>CCTV </a:t>
-            </a:r>
-            <a:r>
-              <a:rPr lang="de-DE" dirty="0" err="1"/>
-              <a:t>turned</a:t>
-            </a:r>
-            <a:r>
-              <a:rPr lang="de-DE" dirty="0"/>
-              <a:t> off</a:t>
-            </a:r>
-          </a:p>
-        </p:txBody>
-      </p:sp>
-      <p:sp>
-        <p:nvSpPr>
-          <p:cNvPr id="2" name="Datumsplatzhalter 1"/>
-          <p:cNvSpPr>
-            <a:spLocks noGrp="1"/>
-          </p:cNvSpPr>
-          <p:nvPr>
-            <p:ph type="dt" sz="half" idx="7"/>
-          </p:nvPr>
-        </p:nvSpPr>
-        <p:spPr/>
-        <p:txBody>
-          <a:bodyPr/>
-          <a:lstStyle/>
-          <a:p>
-            <a:pPr lvl="0"/>
-            <a:r>
-              <a:rPr lang="de-DE"/>
-              <a:t>September 6, 2016</a:t>
-            </a:r>
-            <a:endParaRPr lang="en-US"/>
-          </a:p>
-        </p:txBody>
-      </p:sp>
-      <p:sp>
-        <p:nvSpPr>
-          <p:cNvPr id="3" name="Foliennummernplatzhalter 2"/>
-          <p:cNvSpPr>
-            <a:spLocks noGrp="1"/>
-          </p:cNvSpPr>
-          <p:nvPr>
-            <p:ph type="sldNum" sz="quarter" idx="8"/>
-          </p:nvPr>
-        </p:nvSpPr>
-        <p:spPr/>
-        <p:txBody>
-          <a:bodyPr/>
-          <a:lstStyle/>
-          <a:p>
-            <a:pPr lvl="0"/>
-            <a:fld id="{79BF4F03-89AE-40EF-85A4-570282C99B96}" type="slidenum">
-              <a:rPr lang="de-DE" smtClean="0"/>
-              <a:t>12</a:t>
-            </a:fld>
-            <a:endParaRPr lang="de-DE"/>
-          </a:p>
-        </p:txBody>
-      </p:sp>
-    </p:spTree>
-    <p:extLst>
-      <p:ext uri="{BB962C8B-B14F-4D97-AF65-F5344CB8AC3E}">
-        <p14:creationId xmlns:p14="http://schemas.microsoft.com/office/powerpoint/2010/main" val="2272141135"/>
-      </p:ext>
-    </p:extLst>
-  </p:cSld>
-  <p:clrMapOvr>
-    <a:masterClrMapping/>
-  </p:clrMapOvr>
-</p:sld>
-</file>
-
-<file path=ppt/slides/slide13.xml><?xml version="1.0" encoding="utf-8"?>
-<p:sld xmlns:a="http://schemas.openxmlformats.org/drawingml/2006/main" xmlns:r="http://schemas.openxmlformats.org/officeDocument/2006/relationships" xmlns:p="http://schemas.openxmlformats.org/presentationml/2006/main">
-  <p:cSld>
-    <p:spTree>
-      <p:nvGrpSpPr>
-        <p:cNvPr id="1" name=""/>
-        <p:cNvGrpSpPr/>
-        <p:nvPr/>
-      </p:nvGrpSpPr>
-      <p:grpSpPr>
-        <a:xfrm>
-          <a:off x="0" y="0"/>
-          <a:ext cx="0" cy="0"/>
-          <a:chOff x="0" y="0"/>
-          <a:chExt cx="0" cy="0"/>
-        </a:xfrm>
-      </p:grpSpPr>
-      <p:sp>
-        <p:nvSpPr>
-          <p:cNvPr id="9" name="Foliennummernplatzhalter 8"/>
-          <p:cNvSpPr>
-            <a:spLocks noGrp="1"/>
-          </p:cNvSpPr>
-          <p:nvPr>
-            <p:ph type="sldNum" sz="quarter" idx="8"/>
-          </p:nvPr>
-        </p:nvSpPr>
-        <p:spPr/>
-        <p:txBody>
-          <a:bodyPr/>
-          <a:lstStyle/>
-          <a:p>
-            <a:pPr lvl="0"/>
-            <a:fld id="{79BF4F03-89AE-40EF-85A4-570282C99B96}" type="slidenum">
-              <a:rPr lang="de-DE" smtClean="0"/>
-              <a:t>13</a:t>
-            </a:fld>
-            <a:endParaRPr lang="de-DE" dirty="0"/>
-          </a:p>
-        </p:txBody>
-      </p:sp>
-      <p:sp>
-        <p:nvSpPr>
-          <p:cNvPr id="4" name="Titel 1"/>
-          <p:cNvSpPr txBox="1">
-            <a:spLocks noGrp="1"/>
-          </p:cNvSpPr>
-          <p:nvPr>
-            <p:ph type="title" idx="4294967295"/>
-          </p:nvPr>
-        </p:nvSpPr>
-        <p:spPr/>
-        <p:txBody>
-          <a:bodyPr/>
-          <a:lstStyle/>
-          <a:p>
-            <a:pPr lvl="0"/>
             <a:endParaRPr lang="en-US" dirty="0"/>
           </a:p>
         </p:txBody>
@@ -10283,7 +9521,7 @@
 </p:sld>
 </file>
 
-<file path=ppt/slides/slide14.xml><?xml version="1.0" encoding="utf-8"?>
+<file path=ppt/slides/slide11.xml><?xml version="1.0" encoding="utf-8"?>
 <p:sld xmlns:a="http://schemas.openxmlformats.org/drawingml/2006/main" xmlns:r="http://schemas.openxmlformats.org/officeDocument/2006/relationships" xmlns:p="http://schemas.openxmlformats.org/presentationml/2006/main">
   <p:cSld>
     <p:spTree>
@@ -10318,7 +9556,7 @@
             <a:pPr lvl="0"/>
             <a:fld id="{79BF4F03-89AE-40EF-85A4-570282C99B96}" type="slidenum">
               <a:rPr lang="de-DE" smtClean="0"/>
-              <a:t>14</a:t>
+              <a:t>11</a:t>
             </a:fld>
             <a:endParaRPr lang="de-DE" dirty="0"/>
           </a:p>
@@ -10411,7 +9649,7 @@
 </p:sld>
 </file>
 
-<file path=ppt/slides/slide15.xml><?xml version="1.0" encoding="utf-8"?>
+<file path=ppt/slides/slide12.xml><?xml version="1.0" encoding="utf-8"?>
 <p:sld xmlns:a="http://schemas.openxmlformats.org/drawingml/2006/main" xmlns:r="http://schemas.openxmlformats.org/officeDocument/2006/relationships" xmlns:p="http://schemas.openxmlformats.org/presentationml/2006/main">
   <p:cSld>
     <p:spTree>
@@ -10446,7 +9684,7 @@
             <a:pPr lvl="0"/>
             <a:fld id="{79BF4F03-89AE-40EF-85A4-570282C99B96}" type="slidenum">
               <a:rPr lang="de-DE" smtClean="0"/>
-              <a:t>15</a:t>
+              <a:t>12</a:t>
             </a:fld>
             <a:endParaRPr lang="de-DE" dirty="0"/>
           </a:p>
@@ -10539,7 +9777,7 @@
 </p:sld>
 </file>
 
-<file path=ppt/slides/slide16.xml><?xml version="1.0" encoding="utf-8"?>
+<file path=ppt/slides/slide13.xml><?xml version="1.0" encoding="utf-8"?>
 <p:sld xmlns:a="http://schemas.openxmlformats.org/drawingml/2006/main" xmlns:r="http://schemas.openxmlformats.org/officeDocument/2006/relationships" xmlns:p="http://schemas.openxmlformats.org/presentationml/2006/main">
   <p:cSld>
     <p:spTree>
@@ -10574,7 +9812,7 @@
             <a:pPr lvl="0"/>
             <a:fld id="{79BF4F03-89AE-40EF-85A4-570282C99B96}" type="slidenum">
               <a:rPr lang="de-DE" smtClean="0"/>
-              <a:t>16</a:t>
+              <a:t>13</a:t>
             </a:fld>
             <a:endParaRPr lang="de-DE" dirty="0"/>
           </a:p>
@@ -10667,7 +9905,7 @@
 </p:sld>
 </file>
 
-<file path=ppt/slides/slide17.xml><?xml version="1.0" encoding="utf-8"?>
+<file path=ppt/slides/slide14.xml><?xml version="1.0" encoding="utf-8"?>
 <p:sld xmlns:a="http://schemas.openxmlformats.org/drawingml/2006/main" xmlns:r="http://schemas.openxmlformats.org/officeDocument/2006/relationships" xmlns:p="http://schemas.openxmlformats.org/presentationml/2006/main">
   <p:cSld>
     <p:spTree>
@@ -10702,7 +9940,7 @@
             <a:pPr lvl="0"/>
             <a:fld id="{79BF4F03-89AE-40EF-85A4-570282C99B96}" type="slidenum">
               <a:rPr lang="de-DE" smtClean="0"/>
-              <a:t>17</a:t>
+              <a:t>14</a:t>
             </a:fld>
             <a:endParaRPr lang="de-DE" dirty="0"/>
           </a:p>
@@ -10795,7 +10033,7 @@
 </p:sld>
 </file>
 
-<file path=ppt/slides/slide18.xml><?xml version="1.0" encoding="utf-8"?>
+<file path=ppt/slides/slide15.xml><?xml version="1.0" encoding="utf-8"?>
 <p:sld xmlns:a="http://schemas.openxmlformats.org/drawingml/2006/main" xmlns:r="http://schemas.openxmlformats.org/officeDocument/2006/relationships" xmlns:p="http://schemas.openxmlformats.org/presentationml/2006/main">
   <p:cSld>
     <p:spTree>
@@ -10830,7 +10068,7 @@
             <a:pPr lvl="0"/>
             <a:fld id="{79BF4F03-89AE-40EF-85A4-570282C99B96}" type="slidenum">
               <a:rPr lang="de-DE" smtClean="0"/>
-              <a:t>18</a:t>
+              <a:t>15</a:t>
             </a:fld>
             <a:endParaRPr lang="de-DE" dirty="0"/>
           </a:p>
@@ -10923,6 +10161,388 @@
 </p:sld>
 </file>
 
+<file path=ppt/slides/slide16.xml><?xml version="1.0" encoding="utf-8"?>
+<p:sld xmlns:a="http://schemas.openxmlformats.org/drawingml/2006/main" xmlns:r="http://schemas.openxmlformats.org/officeDocument/2006/relationships" xmlns:p="http://schemas.openxmlformats.org/presentationml/2006/main">
+  <p:cSld>
+    <p:spTree>
+      <p:nvGrpSpPr>
+        <p:cNvPr id="1" name=""/>
+        <p:cNvGrpSpPr/>
+        <p:nvPr/>
+      </p:nvGrpSpPr>
+      <p:grpSpPr>
+        <a:xfrm>
+          <a:off x="0" y="0"/>
+          <a:ext cx="0" cy="0"/>
+          <a:chOff x="0" y="0"/>
+          <a:chExt cx="0" cy="0"/>
+        </a:xfrm>
+      </p:grpSpPr>
+      <p:sp>
+        <p:nvSpPr>
+          <p:cNvPr id="2" name="Titel 1"/>
+          <p:cNvSpPr>
+            <a:spLocks noGrp="1"/>
+          </p:cNvSpPr>
+          <p:nvPr>
+            <p:ph type="title"/>
+          </p:nvPr>
+        </p:nvSpPr>
+        <p:spPr/>
+        <p:txBody>
+          <a:bodyPr/>
+          <a:lstStyle/>
+          <a:p>
+            <a:endParaRPr lang="de-DE"/>
+          </a:p>
+        </p:txBody>
+      </p:sp>
+      <p:sp>
+        <p:nvSpPr>
+          <p:cNvPr id="3" name="Inhaltsplatzhalter 2"/>
+          <p:cNvSpPr>
+            <a:spLocks noGrp="1"/>
+          </p:cNvSpPr>
+          <p:nvPr>
+            <p:ph idx="1"/>
+          </p:nvPr>
+        </p:nvSpPr>
+        <p:spPr/>
+        <p:txBody>
+          <a:bodyPr/>
+          <a:lstStyle/>
+          <a:p>
+            <a:endParaRPr lang="de-DE"/>
+          </a:p>
+        </p:txBody>
+      </p:sp>
+      <p:sp>
+        <p:nvSpPr>
+          <p:cNvPr id="8" name="Datumsplatzhalter 7"/>
+          <p:cNvSpPr>
+            <a:spLocks noGrp="1"/>
+          </p:cNvSpPr>
+          <p:nvPr>
+            <p:ph type="dt" sz="half" idx="7"/>
+          </p:nvPr>
+        </p:nvSpPr>
+        <p:spPr/>
+        <p:txBody>
+          <a:bodyPr/>
+          <a:lstStyle/>
+          <a:p>
+            <a:pPr lvl="0"/>
+            <a:r>
+              <a:rPr lang="de-DE"/>
+              <a:t>September 6, 2016</a:t>
+            </a:r>
+            <a:endParaRPr lang="en-US"/>
+          </a:p>
+        </p:txBody>
+      </p:sp>
+      <p:sp>
+        <p:nvSpPr>
+          <p:cNvPr id="9" name="Foliennummernplatzhalter 8"/>
+          <p:cNvSpPr>
+            <a:spLocks noGrp="1"/>
+          </p:cNvSpPr>
+          <p:nvPr>
+            <p:ph type="sldNum" sz="quarter" idx="8"/>
+          </p:nvPr>
+        </p:nvSpPr>
+        <p:spPr/>
+        <p:txBody>
+          <a:bodyPr/>
+          <a:lstStyle/>
+          <a:p>
+            <a:pPr lvl="0"/>
+            <a:fld id="{79BF4F03-89AE-40EF-85A4-570282C99B96}" type="slidenum">
+              <a:rPr lang="de-DE" smtClean="0"/>
+              <a:t>16</a:t>
+            </a:fld>
+            <a:endParaRPr lang="de-DE" dirty="0"/>
+          </a:p>
+        </p:txBody>
+      </p:sp>
+    </p:spTree>
+    <p:extLst>
+      <p:ext uri="{BB962C8B-B14F-4D97-AF65-F5344CB8AC3E}">
+        <p14:creationId xmlns:p14="http://schemas.microsoft.com/office/powerpoint/2010/main" val="500498580"/>
+      </p:ext>
+    </p:extLst>
+  </p:cSld>
+  <p:clrMapOvr>
+    <a:masterClrMapping/>
+  </p:clrMapOvr>
+</p:sld>
+</file>
+
+<file path=ppt/slides/slide17.xml><?xml version="1.0" encoding="utf-8"?>
+<p:sld xmlns:a="http://schemas.openxmlformats.org/drawingml/2006/main" xmlns:r="http://schemas.openxmlformats.org/officeDocument/2006/relationships" xmlns:p="http://schemas.openxmlformats.org/presentationml/2006/main">
+  <p:cSld>
+    <p:spTree>
+      <p:nvGrpSpPr>
+        <p:cNvPr id="1" name=""/>
+        <p:cNvGrpSpPr/>
+        <p:nvPr/>
+      </p:nvGrpSpPr>
+      <p:grpSpPr>
+        <a:xfrm>
+          <a:off x="0" y="0"/>
+          <a:ext cx="0" cy="0"/>
+          <a:chOff x="0" y="0"/>
+          <a:chExt cx="0" cy="0"/>
+        </a:xfrm>
+      </p:grpSpPr>
+      <p:sp>
+        <p:nvSpPr>
+          <p:cNvPr id="2" name="Titel 1"/>
+          <p:cNvSpPr>
+            <a:spLocks noGrp="1"/>
+          </p:cNvSpPr>
+          <p:nvPr>
+            <p:ph type="title"/>
+          </p:nvPr>
+        </p:nvSpPr>
+        <p:spPr/>
+        <p:txBody>
+          <a:bodyPr/>
+          <a:lstStyle/>
+          <a:p>
+            <a:endParaRPr lang="de-DE"/>
+          </a:p>
+        </p:txBody>
+      </p:sp>
+      <p:sp>
+        <p:nvSpPr>
+          <p:cNvPr id="3" name="Inhaltsplatzhalter 2"/>
+          <p:cNvSpPr>
+            <a:spLocks noGrp="1"/>
+          </p:cNvSpPr>
+          <p:nvPr>
+            <p:ph idx="1"/>
+          </p:nvPr>
+        </p:nvSpPr>
+        <p:spPr/>
+        <p:txBody>
+          <a:bodyPr/>
+          <a:lstStyle/>
+          <a:p>
+            <a:endParaRPr lang="de-DE"/>
+          </a:p>
+        </p:txBody>
+      </p:sp>
+      <p:sp>
+        <p:nvSpPr>
+          <p:cNvPr id="8" name="Datumsplatzhalter 7"/>
+          <p:cNvSpPr>
+            <a:spLocks noGrp="1"/>
+          </p:cNvSpPr>
+          <p:nvPr>
+            <p:ph type="dt" sz="half" idx="7"/>
+          </p:nvPr>
+        </p:nvSpPr>
+        <p:spPr/>
+        <p:txBody>
+          <a:bodyPr/>
+          <a:lstStyle/>
+          <a:p>
+            <a:pPr lvl="0"/>
+            <a:r>
+              <a:rPr lang="de-DE"/>
+              <a:t>September 6, 2016</a:t>
+            </a:r>
+            <a:endParaRPr lang="en-US"/>
+          </a:p>
+        </p:txBody>
+      </p:sp>
+      <p:sp>
+        <p:nvSpPr>
+          <p:cNvPr id="9" name="Foliennummernplatzhalter 8"/>
+          <p:cNvSpPr>
+            <a:spLocks noGrp="1"/>
+          </p:cNvSpPr>
+          <p:nvPr>
+            <p:ph type="sldNum" sz="quarter" idx="8"/>
+          </p:nvPr>
+        </p:nvSpPr>
+        <p:spPr/>
+        <p:txBody>
+          <a:bodyPr/>
+          <a:lstStyle/>
+          <a:p>
+            <a:pPr lvl="0"/>
+            <a:fld id="{79BF4F03-89AE-40EF-85A4-570282C99B96}" type="slidenum">
+              <a:rPr lang="de-DE" smtClean="0"/>
+              <a:t>17</a:t>
+            </a:fld>
+            <a:endParaRPr lang="de-DE" dirty="0"/>
+          </a:p>
+        </p:txBody>
+      </p:sp>
+    </p:spTree>
+    <p:extLst>
+      <p:ext uri="{BB962C8B-B14F-4D97-AF65-F5344CB8AC3E}">
+        <p14:creationId xmlns:p14="http://schemas.microsoft.com/office/powerpoint/2010/main" val="3778170551"/>
+      </p:ext>
+    </p:extLst>
+  </p:cSld>
+  <p:clrMapOvr>
+    <a:masterClrMapping/>
+  </p:clrMapOvr>
+</p:sld>
+</file>
+
+<file path=ppt/slides/slide18.xml><?xml version="1.0" encoding="utf-8"?>
+<p:sld xmlns:a="http://schemas.openxmlformats.org/drawingml/2006/main" xmlns:r="http://schemas.openxmlformats.org/officeDocument/2006/relationships" xmlns:p="http://schemas.openxmlformats.org/presentationml/2006/main">
+  <p:cSld>
+    <p:spTree>
+      <p:nvGrpSpPr>
+        <p:cNvPr id="1" name=""/>
+        <p:cNvGrpSpPr/>
+        <p:nvPr/>
+      </p:nvGrpSpPr>
+      <p:grpSpPr>
+        <a:xfrm>
+          <a:off x="0" y="0"/>
+          <a:ext cx="0" cy="0"/>
+          <a:chOff x="0" y="0"/>
+          <a:chExt cx="0" cy="0"/>
+        </a:xfrm>
+      </p:grpSpPr>
+      <p:sp>
+        <p:nvSpPr>
+          <p:cNvPr id="4" name="Titel 3"/>
+          <p:cNvSpPr>
+            <a:spLocks noGrp="1"/>
+          </p:cNvSpPr>
+          <p:nvPr>
+            <p:ph type="title"/>
+          </p:nvPr>
+        </p:nvSpPr>
+        <p:spPr/>
+        <p:txBody>
+          <a:bodyPr/>
+          <a:lstStyle/>
+          <a:p>
+            <a:r>
+              <a:rPr lang="de-DE" sz="4000" dirty="0">
+                <a:solidFill>
+                  <a:schemeClr val="tx1"/>
+                </a:solidFill>
+              </a:rPr>
+              <a:t>Simulation </a:t>
+            </a:r>
+            <a:r>
+              <a:rPr lang="de-DE" sz="4000" dirty="0" err="1">
+                <a:solidFill>
+                  <a:schemeClr val="tx1"/>
+                </a:solidFill>
+              </a:rPr>
+              <a:t>and</a:t>
+            </a:r>
+            <a:r>
+              <a:rPr lang="de-DE" sz="4000" dirty="0">
+                <a:solidFill>
+                  <a:schemeClr val="tx1"/>
+                </a:solidFill>
+              </a:rPr>
+              <a:t> Evaluation</a:t>
+            </a:r>
+          </a:p>
+        </p:txBody>
+      </p:sp>
+      <p:sp>
+        <p:nvSpPr>
+          <p:cNvPr id="5" name="Textplatzhalter 4"/>
+          <p:cNvSpPr>
+            <a:spLocks noGrp="1"/>
+          </p:cNvSpPr>
+          <p:nvPr>
+            <p:ph type="body" idx="1"/>
+          </p:nvPr>
+        </p:nvSpPr>
+        <p:spPr/>
+        <p:txBody>
+          <a:bodyPr/>
+          <a:lstStyle/>
+          <a:p>
+            <a:r>
+              <a:rPr lang="de-DE" dirty="0"/>
+              <a:t>CCTV </a:t>
+            </a:r>
+            <a:r>
+              <a:rPr lang="de-DE" dirty="0" err="1"/>
+              <a:t>turned</a:t>
+            </a:r>
+            <a:r>
+              <a:rPr lang="de-DE" dirty="0"/>
+              <a:t> on</a:t>
+            </a:r>
+          </a:p>
+        </p:txBody>
+      </p:sp>
+      <p:sp>
+        <p:nvSpPr>
+          <p:cNvPr id="2" name="Datumsplatzhalter 1"/>
+          <p:cNvSpPr>
+            <a:spLocks noGrp="1"/>
+          </p:cNvSpPr>
+          <p:nvPr>
+            <p:ph type="dt" sz="half" idx="7"/>
+          </p:nvPr>
+        </p:nvSpPr>
+        <p:spPr/>
+        <p:txBody>
+          <a:bodyPr/>
+          <a:lstStyle/>
+          <a:p>
+            <a:pPr lvl="0"/>
+            <a:r>
+              <a:rPr lang="de-DE"/>
+              <a:t>September 6, 2016</a:t>
+            </a:r>
+            <a:endParaRPr lang="en-US"/>
+          </a:p>
+        </p:txBody>
+      </p:sp>
+      <p:sp>
+        <p:nvSpPr>
+          <p:cNvPr id="3" name="Foliennummernplatzhalter 2"/>
+          <p:cNvSpPr>
+            <a:spLocks noGrp="1"/>
+          </p:cNvSpPr>
+          <p:nvPr>
+            <p:ph type="sldNum" sz="quarter" idx="8"/>
+          </p:nvPr>
+        </p:nvSpPr>
+        <p:spPr/>
+        <p:txBody>
+          <a:bodyPr/>
+          <a:lstStyle/>
+          <a:p>
+            <a:pPr lvl="0"/>
+            <a:fld id="{79BF4F03-89AE-40EF-85A4-570282C99B96}" type="slidenum">
+              <a:rPr lang="de-DE" smtClean="0"/>
+              <a:t>18</a:t>
+            </a:fld>
+            <a:endParaRPr lang="de-DE"/>
+          </a:p>
+        </p:txBody>
+      </p:sp>
+    </p:spTree>
+    <p:extLst>
+      <p:ext uri="{BB962C8B-B14F-4D97-AF65-F5344CB8AC3E}">
+        <p14:creationId xmlns:p14="http://schemas.microsoft.com/office/powerpoint/2010/main" val="1433228245"/>
+      </p:ext>
+    </p:extLst>
+  </p:cSld>
+  <p:clrMapOvr>
+    <a:masterClrMapping/>
+  </p:clrMapOvr>
+</p:sld>
+</file>
+
 <file path=ppt/slides/slide19.xml><?xml version="1.0" encoding="utf-8"?>
 <p:sld xmlns:a="http://schemas.openxmlformats.org/drawingml/2006/main" xmlns:r="http://schemas.openxmlformats.org/officeDocument/2006/relationships" xmlns:p="http://schemas.openxmlformats.org/presentationml/2006/main">
   <p:cSld>
@@ -10959,571 +10579,6 @@
             <a:fld id="{79BF4F03-89AE-40EF-85A4-570282C99B96}" type="slidenum">
               <a:rPr lang="de-DE" smtClean="0"/>
               <a:t>19</a:t>
-            </a:fld>
-            <a:endParaRPr lang="de-DE" dirty="0"/>
-          </a:p>
-        </p:txBody>
-      </p:sp>
-      <p:sp>
-        <p:nvSpPr>
-          <p:cNvPr id="4" name="Titel 1"/>
-          <p:cNvSpPr txBox="1">
-            <a:spLocks noGrp="1"/>
-          </p:cNvSpPr>
-          <p:nvPr>
-            <p:ph type="title" idx="4294967295"/>
-          </p:nvPr>
-        </p:nvSpPr>
-        <p:spPr/>
-        <p:txBody>
-          <a:bodyPr/>
-          <a:lstStyle/>
-          <a:p>
-            <a:pPr lvl="0"/>
-            <a:endParaRPr lang="en-US" dirty="0"/>
-          </a:p>
-        </p:txBody>
-      </p:sp>
-      <p:sp>
-        <p:nvSpPr>
-          <p:cNvPr id="8" name="Datumsplatzhalter 7"/>
-          <p:cNvSpPr>
-            <a:spLocks noGrp="1"/>
-          </p:cNvSpPr>
-          <p:nvPr>
-            <p:ph type="dt" sz="half" idx="7"/>
-          </p:nvPr>
-        </p:nvSpPr>
-        <p:spPr/>
-        <p:txBody>
-          <a:bodyPr/>
-          <a:lstStyle/>
-          <a:p>
-            <a:pPr lvl="0"/>
-            <a:r>
-              <a:rPr lang="de-DE"/>
-              <a:t>September 6, 2016</a:t>
-            </a:r>
-            <a:endParaRPr lang="en-US"/>
-          </a:p>
-        </p:txBody>
-      </p:sp>
-    </p:spTree>
-    <p:extLst>
-      <p:ext uri="{BB962C8B-B14F-4D97-AF65-F5344CB8AC3E}">
-        <p14:creationId xmlns:p14="http://schemas.microsoft.com/office/powerpoint/2010/main" val="500498580"/>
-      </p:ext>
-    </p:extLst>
-  </p:cSld>
-  <p:clrMapOvr>
-    <a:masterClrMapping/>
-  </p:clrMapOvr>
-</p:sld>
-</file>
-
-<file path=ppt/slides/slide2.xml><?xml version="1.0" encoding="utf-8"?>
-<p:sld xmlns:a="http://schemas.openxmlformats.org/drawingml/2006/main" xmlns:r="http://schemas.openxmlformats.org/officeDocument/2006/relationships" xmlns:p="http://schemas.openxmlformats.org/presentationml/2006/main">
-  <p:cSld name="page2">
-    <p:spTree>
-      <p:nvGrpSpPr>
-        <p:cNvPr id="1" name=""/>
-        <p:cNvGrpSpPr/>
-        <p:nvPr/>
-      </p:nvGrpSpPr>
-      <p:grpSpPr>
-        <a:xfrm>
-          <a:off x="0" y="0"/>
-          <a:ext cx="0" cy="0"/>
-          <a:chOff x="0" y="0"/>
-          <a:chExt cx="0" cy="0"/>
-        </a:xfrm>
-      </p:grpSpPr>
-      <p:sp>
-        <p:nvSpPr>
-          <p:cNvPr id="3" name="Foliennummernplatzhalter 3"/>
-          <p:cNvSpPr txBox="1"/>
-          <p:nvPr/>
-        </p:nvSpPr>
-        <p:spPr>
-          <a:xfrm>
-            <a:off x="9179999" y="5103001"/>
-            <a:ext cx="719998" cy="539998"/>
-          </a:xfrm>
-          <a:prstGeom prst="rect">
-            <a:avLst/>
-          </a:prstGeom>
-          <a:noFill/>
-          <a:ln cap="flat">
-            <a:noFill/>
-          </a:ln>
-        </p:spPr>
-        <p:txBody>
-          <a:bodyPr vert="horz" wrap="square" lIns="0" tIns="0" rIns="0" bIns="0" anchor="ctr" anchorCtr="1" compatLnSpc="1">
-            <a:noAutofit/>
-          </a:bodyPr>
-          <a:lstStyle/>
-          <a:p>
-            <a:pPr marL="0" marR="0" lvl="0" indent="0" algn="ctr" defTabSz="914400" rtl="0" fontAlgn="auto" hangingPunct="0">
-              <a:lnSpc>
-                <a:spcPct val="100000"/>
-              </a:lnSpc>
-              <a:spcBef>
-                <a:spcPts val="0"/>
-              </a:spcBef>
-              <a:spcAft>
-                <a:spcPts val="0"/>
-              </a:spcAft>
-              <a:buNone/>
-              <a:tabLst/>
-              <a:defRPr sz="1800" b="0" i="0" u="none" strike="noStrike" kern="0" cap="none" spc="0" baseline="0">
-                <a:solidFill>
-                  <a:srgbClr val="000000"/>
-                </a:solidFill>
-                <a:uFillTx/>
-              </a:defRPr>
-            </a:pPr>
-            <a:fld id="{C5CE9A43-2065-45DA-B68C-4145B84AB5A1}" type="slidenum">
-              <a:t>2</a:t>
-            </a:fld>
-            <a:endParaRPr lang="en-US" sz="1800" b="1" i="0" u="none" strike="noStrike" kern="1200" cap="none" spc="0" baseline="0">
-              <a:solidFill>
-                <a:srgbClr val="FFFFFF"/>
-              </a:solidFill>
-              <a:uFillTx/>
-              <a:latin typeface="Source Sans Pro Black" pitchFamily="34"/>
-              <a:ea typeface="源ノ角ゴシック Heavy" pitchFamily="2"/>
-              <a:cs typeface="Tahoma" pitchFamily="2"/>
-            </a:endParaRPr>
-          </a:p>
-        </p:txBody>
-      </p:sp>
-      <p:sp>
-        <p:nvSpPr>
-          <p:cNvPr id="4" name="Titel 1"/>
-          <p:cNvSpPr txBox="1">
-            <a:spLocks noGrp="1"/>
-          </p:cNvSpPr>
-          <p:nvPr>
-            <p:ph type="title" idx="4294967295"/>
-          </p:nvPr>
-        </p:nvSpPr>
-        <p:spPr/>
-        <p:txBody>
-          <a:bodyPr/>
-          <a:lstStyle/>
-          <a:p>
-            <a:pPr lvl="0"/>
-            <a:r>
-              <a:rPr lang="en-US"/>
-              <a:t>Contents</a:t>
-            </a:r>
-          </a:p>
-        </p:txBody>
-      </p:sp>
-      <p:sp>
-        <p:nvSpPr>
-          <p:cNvPr id="5" name="Textplatzhalter 2"/>
-          <p:cNvSpPr txBox="1">
-            <a:spLocks noGrp="1"/>
-          </p:cNvSpPr>
-          <p:nvPr>
-            <p:ph type="body" idx="4294967295"/>
-          </p:nvPr>
-        </p:nvSpPr>
-        <p:spPr/>
-        <p:txBody>
-          <a:bodyPr/>
-          <a:lstStyle/>
-          <a:p>
-            <a:pPr lvl="0">
-              <a:buClr>
-                <a:srgbClr val="2C3E50"/>
-              </a:buClr>
-              <a:buSzPct val="45000"/>
-            </a:pPr>
-            <a:r>
-              <a:rPr lang="en-US" dirty="0"/>
-              <a:t>Network overview</a:t>
-            </a:r>
-          </a:p>
-          <a:p>
-            <a:pPr lvl="0">
-              <a:buClr>
-                <a:srgbClr val="2C3E50"/>
-              </a:buClr>
-              <a:buSzPct val="45000"/>
-            </a:pPr>
-            <a:r>
-              <a:rPr lang="en-US" dirty="0"/>
-              <a:t>Assumptions and modeling</a:t>
-            </a:r>
-          </a:p>
-          <a:p>
-            <a:pPr lvl="0">
-              <a:buClr>
-                <a:srgbClr val="2C3E50"/>
-              </a:buClr>
-              <a:buSzPct val="45000"/>
-            </a:pPr>
-            <a:r>
-              <a:rPr lang="en-US" dirty="0"/>
-              <a:t>Simulation and evaluation</a:t>
-            </a:r>
-          </a:p>
-          <a:p>
-            <a:pPr lvl="0">
-              <a:buClr>
-                <a:srgbClr val="2C3E50"/>
-              </a:buClr>
-              <a:buSzPct val="45000"/>
-            </a:pPr>
-            <a:r>
-              <a:rPr lang="en-US" dirty="0"/>
-              <a:t>Conclusion</a:t>
-            </a:r>
-          </a:p>
-        </p:txBody>
-      </p:sp>
-      <p:sp>
-        <p:nvSpPr>
-          <p:cNvPr id="8" name="Datumsplatzhalter 7"/>
-          <p:cNvSpPr>
-            <a:spLocks noGrp="1"/>
-          </p:cNvSpPr>
-          <p:nvPr>
-            <p:ph type="dt" sz="half" idx="7"/>
-          </p:nvPr>
-        </p:nvSpPr>
-        <p:spPr/>
-        <p:txBody>
-          <a:bodyPr/>
-          <a:lstStyle/>
-          <a:p>
-            <a:pPr lvl="0"/>
-            <a:r>
-              <a:rPr lang="de-DE"/>
-              <a:t>September 6, 2016</a:t>
-            </a:r>
-            <a:endParaRPr lang="en-US" dirty="0"/>
-          </a:p>
-        </p:txBody>
-      </p:sp>
-      <p:sp>
-        <p:nvSpPr>
-          <p:cNvPr id="9" name="Foliennummernplatzhalter 8"/>
-          <p:cNvSpPr>
-            <a:spLocks noGrp="1"/>
-          </p:cNvSpPr>
-          <p:nvPr>
-            <p:ph type="sldNum" sz="quarter" idx="8"/>
-          </p:nvPr>
-        </p:nvSpPr>
-        <p:spPr/>
-        <p:txBody>
-          <a:bodyPr/>
-          <a:lstStyle/>
-          <a:p>
-            <a:pPr lvl="0"/>
-            <a:fld id="{79BF4F03-89AE-40EF-85A4-570282C99B96}" type="slidenum">
-              <a:rPr lang="de-DE" smtClean="0"/>
-              <a:t>2</a:t>
-            </a:fld>
-            <a:endParaRPr lang="de-DE" dirty="0"/>
-          </a:p>
-        </p:txBody>
-      </p:sp>
-    </p:spTree>
-  </p:cSld>
-  <p:clrMapOvr>
-    <a:masterClrMapping/>
-  </p:clrMapOvr>
-</p:sld>
-</file>
-
-<file path=ppt/slides/slide20.xml><?xml version="1.0" encoding="utf-8"?>
-<p:sld xmlns:a="http://schemas.openxmlformats.org/drawingml/2006/main" xmlns:r="http://schemas.openxmlformats.org/officeDocument/2006/relationships" xmlns:p="http://schemas.openxmlformats.org/presentationml/2006/main">
-  <p:cSld>
-    <p:spTree>
-      <p:nvGrpSpPr>
-        <p:cNvPr id="1" name=""/>
-        <p:cNvGrpSpPr/>
-        <p:nvPr/>
-      </p:nvGrpSpPr>
-      <p:grpSpPr>
-        <a:xfrm>
-          <a:off x="0" y="0"/>
-          <a:ext cx="0" cy="0"/>
-          <a:chOff x="0" y="0"/>
-          <a:chExt cx="0" cy="0"/>
-        </a:xfrm>
-      </p:grpSpPr>
-      <p:sp>
-        <p:nvSpPr>
-          <p:cNvPr id="9" name="Foliennummernplatzhalter 8"/>
-          <p:cNvSpPr>
-            <a:spLocks noGrp="1"/>
-          </p:cNvSpPr>
-          <p:nvPr>
-            <p:ph type="sldNum" sz="quarter" idx="8"/>
-          </p:nvPr>
-        </p:nvSpPr>
-        <p:spPr/>
-        <p:txBody>
-          <a:bodyPr/>
-          <a:lstStyle/>
-          <a:p>
-            <a:pPr lvl="0"/>
-            <a:fld id="{79BF4F03-89AE-40EF-85A4-570282C99B96}" type="slidenum">
-              <a:rPr lang="de-DE" smtClean="0"/>
-              <a:t>20</a:t>
-            </a:fld>
-            <a:endParaRPr lang="de-DE" dirty="0"/>
-          </a:p>
-        </p:txBody>
-      </p:sp>
-      <p:sp>
-        <p:nvSpPr>
-          <p:cNvPr id="4" name="Titel 1"/>
-          <p:cNvSpPr txBox="1">
-            <a:spLocks noGrp="1"/>
-          </p:cNvSpPr>
-          <p:nvPr>
-            <p:ph type="title" idx="4294967295"/>
-          </p:nvPr>
-        </p:nvSpPr>
-        <p:spPr/>
-        <p:txBody>
-          <a:bodyPr/>
-          <a:lstStyle/>
-          <a:p>
-            <a:pPr lvl="0"/>
-            <a:endParaRPr lang="en-US" dirty="0"/>
-          </a:p>
-        </p:txBody>
-      </p:sp>
-      <p:sp>
-        <p:nvSpPr>
-          <p:cNvPr id="8" name="Datumsplatzhalter 7"/>
-          <p:cNvSpPr>
-            <a:spLocks noGrp="1"/>
-          </p:cNvSpPr>
-          <p:nvPr>
-            <p:ph type="dt" sz="half" idx="7"/>
-          </p:nvPr>
-        </p:nvSpPr>
-        <p:spPr/>
-        <p:txBody>
-          <a:bodyPr/>
-          <a:lstStyle/>
-          <a:p>
-            <a:pPr lvl="0"/>
-            <a:r>
-              <a:rPr lang="de-DE"/>
-              <a:t>September 6, 2016</a:t>
-            </a:r>
-            <a:endParaRPr lang="en-US"/>
-          </a:p>
-        </p:txBody>
-      </p:sp>
-    </p:spTree>
-    <p:extLst>
-      <p:ext uri="{BB962C8B-B14F-4D97-AF65-F5344CB8AC3E}">
-        <p14:creationId xmlns:p14="http://schemas.microsoft.com/office/powerpoint/2010/main" val="3778170551"/>
-      </p:ext>
-    </p:extLst>
-  </p:cSld>
-  <p:clrMapOvr>
-    <a:masterClrMapping/>
-  </p:clrMapOvr>
-</p:sld>
-</file>
-
-<file path=ppt/slides/slide21.xml><?xml version="1.0" encoding="utf-8"?>
-<p:sld xmlns:a="http://schemas.openxmlformats.org/drawingml/2006/main" xmlns:r="http://schemas.openxmlformats.org/officeDocument/2006/relationships" xmlns:p="http://schemas.openxmlformats.org/presentationml/2006/main">
-  <p:cSld>
-    <p:spTree>
-      <p:nvGrpSpPr>
-        <p:cNvPr id="1" name=""/>
-        <p:cNvGrpSpPr/>
-        <p:nvPr/>
-      </p:nvGrpSpPr>
-      <p:grpSpPr>
-        <a:xfrm>
-          <a:off x="0" y="0"/>
-          <a:ext cx="0" cy="0"/>
-          <a:chOff x="0" y="0"/>
-          <a:chExt cx="0" cy="0"/>
-        </a:xfrm>
-      </p:grpSpPr>
-      <p:sp>
-        <p:nvSpPr>
-          <p:cNvPr id="4" name="Titel 3"/>
-          <p:cNvSpPr>
-            <a:spLocks noGrp="1"/>
-          </p:cNvSpPr>
-          <p:nvPr>
-            <p:ph type="title"/>
-          </p:nvPr>
-        </p:nvSpPr>
-        <p:spPr/>
-        <p:txBody>
-          <a:bodyPr/>
-          <a:lstStyle/>
-          <a:p>
-            <a:r>
-              <a:rPr lang="de-DE" sz="4000" dirty="0">
-                <a:solidFill>
-                  <a:schemeClr val="tx1"/>
-                </a:solidFill>
-              </a:rPr>
-              <a:t>Simulation </a:t>
-            </a:r>
-            <a:r>
-              <a:rPr lang="de-DE" sz="4000" dirty="0" err="1">
-                <a:solidFill>
-                  <a:schemeClr val="tx1"/>
-                </a:solidFill>
-              </a:rPr>
-              <a:t>and</a:t>
-            </a:r>
-            <a:r>
-              <a:rPr lang="de-DE" sz="4000" dirty="0">
-                <a:solidFill>
-                  <a:schemeClr val="tx1"/>
-                </a:solidFill>
-              </a:rPr>
-              <a:t> Evaluation</a:t>
-            </a:r>
-          </a:p>
-        </p:txBody>
-      </p:sp>
-      <p:sp>
-        <p:nvSpPr>
-          <p:cNvPr id="5" name="Textplatzhalter 4"/>
-          <p:cNvSpPr>
-            <a:spLocks noGrp="1"/>
-          </p:cNvSpPr>
-          <p:nvPr>
-            <p:ph type="body" idx="1"/>
-          </p:nvPr>
-        </p:nvSpPr>
-        <p:spPr/>
-        <p:txBody>
-          <a:bodyPr/>
-          <a:lstStyle/>
-          <a:p>
-            <a:r>
-              <a:rPr lang="de-DE" dirty="0"/>
-              <a:t>CCTV </a:t>
-            </a:r>
-            <a:r>
-              <a:rPr lang="de-DE" dirty="0" err="1"/>
-              <a:t>turned</a:t>
-            </a:r>
-            <a:r>
-              <a:rPr lang="de-DE" dirty="0"/>
-              <a:t> on</a:t>
-            </a:r>
-          </a:p>
-        </p:txBody>
-      </p:sp>
-      <p:sp>
-        <p:nvSpPr>
-          <p:cNvPr id="2" name="Datumsplatzhalter 1"/>
-          <p:cNvSpPr>
-            <a:spLocks noGrp="1"/>
-          </p:cNvSpPr>
-          <p:nvPr>
-            <p:ph type="dt" sz="half" idx="7"/>
-          </p:nvPr>
-        </p:nvSpPr>
-        <p:spPr/>
-        <p:txBody>
-          <a:bodyPr/>
-          <a:lstStyle/>
-          <a:p>
-            <a:pPr lvl="0"/>
-            <a:r>
-              <a:rPr lang="de-DE"/>
-              <a:t>September 6, 2016</a:t>
-            </a:r>
-            <a:endParaRPr lang="en-US"/>
-          </a:p>
-        </p:txBody>
-      </p:sp>
-      <p:sp>
-        <p:nvSpPr>
-          <p:cNvPr id="3" name="Foliennummernplatzhalter 2"/>
-          <p:cNvSpPr>
-            <a:spLocks noGrp="1"/>
-          </p:cNvSpPr>
-          <p:nvPr>
-            <p:ph type="sldNum" sz="quarter" idx="8"/>
-          </p:nvPr>
-        </p:nvSpPr>
-        <p:spPr/>
-        <p:txBody>
-          <a:bodyPr/>
-          <a:lstStyle/>
-          <a:p>
-            <a:pPr lvl="0"/>
-            <a:fld id="{79BF4F03-89AE-40EF-85A4-570282C99B96}" type="slidenum">
-              <a:rPr lang="de-DE" smtClean="0"/>
-              <a:t>21</a:t>
-            </a:fld>
-            <a:endParaRPr lang="de-DE"/>
-          </a:p>
-        </p:txBody>
-      </p:sp>
-    </p:spTree>
-    <p:extLst>
-      <p:ext uri="{BB962C8B-B14F-4D97-AF65-F5344CB8AC3E}">
-        <p14:creationId xmlns:p14="http://schemas.microsoft.com/office/powerpoint/2010/main" val="1433228245"/>
-      </p:ext>
-    </p:extLst>
-  </p:cSld>
-  <p:clrMapOvr>
-    <a:masterClrMapping/>
-  </p:clrMapOvr>
-</p:sld>
-</file>
-
-<file path=ppt/slides/slide22.xml><?xml version="1.0" encoding="utf-8"?>
-<p:sld xmlns:a="http://schemas.openxmlformats.org/drawingml/2006/main" xmlns:r="http://schemas.openxmlformats.org/officeDocument/2006/relationships" xmlns:p="http://schemas.openxmlformats.org/presentationml/2006/main">
-  <p:cSld>
-    <p:spTree>
-      <p:nvGrpSpPr>
-        <p:cNvPr id="1" name=""/>
-        <p:cNvGrpSpPr/>
-        <p:nvPr/>
-      </p:nvGrpSpPr>
-      <p:grpSpPr>
-        <a:xfrm>
-          <a:off x="0" y="0"/>
-          <a:ext cx="0" cy="0"/>
-          <a:chOff x="0" y="0"/>
-          <a:chExt cx="0" cy="0"/>
-        </a:xfrm>
-      </p:grpSpPr>
-      <p:sp>
-        <p:nvSpPr>
-          <p:cNvPr id="9" name="Foliennummernplatzhalter 8"/>
-          <p:cNvSpPr>
-            <a:spLocks noGrp="1"/>
-          </p:cNvSpPr>
-          <p:nvPr>
-            <p:ph type="sldNum" sz="quarter" idx="8"/>
-          </p:nvPr>
-        </p:nvSpPr>
-        <p:spPr/>
-        <p:txBody>
-          <a:bodyPr/>
-          <a:lstStyle/>
-          <a:p>
-            <a:pPr lvl="0"/>
-            <a:fld id="{79BF4F03-89AE-40EF-85A4-570282C99B96}" type="slidenum">
-              <a:rPr lang="de-DE" smtClean="0"/>
-              <a:t>22</a:t>
             </a:fld>
             <a:endParaRPr lang="de-DE" dirty="0"/>
           </a:p>
@@ -11616,7 +10671,226 @@
 </p:sld>
 </file>
 
-<file path=ppt/slides/slide23.xml><?xml version="1.0" encoding="utf-8"?>
+<file path=ppt/slides/slide2.xml><?xml version="1.0" encoding="utf-8"?>
+<p:sld xmlns:a="http://schemas.openxmlformats.org/drawingml/2006/main" xmlns:r="http://schemas.openxmlformats.org/officeDocument/2006/relationships" xmlns:p="http://schemas.openxmlformats.org/presentationml/2006/main">
+  <p:cSld name="page2">
+    <p:spTree>
+      <p:nvGrpSpPr>
+        <p:cNvPr id="1" name=""/>
+        <p:cNvGrpSpPr/>
+        <p:nvPr/>
+      </p:nvGrpSpPr>
+      <p:grpSpPr>
+        <a:xfrm>
+          <a:off x="0" y="0"/>
+          <a:ext cx="0" cy="0"/>
+          <a:chOff x="0" y="0"/>
+          <a:chExt cx="0" cy="0"/>
+        </a:xfrm>
+      </p:grpSpPr>
+      <p:sp>
+        <p:nvSpPr>
+          <p:cNvPr id="3" name="Foliennummernplatzhalter 3"/>
+          <p:cNvSpPr txBox="1"/>
+          <p:nvPr/>
+        </p:nvSpPr>
+        <p:spPr>
+          <a:xfrm>
+            <a:off x="9179999" y="5103001"/>
+            <a:ext cx="719998" cy="539998"/>
+          </a:xfrm>
+          <a:prstGeom prst="rect">
+            <a:avLst/>
+          </a:prstGeom>
+          <a:noFill/>
+          <a:ln cap="flat">
+            <a:noFill/>
+          </a:ln>
+        </p:spPr>
+        <p:txBody>
+          <a:bodyPr vert="horz" wrap="square" lIns="0" tIns="0" rIns="0" bIns="0" anchor="ctr" anchorCtr="1" compatLnSpc="1">
+            <a:noAutofit/>
+          </a:bodyPr>
+          <a:lstStyle/>
+          <a:p>
+            <a:pPr marL="0" marR="0" lvl="0" indent="0" algn="ctr" defTabSz="914400" rtl="0" fontAlgn="auto" hangingPunct="0">
+              <a:lnSpc>
+                <a:spcPct val="100000"/>
+              </a:lnSpc>
+              <a:spcBef>
+                <a:spcPts val="0"/>
+              </a:spcBef>
+              <a:spcAft>
+                <a:spcPts val="0"/>
+              </a:spcAft>
+              <a:buNone/>
+              <a:tabLst/>
+              <a:defRPr sz="1800" b="0" i="0" u="none" strike="noStrike" kern="0" cap="none" spc="0" baseline="0">
+                <a:solidFill>
+                  <a:srgbClr val="000000"/>
+                </a:solidFill>
+                <a:uFillTx/>
+              </a:defRPr>
+            </a:pPr>
+            <a:fld id="{C5CE9A43-2065-45DA-B68C-4145B84AB5A1}" type="slidenum">
+              <a:t>2</a:t>
+            </a:fld>
+            <a:endParaRPr lang="en-US" sz="1800" b="1" i="0" u="none" strike="noStrike" kern="1200" cap="none" spc="0" baseline="0">
+              <a:solidFill>
+                <a:srgbClr val="FFFFFF"/>
+              </a:solidFill>
+              <a:uFillTx/>
+              <a:latin typeface="Source Sans Pro Black" pitchFamily="34"/>
+              <a:ea typeface="源ノ角ゴシック Heavy" pitchFamily="2"/>
+              <a:cs typeface="Tahoma" pitchFamily="2"/>
+            </a:endParaRPr>
+          </a:p>
+        </p:txBody>
+      </p:sp>
+      <p:sp>
+        <p:nvSpPr>
+          <p:cNvPr id="4" name="Titel 1"/>
+          <p:cNvSpPr txBox="1">
+            <a:spLocks noGrp="1"/>
+          </p:cNvSpPr>
+          <p:nvPr>
+            <p:ph type="title" idx="4294967295"/>
+          </p:nvPr>
+        </p:nvSpPr>
+        <p:spPr/>
+        <p:txBody>
+          <a:bodyPr/>
+          <a:lstStyle/>
+          <a:p>
+            <a:pPr lvl="0"/>
+            <a:r>
+              <a:rPr lang="en-US"/>
+              <a:t>Contents</a:t>
+            </a:r>
+          </a:p>
+        </p:txBody>
+      </p:sp>
+      <p:sp>
+        <p:nvSpPr>
+          <p:cNvPr id="5" name="Textplatzhalter 2"/>
+          <p:cNvSpPr txBox="1">
+            <a:spLocks noGrp="1"/>
+          </p:cNvSpPr>
+          <p:nvPr>
+            <p:ph type="body" idx="4294967295"/>
+          </p:nvPr>
+        </p:nvSpPr>
+        <p:spPr/>
+        <p:txBody>
+          <a:bodyPr/>
+          <a:lstStyle/>
+          <a:p>
+            <a:pPr lvl="0">
+              <a:buClr>
+                <a:srgbClr val="2C3E50"/>
+              </a:buClr>
+              <a:buSzPct val="45000"/>
+            </a:pPr>
+            <a:r>
+              <a:rPr lang="en-US" dirty="0"/>
+              <a:t>Network overview</a:t>
+            </a:r>
+          </a:p>
+          <a:p>
+            <a:pPr lvl="0">
+              <a:buClr>
+                <a:srgbClr val="2C3E50"/>
+              </a:buClr>
+              <a:buSzPct val="45000"/>
+            </a:pPr>
+            <a:r>
+              <a:rPr lang="en-US" dirty="0"/>
+              <a:t>Assumptions and modeling</a:t>
+            </a:r>
+          </a:p>
+          <a:p>
+            <a:pPr lvl="0">
+              <a:buClr>
+                <a:srgbClr val="2C3E50"/>
+              </a:buClr>
+              <a:buSzPct val="45000"/>
+            </a:pPr>
+            <a:r>
+              <a:rPr lang="en-US" dirty="0"/>
+              <a:t>Simulation and evaluation</a:t>
+            </a:r>
+          </a:p>
+          <a:p>
+            <a:pPr lvl="0">
+              <a:buClr>
+                <a:srgbClr val="2C3E50"/>
+              </a:buClr>
+              <a:buSzPct val="45000"/>
+            </a:pPr>
+            <a:r>
+              <a:rPr lang="en-US" dirty="0"/>
+              <a:t>Conclusion</a:t>
+            </a:r>
+          </a:p>
+        </p:txBody>
+      </p:sp>
+      <p:sp>
+        <p:nvSpPr>
+          <p:cNvPr id="8" name="Datumsplatzhalter 7"/>
+          <p:cNvSpPr>
+            <a:spLocks noGrp="1"/>
+          </p:cNvSpPr>
+          <p:nvPr>
+            <p:ph type="dt" sz="half" idx="7"/>
+          </p:nvPr>
+        </p:nvSpPr>
+        <p:spPr/>
+        <p:txBody>
+          <a:bodyPr/>
+          <a:lstStyle/>
+          <a:p>
+            <a:pPr lvl="0"/>
+            <a:r>
+              <a:rPr lang="de-DE"/>
+              <a:t>September 6, 2016</a:t>
+            </a:r>
+            <a:endParaRPr lang="en-US" dirty="0"/>
+          </a:p>
+        </p:txBody>
+      </p:sp>
+      <p:sp>
+        <p:nvSpPr>
+          <p:cNvPr id="9" name="Foliennummernplatzhalter 8"/>
+          <p:cNvSpPr>
+            <a:spLocks noGrp="1"/>
+          </p:cNvSpPr>
+          <p:nvPr>
+            <p:ph type="sldNum" sz="quarter" idx="8"/>
+          </p:nvPr>
+        </p:nvSpPr>
+        <p:spPr/>
+        <p:txBody>
+          <a:bodyPr/>
+          <a:lstStyle/>
+          <a:p>
+            <a:pPr lvl="0"/>
+            <a:fld id="{79BF4F03-89AE-40EF-85A4-570282C99B96}" type="slidenum">
+              <a:rPr lang="de-DE" smtClean="0"/>
+              <a:t>2</a:t>
+            </a:fld>
+            <a:endParaRPr lang="de-DE" dirty="0"/>
+          </a:p>
+        </p:txBody>
+      </p:sp>
+    </p:spTree>
+  </p:cSld>
+  <p:clrMapOvr>
+    <a:masterClrMapping/>
+  </p:clrMapOvr>
+</p:sld>
+</file>
+
+<file path=ppt/slides/slide20.xml><?xml version="1.0" encoding="utf-8"?>
 <p:sld xmlns:a="http://schemas.openxmlformats.org/drawingml/2006/main" xmlns:r="http://schemas.openxmlformats.org/officeDocument/2006/relationships" xmlns:p="http://schemas.openxmlformats.org/presentationml/2006/main">
   <p:cSld>
     <p:spTree>
@@ -11651,7 +10925,7 @@
             <a:pPr lvl="0"/>
             <a:fld id="{79BF4F03-89AE-40EF-85A4-570282C99B96}" type="slidenum">
               <a:rPr lang="de-DE" smtClean="0"/>
-              <a:t>23</a:t>
+              <a:t>20</a:t>
             </a:fld>
             <a:endParaRPr lang="de-DE" dirty="0"/>
           </a:p>
@@ -11744,7 +11018,7 @@
 </p:sld>
 </file>
 
-<file path=ppt/slides/slide24.xml><?xml version="1.0" encoding="utf-8"?>
+<file path=ppt/slides/slide21.xml><?xml version="1.0" encoding="utf-8"?>
 <p:sld xmlns:a="http://schemas.openxmlformats.org/drawingml/2006/main" xmlns:r="http://schemas.openxmlformats.org/officeDocument/2006/relationships" xmlns:p="http://schemas.openxmlformats.org/presentationml/2006/main">
   <p:cSld>
     <p:spTree>
@@ -11779,7 +11053,7 @@
             <a:pPr lvl="0"/>
             <a:fld id="{79BF4F03-89AE-40EF-85A4-570282C99B96}" type="slidenum">
               <a:rPr lang="de-DE" smtClean="0"/>
-              <a:t>24</a:t>
+              <a:t>21</a:t>
             </a:fld>
             <a:endParaRPr lang="de-DE" dirty="0"/>
           </a:p>
@@ -11872,7 +11146,7 @@
 </p:sld>
 </file>
 
-<file path=ppt/slides/slide25.xml><?xml version="1.0" encoding="utf-8"?>
+<file path=ppt/slides/slide22.xml><?xml version="1.0" encoding="utf-8"?>
 <p:sld xmlns:a="http://schemas.openxmlformats.org/drawingml/2006/main" xmlns:r="http://schemas.openxmlformats.org/officeDocument/2006/relationships" xmlns:p="http://schemas.openxmlformats.org/presentationml/2006/main">
   <p:cSld>
     <p:spTree>
@@ -11907,7 +11181,7 @@
             <a:pPr lvl="0"/>
             <a:fld id="{79BF4F03-89AE-40EF-85A4-570282C99B96}" type="slidenum">
               <a:rPr lang="de-DE" smtClean="0"/>
-              <a:t>25</a:t>
+              <a:t>22</a:t>
             </a:fld>
             <a:endParaRPr lang="de-DE" dirty="0"/>
           </a:p>
@@ -12000,7 +11274,7 @@
 </p:sld>
 </file>
 
-<file path=ppt/slides/slide26.xml><?xml version="1.0" encoding="utf-8"?>
+<file path=ppt/slides/slide23.xml><?xml version="1.0" encoding="utf-8"?>
 <p:sld xmlns:a="http://schemas.openxmlformats.org/drawingml/2006/main" xmlns:r="http://schemas.openxmlformats.org/officeDocument/2006/relationships" xmlns:p="http://schemas.openxmlformats.org/presentationml/2006/main">
   <p:cSld>
     <p:spTree>
@@ -12035,7 +11309,7 @@
             <a:pPr lvl="0"/>
             <a:fld id="{79BF4F03-89AE-40EF-85A4-570282C99B96}" type="slidenum">
               <a:rPr lang="de-DE" smtClean="0"/>
-              <a:t>26</a:t>
+              <a:t>23</a:t>
             </a:fld>
             <a:endParaRPr lang="de-DE" dirty="0"/>
           </a:p>
@@ -12128,7 +11402,7 @@
 </p:sld>
 </file>
 
-<file path=ppt/slides/slide27.xml><?xml version="1.0" encoding="utf-8"?>
+<file path=ppt/slides/slide24.xml><?xml version="1.0" encoding="utf-8"?>
 <p:sld xmlns:a="http://schemas.openxmlformats.org/drawingml/2006/main" xmlns:r="http://schemas.openxmlformats.org/officeDocument/2006/relationships" xmlns:p="http://schemas.openxmlformats.org/presentationml/2006/main">
   <p:cSld>
     <p:spTree>
@@ -12163,7 +11437,7 @@
             <a:pPr lvl="0"/>
             <a:fld id="{79BF4F03-89AE-40EF-85A4-570282C99B96}" type="slidenum">
               <a:rPr lang="de-DE" smtClean="0"/>
-              <a:t>27</a:t>
+              <a:t>24</a:t>
             </a:fld>
             <a:endParaRPr lang="de-DE" dirty="0"/>
           </a:p>
@@ -12256,7 +11530,7 @@
 </p:sld>
 </file>
 
-<file path=ppt/slides/slide28.xml><?xml version="1.0" encoding="utf-8"?>
+<file path=ppt/slides/slide25.xml><?xml version="1.0" encoding="utf-8"?>
 <p:sld xmlns:a="http://schemas.openxmlformats.org/drawingml/2006/main" xmlns:r="http://schemas.openxmlformats.org/officeDocument/2006/relationships" xmlns:p="http://schemas.openxmlformats.org/presentationml/2006/main">
   <p:cSld>
     <p:spTree>
@@ -12275,6 +11549,68 @@
       </p:grpSpPr>
       <p:sp>
         <p:nvSpPr>
+          <p:cNvPr id="2" name="Titel 1"/>
+          <p:cNvSpPr>
+            <a:spLocks noGrp="1"/>
+          </p:cNvSpPr>
+          <p:nvPr>
+            <p:ph type="title"/>
+          </p:nvPr>
+        </p:nvSpPr>
+        <p:spPr/>
+        <p:txBody>
+          <a:bodyPr/>
+          <a:lstStyle/>
+          <a:p>
+            <a:endParaRPr lang="de-DE"/>
+          </a:p>
+        </p:txBody>
+      </p:sp>
+      <p:sp>
+        <p:nvSpPr>
+          <p:cNvPr id="3" name="Inhaltsplatzhalter 2"/>
+          <p:cNvSpPr>
+            <a:spLocks noGrp="1"/>
+          </p:cNvSpPr>
+          <p:nvPr>
+            <p:ph idx="1"/>
+          </p:nvPr>
+        </p:nvSpPr>
+        <p:spPr/>
+        <p:txBody>
+          <a:bodyPr/>
+          <a:lstStyle/>
+          <a:p>
+            <a:endParaRPr lang="de-DE"/>
+          </a:p>
+        </p:txBody>
+      </p:sp>
+      <p:sp>
+        <p:nvSpPr>
+          <p:cNvPr id="8" name="Datumsplatzhalter 7"/>
+          <p:cNvSpPr>
+            <a:spLocks noGrp="1"/>
+          </p:cNvSpPr>
+          <p:nvPr>
+            <p:ph type="dt" sz="half" idx="7"/>
+          </p:nvPr>
+        </p:nvSpPr>
+        <p:spPr/>
+        <p:txBody>
+          <a:bodyPr/>
+          <a:lstStyle/>
+          <a:p>
+            <a:pPr lvl="0"/>
+            <a:r>
+              <a:rPr lang="de-DE"/>
+              <a:t>September 6, 2016</a:t>
+            </a:r>
+            <a:endParaRPr lang="en-US"/>
+          </a:p>
+        </p:txBody>
+      </p:sp>
+      <p:sp>
+        <p:nvSpPr>
           <p:cNvPr id="9" name="Foliennummernplatzhalter 8"/>
           <p:cNvSpPr>
             <a:spLocks noGrp="1"/>
@@ -12291,53 +11627,9 @@
             <a:pPr lvl="0"/>
             <a:fld id="{79BF4F03-89AE-40EF-85A4-570282C99B96}" type="slidenum">
               <a:rPr lang="de-DE" smtClean="0"/>
-              <a:t>28</a:t>
+              <a:t>25</a:t>
             </a:fld>
             <a:endParaRPr lang="de-DE" dirty="0"/>
-          </a:p>
-        </p:txBody>
-      </p:sp>
-      <p:sp>
-        <p:nvSpPr>
-          <p:cNvPr id="4" name="Titel 1"/>
-          <p:cNvSpPr txBox="1">
-            <a:spLocks noGrp="1"/>
-          </p:cNvSpPr>
-          <p:nvPr>
-            <p:ph type="title" idx="4294967295"/>
-          </p:nvPr>
-        </p:nvSpPr>
-        <p:spPr/>
-        <p:txBody>
-          <a:bodyPr/>
-          <a:lstStyle/>
-          <a:p>
-            <a:pPr lvl="0"/>
-            <a:endParaRPr lang="en-US" dirty="0"/>
-          </a:p>
-        </p:txBody>
-      </p:sp>
-      <p:sp>
-        <p:nvSpPr>
-          <p:cNvPr id="8" name="Datumsplatzhalter 7"/>
-          <p:cNvSpPr>
-            <a:spLocks noGrp="1"/>
-          </p:cNvSpPr>
-          <p:nvPr>
-            <p:ph type="dt" sz="half" idx="7"/>
-          </p:nvPr>
-        </p:nvSpPr>
-        <p:spPr/>
-        <p:txBody>
-          <a:bodyPr/>
-          <a:lstStyle/>
-          <a:p>
-            <a:pPr lvl="0"/>
-            <a:r>
-              <a:rPr lang="de-DE"/>
-              <a:t>September 6, 2016</a:t>
-            </a:r>
-            <a:endParaRPr lang="en-US"/>
           </a:p>
         </p:txBody>
       </p:sp>
@@ -12354,7 +11646,7 @@
 </p:sld>
 </file>
 
-<file path=ppt/slides/slide29.xml><?xml version="1.0" encoding="utf-8"?>
+<file path=ppt/slides/slide26.xml><?xml version="1.0" encoding="utf-8"?>
 <p:sld xmlns:a="http://schemas.openxmlformats.org/drawingml/2006/main" xmlns:r="http://schemas.openxmlformats.org/officeDocument/2006/relationships" xmlns:p="http://schemas.openxmlformats.org/presentationml/2006/main">
   <p:cSld>
     <p:spTree>
@@ -12373,6 +11665,68 @@
       </p:grpSpPr>
       <p:sp>
         <p:nvSpPr>
+          <p:cNvPr id="2" name="Titel 1"/>
+          <p:cNvSpPr>
+            <a:spLocks noGrp="1"/>
+          </p:cNvSpPr>
+          <p:nvPr>
+            <p:ph type="title"/>
+          </p:nvPr>
+        </p:nvSpPr>
+        <p:spPr/>
+        <p:txBody>
+          <a:bodyPr/>
+          <a:lstStyle/>
+          <a:p>
+            <a:endParaRPr lang="de-DE"/>
+          </a:p>
+        </p:txBody>
+      </p:sp>
+      <p:sp>
+        <p:nvSpPr>
+          <p:cNvPr id="3" name="Inhaltsplatzhalter 2"/>
+          <p:cNvSpPr>
+            <a:spLocks noGrp="1"/>
+          </p:cNvSpPr>
+          <p:nvPr>
+            <p:ph idx="1"/>
+          </p:nvPr>
+        </p:nvSpPr>
+        <p:spPr/>
+        <p:txBody>
+          <a:bodyPr/>
+          <a:lstStyle/>
+          <a:p>
+            <a:endParaRPr lang="de-DE"/>
+          </a:p>
+        </p:txBody>
+      </p:sp>
+      <p:sp>
+        <p:nvSpPr>
+          <p:cNvPr id="8" name="Datumsplatzhalter 7"/>
+          <p:cNvSpPr>
+            <a:spLocks noGrp="1"/>
+          </p:cNvSpPr>
+          <p:nvPr>
+            <p:ph type="dt" sz="half" idx="7"/>
+          </p:nvPr>
+        </p:nvSpPr>
+        <p:spPr/>
+        <p:txBody>
+          <a:bodyPr/>
+          <a:lstStyle/>
+          <a:p>
+            <a:pPr lvl="0"/>
+            <a:r>
+              <a:rPr lang="de-DE"/>
+              <a:t>September 6, 2016</a:t>
+            </a:r>
+            <a:endParaRPr lang="en-US"/>
+          </a:p>
+        </p:txBody>
+      </p:sp>
+      <p:sp>
+        <p:nvSpPr>
           <p:cNvPr id="9" name="Foliennummernplatzhalter 8"/>
           <p:cNvSpPr>
             <a:spLocks noGrp="1"/>
@@ -12389,53 +11743,9 @@
             <a:pPr lvl="0"/>
             <a:fld id="{79BF4F03-89AE-40EF-85A4-570282C99B96}" type="slidenum">
               <a:rPr lang="de-DE" smtClean="0"/>
-              <a:t>29</a:t>
+              <a:t>26</a:t>
             </a:fld>
             <a:endParaRPr lang="de-DE" dirty="0"/>
-          </a:p>
-        </p:txBody>
-      </p:sp>
-      <p:sp>
-        <p:nvSpPr>
-          <p:cNvPr id="4" name="Titel 1"/>
-          <p:cNvSpPr txBox="1">
-            <a:spLocks noGrp="1"/>
-          </p:cNvSpPr>
-          <p:nvPr>
-            <p:ph type="title" idx="4294967295"/>
-          </p:nvPr>
-        </p:nvSpPr>
-        <p:spPr/>
-        <p:txBody>
-          <a:bodyPr/>
-          <a:lstStyle/>
-          <a:p>
-            <a:pPr lvl="0"/>
-            <a:endParaRPr lang="en-US" dirty="0"/>
-          </a:p>
-        </p:txBody>
-      </p:sp>
-      <p:sp>
-        <p:nvSpPr>
-          <p:cNvPr id="8" name="Datumsplatzhalter 7"/>
-          <p:cNvSpPr>
-            <a:spLocks noGrp="1"/>
-          </p:cNvSpPr>
-          <p:nvPr>
-            <p:ph type="dt" sz="half" idx="7"/>
-          </p:nvPr>
-        </p:nvSpPr>
-        <p:spPr/>
-        <p:txBody>
-          <a:bodyPr/>
-          <a:lstStyle/>
-          <a:p>
-            <a:pPr lvl="0"/>
-            <a:r>
-              <a:rPr lang="de-DE"/>
-              <a:t>September 6, 2016</a:t>
-            </a:r>
-            <a:endParaRPr lang="en-US"/>
           </a:p>
         </p:txBody>
       </p:sp>
@@ -12452,133 +11762,7 @@
 </p:sld>
 </file>
 
-<file path=ppt/slides/slide3.xml><?xml version="1.0" encoding="utf-8"?>
-<p:sld xmlns:a="http://schemas.openxmlformats.org/drawingml/2006/main" xmlns:r="http://schemas.openxmlformats.org/officeDocument/2006/relationships" xmlns:p="http://schemas.openxmlformats.org/presentationml/2006/main">
-  <p:cSld name="Slide24">
-    <p:spTree>
-      <p:nvGrpSpPr>
-        <p:cNvPr id="1" name=""/>
-        <p:cNvGrpSpPr/>
-        <p:nvPr/>
-      </p:nvGrpSpPr>
-      <p:grpSpPr>
-        <a:xfrm>
-          <a:off x="0" y="0"/>
-          <a:ext cx="0" cy="0"/>
-          <a:chOff x="0" y="0"/>
-          <a:chExt cx="0" cy="0"/>
-        </a:xfrm>
-      </p:grpSpPr>
-      <p:sp>
-        <p:nvSpPr>
-          <p:cNvPr id="9" name="Foliennummernplatzhalter 8"/>
-          <p:cNvSpPr>
-            <a:spLocks noGrp="1"/>
-          </p:cNvSpPr>
-          <p:nvPr>
-            <p:ph type="sldNum" sz="quarter" idx="8"/>
-          </p:nvPr>
-        </p:nvSpPr>
-        <p:spPr/>
-        <p:txBody>
-          <a:bodyPr/>
-          <a:lstStyle/>
-          <a:p>
-            <a:pPr lvl="0"/>
-            <a:fld id="{79BF4F03-89AE-40EF-85A4-570282C99B96}" type="slidenum">
-              <a:rPr lang="de-DE" smtClean="0"/>
-              <a:t>3</a:t>
-            </a:fld>
-            <a:endParaRPr lang="de-DE" dirty="0"/>
-          </a:p>
-        </p:txBody>
-      </p:sp>
-      <p:sp>
-        <p:nvSpPr>
-          <p:cNvPr id="4" name="Titel 1"/>
-          <p:cNvSpPr txBox="1">
-            <a:spLocks noGrp="1"/>
-          </p:cNvSpPr>
-          <p:nvPr>
-            <p:ph type="title" idx="4294967295"/>
-          </p:nvPr>
-        </p:nvSpPr>
-        <p:spPr/>
-        <p:txBody>
-          <a:bodyPr/>
-          <a:lstStyle/>
-          <a:p>
-            <a:pPr lvl="0"/>
-            <a:r>
-              <a:rPr lang="en-US" dirty="0"/>
-              <a:t>Network Overview</a:t>
-            </a:r>
-          </a:p>
-        </p:txBody>
-      </p:sp>
-      <p:sp>
-        <p:nvSpPr>
-          <p:cNvPr id="8" name="Datumsplatzhalter 7"/>
-          <p:cNvSpPr>
-            <a:spLocks noGrp="1"/>
-          </p:cNvSpPr>
-          <p:nvPr>
-            <p:ph type="dt" sz="half" idx="7"/>
-          </p:nvPr>
-        </p:nvSpPr>
-        <p:spPr/>
-        <p:txBody>
-          <a:bodyPr/>
-          <a:lstStyle/>
-          <a:p>
-            <a:pPr lvl="0"/>
-            <a:r>
-              <a:rPr lang="de-DE"/>
-              <a:t>September 6, 2016</a:t>
-            </a:r>
-            <a:endParaRPr lang="en-US"/>
-          </a:p>
-        </p:txBody>
-      </p:sp>
-      <p:pic>
-        <p:nvPicPr>
-          <p:cNvPr id="14" name="Grafik 13"/>
-          <p:cNvPicPr>
-            <a:picLocks noChangeAspect="1"/>
-          </p:cNvPicPr>
-          <p:nvPr/>
-        </p:nvPicPr>
-        <p:blipFill>
-          <a:blip r:embed="rId3">
-            <a:extLst>
-              <a:ext uri="{28A0092B-C50C-407E-A947-70E740481C1C}">
-                <a14:useLocalDpi xmlns:a14="http://schemas.microsoft.com/office/drawing/2010/main" val="0"/>
-              </a:ext>
-            </a:extLst>
-          </a:blip>
-          <a:stretch>
-            <a:fillRect/>
-          </a:stretch>
-        </p:blipFill>
-        <p:spPr>
-          <a:xfrm>
-            <a:off x="2732627" y="1324192"/>
-            <a:ext cx="4614741" cy="3960000"/>
-          </a:xfrm>
-          <a:prstGeom prst="rect">
-            <a:avLst/>
-          </a:prstGeom>
-        </p:spPr>
-      </p:pic>
-    </p:spTree>
-  </p:cSld>
-  <p:clrMapOvr>
-    <a:masterClrMapping/>
-  </p:clrMapOvr>
-</p:sld>
-</file>
-
-<file path=ppt/slides/slide30.xml><?xml version="1.0" encoding="utf-8"?>
+<file path=ppt/slides/slide27.xml><?xml version="1.0" encoding="utf-8"?>
 <p:sld xmlns:a="http://schemas.openxmlformats.org/drawingml/2006/main" xmlns:r="http://schemas.openxmlformats.org/officeDocument/2006/relationships" xmlns:p="http://schemas.openxmlformats.org/presentationml/2006/main">
   <p:cSld>
     <p:spTree>
@@ -12668,7 +11852,7 @@
             <a:pPr lvl="0"/>
             <a:fld id="{79BF4F03-89AE-40EF-85A4-570282C99B96}" type="slidenum">
               <a:rPr lang="de-DE" smtClean="0"/>
-              <a:t>30</a:t>
+              <a:t>27</a:t>
             </a:fld>
             <a:endParaRPr lang="de-DE"/>
           </a:p>
@@ -12687,7 +11871,7 @@
 </p:sld>
 </file>
 
-<file path=ppt/slides/slide31.xml><?xml version="1.0" encoding="utf-8"?>
+<file path=ppt/slides/slide28.xml><?xml version="1.0" encoding="utf-8"?>
 <p:sld xmlns:a="http://schemas.openxmlformats.org/drawingml/2006/main" xmlns:r="http://schemas.openxmlformats.org/officeDocument/2006/relationships" xmlns:p="http://schemas.openxmlformats.org/presentationml/2006/main">
   <p:cSld name="Slide23">
     <p:spTree>
@@ -12749,7 +11933,7 @@
               </a:defRPr>
             </a:pPr>
             <a:fld id="{8399015C-D934-4317-85A3-5B9CB1E38062}" type="slidenum">
-              <a:t>31</a:t>
+              <a:t>28</a:t>
             </a:fld>
             <a:endParaRPr lang="en-US" sz="1800" b="1" i="0" u="none" strike="noStrike" kern="1200" cap="none" spc="0" baseline="0" dirty="0">
               <a:solidFill>
@@ -12855,7 +12039,7 @@
             <a:pPr lvl="0"/>
             <a:fld id="{79BF4F03-89AE-40EF-85A4-570282C99B96}" type="slidenum">
               <a:rPr lang="de-DE" smtClean="0"/>
-              <a:t>31</a:t>
+              <a:t>28</a:t>
             </a:fld>
             <a:endParaRPr lang="de-DE" dirty="0"/>
           </a:p>
@@ -12869,7 +12053,7 @@
 </p:sld>
 </file>
 
-<file path=ppt/slides/slide32.xml><?xml version="1.0" encoding="utf-8"?>
+<file path=ppt/slides/slide29.xml><?xml version="1.0" encoding="utf-8"?>
 <p:sld xmlns:a="http://schemas.openxmlformats.org/drawingml/2006/main" xmlns:r="http://schemas.openxmlformats.org/officeDocument/2006/relationships" xmlns:p="http://schemas.openxmlformats.org/presentationml/2006/main">
   <p:cSld name="page14">
     <p:spTree>
@@ -12931,7 +12115,7 @@
               </a:defRPr>
             </a:pPr>
             <a:fld id="{71CE1AA3-9802-4E94-8F65-9A371B4D2906}" type="slidenum">
-              <a:t>32</a:t>
+              <a:t>29</a:t>
             </a:fld>
             <a:endParaRPr lang="en-US" sz="1800" b="1" i="0" u="none" strike="noStrike" kern="1200" cap="none" spc="0" baseline="0">
               <a:solidFill>
@@ -13148,7 +12332,7 @@
             <a:pPr lvl="0"/>
             <a:fld id="{79BF4F03-89AE-40EF-85A4-570282C99B96}" type="slidenum">
               <a:rPr lang="de-DE" smtClean="0"/>
-              <a:t>32</a:t>
+              <a:t>29</a:t>
             </a:fld>
             <a:endParaRPr lang="de-DE"/>
           </a:p>
@@ -13162,7 +12346,475 @@
 </p:sld>
 </file>
 
-<file path=ppt/slides/slide33.xml><?xml version="1.0" encoding="utf-8"?>
+<file path=ppt/slides/slide3.xml><?xml version="1.0" encoding="utf-8"?>
+<p:sld xmlns:a="http://schemas.openxmlformats.org/drawingml/2006/main" xmlns:r="http://schemas.openxmlformats.org/officeDocument/2006/relationships" xmlns:p="http://schemas.openxmlformats.org/presentationml/2006/main">
+  <p:cSld name="Slide24">
+    <p:spTree>
+      <p:nvGrpSpPr>
+        <p:cNvPr id="1" name=""/>
+        <p:cNvGrpSpPr/>
+        <p:nvPr/>
+      </p:nvGrpSpPr>
+      <p:grpSpPr>
+        <a:xfrm>
+          <a:off x="0" y="0"/>
+          <a:ext cx="0" cy="0"/>
+          <a:chOff x="0" y="0"/>
+          <a:chExt cx="0" cy="0"/>
+        </a:xfrm>
+      </p:grpSpPr>
+      <p:sp>
+        <p:nvSpPr>
+          <p:cNvPr id="9" name="Foliennummernplatzhalter 8"/>
+          <p:cNvSpPr>
+            <a:spLocks noGrp="1"/>
+          </p:cNvSpPr>
+          <p:nvPr>
+            <p:ph type="sldNum" sz="quarter" idx="8"/>
+          </p:nvPr>
+        </p:nvSpPr>
+        <p:spPr/>
+        <p:txBody>
+          <a:bodyPr/>
+          <a:lstStyle/>
+          <a:p>
+            <a:pPr lvl="0"/>
+            <a:fld id="{79BF4F03-89AE-40EF-85A4-570282C99B96}" type="slidenum">
+              <a:rPr lang="de-DE" smtClean="0"/>
+              <a:t>3</a:t>
+            </a:fld>
+            <a:endParaRPr lang="de-DE" dirty="0"/>
+          </a:p>
+        </p:txBody>
+      </p:sp>
+      <p:sp>
+        <p:nvSpPr>
+          <p:cNvPr id="4" name="Titel 1"/>
+          <p:cNvSpPr txBox="1">
+            <a:spLocks noGrp="1"/>
+          </p:cNvSpPr>
+          <p:nvPr>
+            <p:ph type="title" idx="4294967295"/>
+          </p:nvPr>
+        </p:nvSpPr>
+        <p:spPr/>
+        <p:txBody>
+          <a:bodyPr/>
+          <a:lstStyle/>
+          <a:p>
+            <a:pPr lvl="0"/>
+            <a:r>
+              <a:rPr lang="en-US" dirty="0"/>
+              <a:t>Network Overview</a:t>
+            </a:r>
+          </a:p>
+        </p:txBody>
+      </p:sp>
+      <p:sp>
+        <p:nvSpPr>
+          <p:cNvPr id="8" name="Datumsplatzhalter 7"/>
+          <p:cNvSpPr>
+            <a:spLocks noGrp="1"/>
+          </p:cNvSpPr>
+          <p:nvPr>
+            <p:ph type="dt" sz="half" idx="7"/>
+          </p:nvPr>
+        </p:nvSpPr>
+        <p:spPr/>
+        <p:txBody>
+          <a:bodyPr/>
+          <a:lstStyle/>
+          <a:p>
+            <a:pPr lvl="0"/>
+            <a:r>
+              <a:rPr lang="de-DE"/>
+              <a:t>September 6, 2016</a:t>
+            </a:r>
+            <a:endParaRPr lang="en-US"/>
+          </a:p>
+        </p:txBody>
+      </p:sp>
+      <p:pic>
+        <p:nvPicPr>
+          <p:cNvPr id="14" name="Grafik 13"/>
+          <p:cNvPicPr>
+            <a:picLocks noChangeAspect="1"/>
+          </p:cNvPicPr>
+          <p:nvPr/>
+        </p:nvPicPr>
+        <p:blipFill>
+          <a:blip r:embed="rId3">
+            <a:extLst>
+              <a:ext uri="{28A0092B-C50C-407E-A947-70E740481C1C}">
+                <a14:useLocalDpi xmlns:a14="http://schemas.microsoft.com/office/drawing/2010/main" val="0"/>
+              </a:ext>
+            </a:extLst>
+          </a:blip>
+          <a:stretch>
+            <a:fillRect/>
+          </a:stretch>
+        </p:blipFill>
+        <p:spPr>
+          <a:xfrm>
+            <a:off x="302489" y="1324192"/>
+            <a:ext cx="4614741" cy="3960000"/>
+          </a:xfrm>
+          <a:prstGeom prst="rect">
+            <a:avLst/>
+          </a:prstGeom>
+        </p:spPr>
+      </p:pic>
+      <p:sp>
+        <p:nvSpPr>
+          <p:cNvPr id="6" name="Textplatzhalter 2"/>
+          <p:cNvSpPr txBox="1">
+            <a:spLocks/>
+          </p:cNvSpPr>
+          <p:nvPr/>
+        </p:nvSpPr>
+        <p:spPr>
+          <a:xfrm>
+            <a:off x="5039998" y="1484994"/>
+            <a:ext cx="4909133" cy="3780001"/>
+          </a:xfrm>
+          <a:prstGeom prst="rect">
+            <a:avLst/>
+          </a:prstGeom>
+          <a:noFill/>
+          <a:ln>
+            <a:noFill/>
+          </a:ln>
+        </p:spPr>
+        <p:txBody>
+          <a:bodyPr vert="horz" wrap="square" lIns="0" tIns="0" rIns="0" bIns="0" anchor="ctr" anchorCtr="0" compatLnSpc="1">
+            <a:noAutofit/>
+          </a:bodyPr>
+          <a:lstStyle>
+            <a:lvl1pPr marL="0" marR="0" lvl="0" indent="0" defTabSz="914400" rtl="0" fontAlgn="auto" hangingPunct="1">
+              <a:lnSpc>
+                <a:spcPct val="100000"/>
+              </a:lnSpc>
+              <a:spcBef>
+                <a:spcPts val="0"/>
+              </a:spcBef>
+              <a:spcAft>
+                <a:spcPts val="1055"/>
+              </a:spcAft>
+              <a:buNone/>
+              <a:tabLst/>
+              <a:defRPr lang="de-DE" sz="2400" b="1" i="0" u="none" strike="noStrike" kern="1200" cap="none" spc="0" baseline="0">
+                <a:solidFill>
+                  <a:srgbClr val="2C3E50"/>
+                </a:solidFill>
+                <a:uFillTx/>
+                <a:latin typeface="Source Sans Pro Semibold" pitchFamily="34"/>
+              </a:defRPr>
+            </a:lvl1pPr>
+            <a:lvl2pPr marL="685800" marR="0" lvl="1" indent="-228600" algn="l" defTabSz="914400" rtl="0" fontAlgn="auto" hangingPunct="1">
+              <a:lnSpc>
+                <a:spcPct val="90000"/>
+              </a:lnSpc>
+              <a:spcBef>
+                <a:spcPts val="500"/>
+              </a:spcBef>
+              <a:spcAft>
+                <a:spcPts val="0"/>
+              </a:spcAft>
+              <a:buSzPct val="100000"/>
+              <a:buFont typeface="Arial" pitchFamily="34"/>
+              <a:buChar char="•"/>
+              <a:tabLst/>
+              <a:defRPr lang="de-DE" sz="2400" b="0" i="0" u="none" strike="noStrike" kern="1200" cap="none" spc="0" baseline="0">
+                <a:solidFill>
+                  <a:srgbClr val="000000"/>
+                </a:solidFill>
+                <a:uFillTx/>
+                <a:latin typeface="Calibri"/>
+              </a:defRPr>
+            </a:lvl2pPr>
+            <a:lvl3pPr marL="1143000" marR="0" lvl="2" indent="-228600" algn="l" defTabSz="914400" rtl="0" fontAlgn="auto" hangingPunct="1">
+              <a:lnSpc>
+                <a:spcPct val="90000"/>
+              </a:lnSpc>
+              <a:spcBef>
+                <a:spcPts val="500"/>
+              </a:spcBef>
+              <a:spcAft>
+                <a:spcPts val="0"/>
+              </a:spcAft>
+              <a:buSzPct val="100000"/>
+              <a:buFont typeface="Arial" pitchFamily="34"/>
+              <a:buChar char="•"/>
+              <a:tabLst/>
+              <a:defRPr lang="de-DE" sz="2000" b="0" i="0" u="none" strike="noStrike" kern="1200" cap="none" spc="0" baseline="0">
+                <a:solidFill>
+                  <a:srgbClr val="000000"/>
+                </a:solidFill>
+                <a:uFillTx/>
+                <a:latin typeface="Calibri"/>
+              </a:defRPr>
+            </a:lvl3pPr>
+            <a:lvl4pPr marL="1600200" marR="0" lvl="3" indent="-228600" algn="l" defTabSz="914400" rtl="0" fontAlgn="auto" hangingPunct="1">
+              <a:lnSpc>
+                <a:spcPct val="90000"/>
+              </a:lnSpc>
+              <a:spcBef>
+                <a:spcPts val="500"/>
+              </a:spcBef>
+              <a:spcAft>
+                <a:spcPts val="0"/>
+              </a:spcAft>
+              <a:buSzPct val="100000"/>
+              <a:buFont typeface="Arial" pitchFamily="34"/>
+              <a:buChar char="•"/>
+              <a:tabLst/>
+              <a:defRPr lang="de-DE" sz="1800" b="0" i="0" u="none" strike="noStrike" kern="1200" cap="none" spc="0" baseline="0">
+                <a:solidFill>
+                  <a:srgbClr val="000000"/>
+                </a:solidFill>
+                <a:uFillTx/>
+                <a:latin typeface="Calibri"/>
+              </a:defRPr>
+            </a:lvl4pPr>
+            <a:lvl5pPr marL="2057400" marR="0" lvl="4" indent="-228600" algn="l" defTabSz="914400" rtl="0" fontAlgn="auto" hangingPunct="1">
+              <a:lnSpc>
+                <a:spcPct val="90000"/>
+              </a:lnSpc>
+              <a:spcBef>
+                <a:spcPts val="500"/>
+              </a:spcBef>
+              <a:spcAft>
+                <a:spcPts val="0"/>
+              </a:spcAft>
+              <a:buSzPct val="100000"/>
+              <a:buFont typeface="Arial" pitchFamily="34"/>
+              <a:buChar char="•"/>
+              <a:tabLst/>
+              <a:defRPr lang="de-DE" sz="1800" b="0" i="0" u="none" strike="noStrike" kern="1200" cap="none" spc="0" baseline="0">
+                <a:solidFill>
+                  <a:srgbClr val="000000"/>
+                </a:solidFill>
+                <a:uFillTx/>
+                <a:latin typeface="Calibri"/>
+              </a:defRPr>
+            </a:lvl5pPr>
+            <a:lvl6pPr marL="2514600" indent="-228600" algn="l" defTabSz="914400" rtl="0" eaLnBrk="1" latinLnBrk="0" hangingPunct="1">
+              <a:lnSpc>
+                <a:spcPct val="90000"/>
+              </a:lnSpc>
+              <a:spcBef>
+                <a:spcPts val="500"/>
+              </a:spcBef>
+              <a:buFont typeface="Arial" panose="020B0604020202020204" pitchFamily="34" charset="0"/>
+              <a:buChar char="•"/>
+              <a:defRPr sz="1800" kern="1200">
+                <a:solidFill>
+                  <a:schemeClr val="tx1"/>
+                </a:solidFill>
+                <a:latin typeface="+mn-lt"/>
+                <a:ea typeface="+mn-ea"/>
+                <a:cs typeface="+mn-cs"/>
+              </a:defRPr>
+            </a:lvl6pPr>
+            <a:lvl7pPr marL="2971800" indent="-228600" algn="l" defTabSz="914400" rtl="0" eaLnBrk="1" latinLnBrk="0" hangingPunct="1">
+              <a:lnSpc>
+                <a:spcPct val="90000"/>
+              </a:lnSpc>
+              <a:spcBef>
+                <a:spcPts val="500"/>
+              </a:spcBef>
+              <a:buFont typeface="Arial" panose="020B0604020202020204" pitchFamily="34" charset="0"/>
+              <a:buChar char="•"/>
+              <a:defRPr sz="1800" kern="1200">
+                <a:solidFill>
+                  <a:schemeClr val="tx1"/>
+                </a:solidFill>
+                <a:latin typeface="+mn-lt"/>
+                <a:ea typeface="+mn-ea"/>
+                <a:cs typeface="+mn-cs"/>
+              </a:defRPr>
+            </a:lvl7pPr>
+            <a:lvl8pPr marL="3429000" indent="-228600" algn="l" defTabSz="914400" rtl="0" eaLnBrk="1" latinLnBrk="0" hangingPunct="1">
+              <a:lnSpc>
+                <a:spcPct val="90000"/>
+              </a:lnSpc>
+              <a:spcBef>
+                <a:spcPts val="500"/>
+              </a:spcBef>
+              <a:buFont typeface="Arial" panose="020B0604020202020204" pitchFamily="34" charset="0"/>
+              <a:buChar char="•"/>
+              <a:defRPr sz="1800" kern="1200">
+                <a:solidFill>
+                  <a:schemeClr val="tx1"/>
+                </a:solidFill>
+                <a:latin typeface="+mn-lt"/>
+                <a:ea typeface="+mn-ea"/>
+                <a:cs typeface="+mn-cs"/>
+              </a:defRPr>
+            </a:lvl8pPr>
+            <a:lvl9pPr marL="3886200" indent="-228600" algn="l" defTabSz="914400" rtl="0" eaLnBrk="1" latinLnBrk="0" hangingPunct="1">
+              <a:lnSpc>
+                <a:spcPct val="90000"/>
+              </a:lnSpc>
+              <a:spcBef>
+                <a:spcPts val="500"/>
+              </a:spcBef>
+              <a:buFont typeface="Arial" panose="020B0604020202020204" pitchFamily="34" charset="0"/>
+              <a:buChar char="•"/>
+              <a:defRPr sz="1800" kern="1200">
+                <a:solidFill>
+                  <a:schemeClr val="tx1"/>
+                </a:solidFill>
+                <a:latin typeface="+mn-lt"/>
+                <a:ea typeface="+mn-ea"/>
+                <a:cs typeface="+mn-cs"/>
+              </a:defRPr>
+            </a:lvl9pPr>
+          </a:lstStyle>
+          <a:p>
+            <a:pPr marL="342900" indent="-342900">
+              <a:buClr>
+                <a:srgbClr val="2C3E50"/>
+              </a:buClr>
+              <a:buSzPct val="100000"/>
+              <a:buFont typeface="Arial" panose="020B0604020202020204" pitchFamily="34" charset="0"/>
+              <a:buChar char="•"/>
+            </a:pPr>
+            <a:r>
+              <a:rPr lang="en-US" dirty="0"/>
+              <a:t>Web browsing (download)</a:t>
+            </a:r>
+          </a:p>
+          <a:p>
+            <a:pPr marL="342900" indent="-342900">
+              <a:buClr>
+                <a:srgbClr val="2C3E50"/>
+              </a:buClr>
+              <a:buSzPct val="100000"/>
+              <a:buFont typeface="Arial" panose="020B0604020202020204" pitchFamily="34" charset="0"/>
+              <a:buChar char="•"/>
+            </a:pPr>
+            <a:r>
+              <a:rPr lang="en-US" dirty="0"/>
+              <a:t>FTP service for file upload</a:t>
+            </a:r>
+          </a:p>
+          <a:p>
+            <a:pPr marL="342900" indent="-342900">
+              <a:buClr>
+                <a:srgbClr val="2C3E50"/>
+              </a:buClr>
+              <a:buSzPct val="100000"/>
+              <a:buFont typeface="Arial" panose="020B0604020202020204" pitchFamily="34" charset="0"/>
+              <a:buChar char="•"/>
+            </a:pPr>
+            <a:r>
+              <a:rPr lang="en-US" dirty="0"/>
+              <a:t>Video lecture in both directions</a:t>
+            </a:r>
+          </a:p>
+          <a:p>
+            <a:pPr marL="342900" indent="-342900">
+              <a:buClr>
+                <a:srgbClr val="2C3E50"/>
+              </a:buClr>
+              <a:buSzPct val="100000"/>
+              <a:buFont typeface="Arial" panose="020B0604020202020204" pitchFamily="34" charset="0"/>
+              <a:buChar char="•"/>
+            </a:pPr>
+            <a:r>
+              <a:rPr lang="en-US" dirty="0"/>
+              <a:t>CCTV camera upload (optional)</a:t>
+            </a:r>
+          </a:p>
+          <a:p>
+            <a:pPr marL="342900" indent="-342900">
+              <a:buClr>
+                <a:srgbClr val="2C3E50"/>
+              </a:buClr>
+              <a:buSzPct val="100000"/>
+              <a:buFont typeface="Arial" panose="020B0604020202020204" pitchFamily="34" charset="0"/>
+              <a:buChar char="•"/>
+            </a:pPr>
+            <a:endParaRPr lang="en-US" sz="1800" dirty="0"/>
+          </a:p>
+          <a:p>
+            <a:pPr marL="342900" indent="-342900">
+              <a:buClr>
+                <a:srgbClr val="2C3E50"/>
+              </a:buClr>
+              <a:buSzPct val="100000"/>
+              <a:buFont typeface="Arial" panose="020B0604020202020204" pitchFamily="34" charset="0"/>
+              <a:buChar char="•"/>
+            </a:pPr>
+            <a:r>
+              <a:rPr lang="en-US" dirty="0"/>
+              <a:t>Quality of service requirements</a:t>
+            </a:r>
+          </a:p>
+          <a:p>
+            <a:pPr marL="1028700" lvl="1" indent="-342900">
+              <a:buClr>
+                <a:srgbClr val="2C3E50"/>
+              </a:buClr>
+              <a:buFont typeface="Arial" panose="020B0604020202020204" pitchFamily="34" charset="0"/>
+              <a:buChar char="•"/>
+            </a:pPr>
+            <a:r>
+              <a:rPr lang="en-US" sz="1800" b="1" dirty="0">
+                <a:solidFill>
+                  <a:srgbClr val="2C3E50"/>
+                </a:solidFill>
+                <a:latin typeface="Source Sans Pro Semibold" pitchFamily="34"/>
+              </a:rPr>
+              <a:t>Video packet delay smaller than 100 </a:t>
+            </a:r>
+            <a:r>
+              <a:rPr lang="en-US" sz="1800" b="1" dirty="0" err="1">
+                <a:solidFill>
+                  <a:srgbClr val="2C3E50"/>
+                </a:solidFill>
+                <a:latin typeface="Source Sans Pro Semibold" pitchFamily="34"/>
+              </a:rPr>
+              <a:t>ms</a:t>
+            </a:r>
+            <a:endParaRPr lang="en-US" sz="1800" b="1" dirty="0">
+              <a:solidFill>
+                <a:srgbClr val="2C3E50"/>
+              </a:solidFill>
+              <a:latin typeface="Source Sans Pro Semibold" pitchFamily="34"/>
+            </a:endParaRPr>
+          </a:p>
+          <a:p>
+            <a:pPr marL="1028700" lvl="1" indent="-342900">
+              <a:buClr>
+                <a:srgbClr val="2C3E50"/>
+              </a:buClr>
+              <a:buFont typeface="Arial" panose="020B0604020202020204" pitchFamily="34" charset="0"/>
+              <a:buChar char="•"/>
+            </a:pPr>
+            <a:r>
+              <a:rPr lang="en-US" sz="1800" b="1" dirty="0">
+                <a:solidFill>
+                  <a:srgbClr val="2C3E50"/>
+                </a:solidFill>
+                <a:latin typeface="Source Sans Pro Semibold" pitchFamily="34"/>
+              </a:rPr>
+              <a:t>Exceeding delay plus packet drops less than 5 %</a:t>
+            </a:r>
+            <a:endParaRPr lang="en-US" sz="1800" dirty="0"/>
+          </a:p>
+        </p:txBody>
+      </p:sp>
+    </p:spTree>
+  </p:cSld>
+  <p:clrMapOvr>
+    <a:masterClrMapping/>
+  </p:clrMapOvr>
+</p:sld>
+</file>
+
+<file path=ppt/slides/slide30.xml><?xml version="1.0" encoding="utf-8"?>
 <p:sld xmlns:a="http://schemas.openxmlformats.org/drawingml/2006/main" xmlns:r="http://schemas.openxmlformats.org/officeDocument/2006/relationships" xmlns:p="http://schemas.openxmlformats.org/presentationml/2006/main">
   <p:cSld name="Slide16">
     <p:spTree>
@@ -13224,7 +12876,7 @@
               </a:defRPr>
             </a:pPr>
             <a:fld id="{E21E95B8-A3B0-4190-85F6-219EA98CCF3A}" type="slidenum">
-              <a:t>33</a:t>
+              <a:t>30</a:t>
             </a:fld>
             <a:endParaRPr lang="en-US" sz="1800" b="1" i="0" u="none" strike="noStrike" kern="1200" cap="none" spc="0" baseline="0">
               <a:solidFill>
@@ -13330,7 +12982,7 @@
             <a:pPr lvl="0"/>
             <a:fld id="{79BF4F03-89AE-40EF-85A4-570282C99B96}" type="slidenum">
               <a:rPr lang="de-DE" smtClean="0"/>
-              <a:t>33</a:t>
+              <a:t>30</a:t>
             </a:fld>
             <a:endParaRPr lang="de-DE"/>
           </a:p>
@@ -13373,7 +13025,7 @@
 </p:sld>
 </file>
 
-<file path=ppt/slides/slide34.xml><?xml version="1.0" encoding="utf-8"?>
+<file path=ppt/slides/slide31.xml><?xml version="1.0" encoding="utf-8"?>
 <p:sld xmlns:a="http://schemas.openxmlformats.org/drawingml/2006/main" xmlns:r="http://schemas.openxmlformats.org/officeDocument/2006/relationships" xmlns:p="http://schemas.openxmlformats.org/presentationml/2006/main">
   <p:cSld>
     <p:spTree>
@@ -13435,7 +13087,7 @@
               </a:defRPr>
             </a:pPr>
             <a:fld id="{E21E95B8-A3B0-4190-85F6-219EA98CCF3A}" type="slidenum">
-              <a:t>34</a:t>
+              <a:t>31</a:t>
             </a:fld>
             <a:endParaRPr lang="en-US" sz="1800" b="1" i="0" u="none" strike="noStrike" kern="1200" cap="none" spc="0" baseline="0">
               <a:solidFill>
@@ -13541,7 +13193,7 @@
             <a:pPr lvl="0"/>
             <a:fld id="{79BF4F03-89AE-40EF-85A4-570282C99B96}" type="slidenum">
               <a:rPr lang="de-DE" smtClean="0"/>
-              <a:t>34</a:t>
+              <a:t>31</a:t>
             </a:fld>
             <a:endParaRPr lang="de-DE"/>
           </a:p>
@@ -13590,7 +13242,7 @@
 </p:sld>
 </file>
 
-<file path=ppt/slides/slide35.xml><?xml version="1.0" encoding="utf-8"?>
+<file path=ppt/slides/slide32.xml><?xml version="1.0" encoding="utf-8"?>
 <p:sld xmlns:a="http://schemas.openxmlformats.org/drawingml/2006/main" xmlns:r="http://schemas.openxmlformats.org/officeDocument/2006/relationships" xmlns:p="http://schemas.openxmlformats.org/presentationml/2006/main">
   <p:cSld>
     <p:spTree>
@@ -13652,7 +13304,7 @@
               </a:defRPr>
             </a:pPr>
             <a:fld id="{E21E95B8-A3B0-4190-85F6-219EA98CCF3A}" type="slidenum">
-              <a:t>35</a:t>
+              <a:t>32</a:t>
             </a:fld>
             <a:endParaRPr lang="en-US" sz="1800" b="1" i="0" u="none" strike="noStrike" kern="1200" cap="none" spc="0" baseline="0">
               <a:solidFill>
@@ -13758,7 +13410,7 @@
             <a:pPr lvl="0"/>
             <a:fld id="{79BF4F03-89AE-40EF-85A4-570282C99B96}" type="slidenum">
               <a:rPr lang="de-DE" smtClean="0"/>
-              <a:t>35</a:t>
+              <a:t>32</a:t>
             </a:fld>
             <a:endParaRPr lang="de-DE"/>
           </a:p>
@@ -13807,7 +13459,7 @@
 </p:sld>
 </file>
 
-<file path=ppt/slides/slide36.xml><?xml version="1.0" encoding="utf-8"?>
+<file path=ppt/slides/slide33.xml><?xml version="1.0" encoding="utf-8"?>
 <p:sld xmlns:a="http://schemas.openxmlformats.org/drawingml/2006/main" xmlns:r="http://schemas.openxmlformats.org/officeDocument/2006/relationships" xmlns:p="http://schemas.openxmlformats.org/presentationml/2006/main">
   <p:cSld>
     <p:spTree>
@@ -13869,7 +13521,7 @@
               </a:defRPr>
             </a:pPr>
             <a:fld id="{E21E95B8-A3B0-4190-85F6-219EA98CCF3A}" type="slidenum">
-              <a:t>36</a:t>
+              <a:t>33</a:t>
             </a:fld>
             <a:endParaRPr lang="en-US" sz="1800" b="1" i="0" u="none" strike="noStrike" kern="1200" cap="none" spc="0" baseline="0">
               <a:solidFill>
@@ -13975,7 +13627,7 @@
             <a:pPr lvl="0"/>
             <a:fld id="{79BF4F03-89AE-40EF-85A4-570282C99B96}" type="slidenum">
               <a:rPr lang="de-DE" smtClean="0"/>
-              <a:t>36</a:t>
+              <a:t>33</a:t>
             </a:fld>
             <a:endParaRPr lang="de-DE"/>
           </a:p>
@@ -14024,7 +13676,7 @@
 </p:sld>
 </file>
 
-<file path=ppt/slides/slide37.xml><?xml version="1.0" encoding="utf-8"?>
+<file path=ppt/slides/slide34.xml><?xml version="1.0" encoding="utf-8"?>
 <p:sld xmlns:a="http://schemas.openxmlformats.org/drawingml/2006/main" xmlns:r="http://schemas.openxmlformats.org/officeDocument/2006/relationships" xmlns:p="http://schemas.openxmlformats.org/presentationml/2006/main">
   <p:cSld>
     <p:spTree>
@@ -14086,7 +13738,7 @@
               </a:defRPr>
             </a:pPr>
             <a:fld id="{E21E95B8-A3B0-4190-85F6-219EA98CCF3A}" type="slidenum">
-              <a:t>37</a:t>
+              <a:t>34</a:t>
             </a:fld>
             <a:endParaRPr lang="en-US" sz="1800" b="1" i="0" u="none" strike="noStrike" kern="1200" cap="none" spc="0" baseline="0">
               <a:solidFill>
@@ -14192,7 +13844,7 @@
             <a:pPr lvl="0"/>
             <a:fld id="{79BF4F03-89AE-40EF-85A4-570282C99B96}" type="slidenum">
               <a:rPr lang="de-DE" smtClean="0"/>
-              <a:t>37</a:t>
+              <a:t>34</a:t>
             </a:fld>
             <a:endParaRPr lang="de-DE"/>
           </a:p>
@@ -14241,7 +13893,7 @@
 </p:sld>
 </file>
 
-<file path=ppt/slides/slide38.xml><?xml version="1.0" encoding="utf-8"?>
+<file path=ppt/slides/slide35.xml><?xml version="1.0" encoding="utf-8"?>
 <p:sld xmlns:a="http://schemas.openxmlformats.org/drawingml/2006/main" xmlns:r="http://schemas.openxmlformats.org/officeDocument/2006/relationships" xmlns:p="http://schemas.openxmlformats.org/presentationml/2006/main">
   <p:cSld>
     <p:spTree>
@@ -14303,7 +13955,7 @@
               </a:defRPr>
             </a:pPr>
             <a:fld id="{E21E95B8-A3B0-4190-85F6-219EA98CCF3A}" type="slidenum">
-              <a:t>38</a:t>
+              <a:t>35</a:t>
             </a:fld>
             <a:endParaRPr lang="en-US" sz="1800" b="1" i="0" u="none" strike="noStrike" kern="1200" cap="none" spc="0" baseline="0">
               <a:solidFill>
@@ -14409,7 +14061,7 @@
             <a:pPr lvl="0"/>
             <a:fld id="{79BF4F03-89AE-40EF-85A4-570282C99B96}" type="slidenum">
               <a:rPr lang="de-DE" smtClean="0"/>
-              <a:t>38</a:t>
+              <a:t>35</a:t>
             </a:fld>
             <a:endParaRPr lang="de-DE"/>
           </a:p>
@@ -14458,7 +14110,7 @@
 </p:sld>
 </file>
 
-<file path=ppt/slides/slide39.xml><?xml version="1.0" encoding="utf-8"?>
+<file path=ppt/slides/slide36.xml><?xml version="1.0" encoding="utf-8"?>
 <p:sld xmlns:a="http://schemas.openxmlformats.org/drawingml/2006/main" xmlns:r="http://schemas.openxmlformats.org/officeDocument/2006/relationships" xmlns:p="http://schemas.openxmlformats.org/presentationml/2006/main">
   <p:cSld>
     <p:spTree>
@@ -14520,7 +14172,7 @@
               </a:defRPr>
             </a:pPr>
             <a:fld id="{E21E95B8-A3B0-4190-85F6-219EA98CCF3A}" type="slidenum">
-              <a:t>39</a:t>
+              <a:t>36</a:t>
             </a:fld>
             <a:endParaRPr lang="en-US" sz="1800" b="1" i="0" u="none" strike="noStrike" kern="1200" cap="none" spc="0" baseline="0">
               <a:solidFill>
@@ -14626,7 +14278,7 @@
             <a:pPr lvl="0"/>
             <a:fld id="{79BF4F03-89AE-40EF-85A4-570282C99B96}" type="slidenum">
               <a:rPr lang="de-DE" smtClean="0"/>
-              <a:t>39</a:t>
+              <a:t>36</a:t>
             </a:fld>
             <a:endParaRPr lang="de-DE"/>
           </a:p>
@@ -14675,105 +14327,7 @@
 </p:sld>
 </file>
 
-<file path=ppt/slides/slide4.xml><?xml version="1.0" encoding="utf-8"?>
-<p:sld xmlns:a="http://schemas.openxmlformats.org/drawingml/2006/main" xmlns:r="http://schemas.openxmlformats.org/officeDocument/2006/relationships" xmlns:p="http://schemas.openxmlformats.org/presentationml/2006/main">
-  <p:cSld>
-    <p:spTree>
-      <p:nvGrpSpPr>
-        <p:cNvPr id="1" name=""/>
-        <p:cNvGrpSpPr/>
-        <p:nvPr/>
-      </p:nvGrpSpPr>
-      <p:grpSpPr>
-        <a:xfrm>
-          <a:off x="0" y="0"/>
-          <a:ext cx="0" cy="0"/>
-          <a:chOff x="0" y="0"/>
-          <a:chExt cx="0" cy="0"/>
-        </a:xfrm>
-      </p:grpSpPr>
-      <p:sp>
-        <p:nvSpPr>
-          <p:cNvPr id="9" name="Foliennummernplatzhalter 8"/>
-          <p:cNvSpPr>
-            <a:spLocks noGrp="1"/>
-          </p:cNvSpPr>
-          <p:nvPr>
-            <p:ph type="sldNum" sz="quarter" idx="8"/>
-          </p:nvPr>
-        </p:nvSpPr>
-        <p:spPr/>
-        <p:txBody>
-          <a:bodyPr/>
-          <a:lstStyle/>
-          <a:p>
-            <a:pPr lvl="0"/>
-            <a:fld id="{79BF4F03-89AE-40EF-85A4-570282C99B96}" type="slidenum">
-              <a:rPr lang="de-DE" smtClean="0"/>
-              <a:t>4</a:t>
-            </a:fld>
-            <a:endParaRPr lang="de-DE" dirty="0"/>
-          </a:p>
-        </p:txBody>
-      </p:sp>
-      <p:sp>
-        <p:nvSpPr>
-          <p:cNvPr id="4" name="Titel 1"/>
-          <p:cNvSpPr txBox="1">
-            <a:spLocks noGrp="1"/>
-          </p:cNvSpPr>
-          <p:nvPr>
-            <p:ph type="title" idx="4294967295"/>
-          </p:nvPr>
-        </p:nvSpPr>
-        <p:spPr/>
-        <p:txBody>
-          <a:bodyPr/>
-          <a:lstStyle/>
-          <a:p>
-            <a:pPr lvl="0"/>
-            <a:endParaRPr lang="en-US" dirty="0"/>
-          </a:p>
-        </p:txBody>
-      </p:sp>
-      <p:sp>
-        <p:nvSpPr>
-          <p:cNvPr id="8" name="Datumsplatzhalter 7"/>
-          <p:cNvSpPr>
-            <a:spLocks noGrp="1"/>
-          </p:cNvSpPr>
-          <p:nvPr>
-            <p:ph type="dt" sz="half" idx="7"/>
-          </p:nvPr>
-        </p:nvSpPr>
-        <p:spPr/>
-        <p:txBody>
-          <a:bodyPr/>
-          <a:lstStyle/>
-          <a:p>
-            <a:pPr lvl="0"/>
-            <a:r>
-              <a:rPr lang="de-DE"/>
-              <a:t>September 6, 2016</a:t>
-            </a:r>
-            <a:endParaRPr lang="en-US"/>
-          </a:p>
-        </p:txBody>
-      </p:sp>
-    </p:spTree>
-    <p:extLst>
-      <p:ext uri="{BB962C8B-B14F-4D97-AF65-F5344CB8AC3E}">
-        <p14:creationId xmlns:p14="http://schemas.microsoft.com/office/powerpoint/2010/main" val="3493733986"/>
-      </p:ext>
-    </p:extLst>
-  </p:cSld>
-  <p:clrMapOvr>
-    <a:masterClrMapping/>
-  </p:clrMapOvr>
-</p:sld>
-</file>
-
-<file path=ppt/slides/slide40.xml><?xml version="1.0" encoding="utf-8"?>
+<file path=ppt/slides/slide37.xml><?xml version="1.0" encoding="utf-8"?>
 <p:sld xmlns:a="http://schemas.openxmlformats.org/drawingml/2006/main" xmlns:r="http://schemas.openxmlformats.org/officeDocument/2006/relationships" xmlns:p="http://schemas.openxmlformats.org/presentationml/2006/main">
   <p:cSld>
     <p:spTree>
@@ -14835,7 +14389,7 @@
               </a:defRPr>
             </a:pPr>
             <a:fld id="{E21E95B8-A3B0-4190-85F6-219EA98CCF3A}" type="slidenum">
-              <a:t>40</a:t>
+              <a:t>37</a:t>
             </a:fld>
             <a:endParaRPr lang="en-US" sz="1800" b="1" i="0" u="none" strike="noStrike" kern="1200" cap="none" spc="0" baseline="0">
               <a:solidFill>
@@ -14941,7 +14495,7 @@
             <a:pPr lvl="0"/>
             <a:fld id="{79BF4F03-89AE-40EF-85A4-570282C99B96}" type="slidenum">
               <a:rPr lang="de-DE" smtClean="0"/>
-              <a:t>40</a:t>
+              <a:t>37</a:t>
             </a:fld>
             <a:endParaRPr lang="de-DE"/>
           </a:p>
@@ -14990,7 +14544,7 @@
 </p:sld>
 </file>
 
-<file path=ppt/slides/slide41.xml><?xml version="1.0" encoding="utf-8"?>
+<file path=ppt/slides/slide38.xml><?xml version="1.0" encoding="utf-8"?>
 <p:sld xmlns:a="http://schemas.openxmlformats.org/drawingml/2006/main" xmlns:r="http://schemas.openxmlformats.org/officeDocument/2006/relationships" xmlns:p="http://schemas.openxmlformats.org/presentationml/2006/main">
   <p:cSld>
     <p:spTree>
@@ -15052,7 +14606,7 @@
               </a:defRPr>
             </a:pPr>
             <a:fld id="{E21E95B8-A3B0-4190-85F6-219EA98CCF3A}" type="slidenum">
-              <a:t>41</a:t>
+              <a:t>38</a:t>
             </a:fld>
             <a:endParaRPr lang="en-US" sz="1800" b="1" i="0" u="none" strike="noStrike" kern="1200" cap="none" spc="0" baseline="0">
               <a:solidFill>
@@ -15158,7 +14712,7 @@
             <a:pPr lvl="0"/>
             <a:fld id="{79BF4F03-89AE-40EF-85A4-570282C99B96}" type="slidenum">
               <a:rPr lang="de-DE" smtClean="0"/>
-              <a:t>41</a:t>
+              <a:t>38</a:t>
             </a:fld>
             <a:endParaRPr lang="de-DE"/>
           </a:p>
@@ -15207,7 +14761,7 @@
 </p:sld>
 </file>
 
-<file path=ppt/slides/slide42.xml><?xml version="1.0" encoding="utf-8"?>
+<file path=ppt/slides/slide39.xml><?xml version="1.0" encoding="utf-8"?>
 <p:sld xmlns:a="http://schemas.openxmlformats.org/drawingml/2006/main" xmlns:r="http://schemas.openxmlformats.org/officeDocument/2006/relationships" xmlns:p="http://schemas.openxmlformats.org/presentationml/2006/main">
   <p:cSld>
     <p:spTree>
@@ -15269,7 +14823,7 @@
               </a:defRPr>
             </a:pPr>
             <a:fld id="{E21E95B8-A3B0-4190-85F6-219EA98CCF3A}" type="slidenum">
-              <a:t>42</a:t>
+              <a:t>39</a:t>
             </a:fld>
             <a:endParaRPr lang="en-US" sz="1800" b="1" i="0" u="none" strike="noStrike" kern="1200" cap="none" spc="0" baseline="0">
               <a:solidFill>
@@ -15375,7 +14929,7 @@
             <a:pPr lvl="0"/>
             <a:fld id="{79BF4F03-89AE-40EF-85A4-570282C99B96}" type="slidenum">
               <a:rPr lang="de-DE" smtClean="0"/>
-              <a:t>42</a:t>
+              <a:t>39</a:t>
             </a:fld>
             <a:endParaRPr lang="de-DE"/>
           </a:p>
@@ -15424,7 +14978,135 @@
 </p:sld>
 </file>
 
-<file path=ppt/slides/slide43.xml><?xml version="1.0" encoding="utf-8"?>
+<file path=ppt/slides/slide4.xml><?xml version="1.0" encoding="utf-8"?>
+<p:sld xmlns:a="http://schemas.openxmlformats.org/drawingml/2006/main" xmlns:r="http://schemas.openxmlformats.org/officeDocument/2006/relationships" xmlns:p="http://schemas.openxmlformats.org/presentationml/2006/main">
+  <p:cSld>
+    <p:spTree>
+      <p:nvGrpSpPr>
+        <p:cNvPr id="1" name=""/>
+        <p:cNvGrpSpPr/>
+        <p:nvPr/>
+      </p:nvGrpSpPr>
+      <p:grpSpPr>
+        <a:xfrm>
+          <a:off x="0" y="0"/>
+          <a:ext cx="0" cy="0"/>
+          <a:chOff x="0" y="0"/>
+          <a:chExt cx="0" cy="0"/>
+        </a:xfrm>
+      </p:grpSpPr>
+      <p:sp>
+        <p:nvSpPr>
+          <p:cNvPr id="4" name="Titel 3"/>
+          <p:cNvSpPr>
+            <a:spLocks noGrp="1"/>
+          </p:cNvSpPr>
+          <p:nvPr>
+            <p:ph type="title"/>
+          </p:nvPr>
+        </p:nvSpPr>
+        <p:spPr/>
+        <p:txBody>
+          <a:bodyPr/>
+          <a:lstStyle/>
+          <a:p>
+            <a:r>
+              <a:rPr lang="de-DE" sz="4000" dirty="0" err="1">
+                <a:solidFill>
+                  <a:schemeClr val="tx1"/>
+                </a:solidFill>
+              </a:rPr>
+              <a:t>Assumptions</a:t>
+            </a:r>
+            <a:r>
+              <a:rPr lang="de-DE" sz="4000" dirty="0">
+                <a:solidFill>
+                  <a:schemeClr val="tx1"/>
+                </a:solidFill>
+              </a:rPr>
+              <a:t> </a:t>
+            </a:r>
+            <a:r>
+              <a:rPr lang="de-DE" sz="4000" dirty="0" err="1">
+                <a:solidFill>
+                  <a:schemeClr val="tx1"/>
+                </a:solidFill>
+              </a:rPr>
+              <a:t>and</a:t>
+            </a:r>
+            <a:r>
+              <a:rPr lang="de-DE" sz="4000" dirty="0">
+                <a:solidFill>
+                  <a:schemeClr val="tx1"/>
+                </a:solidFill>
+              </a:rPr>
+              <a:t> Modeling</a:t>
+            </a:r>
+          </a:p>
+        </p:txBody>
+      </p:sp>
+      <p:sp>
+        <p:nvSpPr>
+          <p:cNvPr id="2" name="Datumsplatzhalter 1"/>
+          <p:cNvSpPr>
+            <a:spLocks noGrp="1"/>
+          </p:cNvSpPr>
+          <p:nvPr>
+            <p:ph type="dt" sz="half" idx="7"/>
+          </p:nvPr>
+        </p:nvSpPr>
+        <p:spPr/>
+        <p:txBody>
+          <a:bodyPr/>
+          <a:lstStyle/>
+          <a:p>
+            <a:pPr lvl="0"/>
+            <a:r>
+              <a:rPr lang="de-DE"/>
+              <a:t>September 6, 2016</a:t>
+            </a:r>
+            <a:endParaRPr lang="en-US"/>
+          </a:p>
+        </p:txBody>
+      </p:sp>
+      <p:sp>
+        <p:nvSpPr>
+          <p:cNvPr id="3" name="Foliennummernplatzhalter 2"/>
+          <p:cNvSpPr>
+            <a:spLocks noGrp="1"/>
+          </p:cNvSpPr>
+          <p:nvPr>
+            <p:ph type="sldNum" sz="quarter" idx="8"/>
+          </p:nvPr>
+        </p:nvSpPr>
+        <p:spPr/>
+        <p:txBody>
+          <a:bodyPr/>
+          <a:lstStyle/>
+          <a:p>
+            <a:pPr lvl="0"/>
+            <a:fld id="{79BF4F03-89AE-40EF-85A4-570282C99B96}" type="slidenum">
+              <a:rPr lang="de-DE" smtClean="0"/>
+              <a:t>4</a:t>
+            </a:fld>
+            <a:endParaRPr lang="de-DE"/>
+          </a:p>
+        </p:txBody>
+      </p:sp>
+    </p:spTree>
+    <p:extLst>
+      <p:ext uri="{BB962C8B-B14F-4D97-AF65-F5344CB8AC3E}">
+        <p14:creationId xmlns:p14="http://schemas.microsoft.com/office/powerpoint/2010/main" val="3376870965"/>
+      </p:ext>
+    </p:extLst>
+  </p:cSld>
+  <p:clrMapOvr>
+    <a:masterClrMapping/>
+  </p:clrMapOvr>
+</p:sld>
+</file>
+
+<file path=ppt/slides/slide40.xml><?xml version="1.0" encoding="utf-8"?>
 <p:sld xmlns:a="http://schemas.openxmlformats.org/drawingml/2006/main" xmlns:r="http://schemas.openxmlformats.org/officeDocument/2006/relationships" xmlns:p="http://schemas.openxmlformats.org/presentationml/2006/main">
   <p:cSld>
     <p:spTree>
@@ -15486,7 +15168,7 @@
               </a:defRPr>
             </a:pPr>
             <a:fld id="{E21E95B8-A3B0-4190-85F6-219EA98CCF3A}" type="slidenum">
-              <a:t>43</a:t>
+              <a:t>40</a:t>
             </a:fld>
             <a:endParaRPr lang="en-US" sz="1800" b="1" i="0" u="none" strike="noStrike" kern="1200" cap="none" spc="0" baseline="0">
               <a:solidFill>
@@ -15581,7 +15263,7 @@
             <a:pPr lvl="0"/>
             <a:fld id="{79BF4F03-89AE-40EF-85A4-570282C99B96}" type="slidenum">
               <a:rPr lang="de-DE" smtClean="0"/>
-              <a:t>43</a:t>
+              <a:t>40</a:t>
             </a:fld>
             <a:endParaRPr lang="de-DE"/>
           </a:p>
@@ -15679,81 +15361,7 @@
       </p:grpSpPr>
       <p:sp>
         <p:nvSpPr>
-          <p:cNvPr id="4" name="Titel 3"/>
-          <p:cNvSpPr>
-            <a:spLocks noGrp="1"/>
-          </p:cNvSpPr>
-          <p:nvPr>
-            <p:ph type="title"/>
-          </p:nvPr>
-        </p:nvSpPr>
-        <p:spPr/>
-        <p:txBody>
-          <a:bodyPr/>
-          <a:lstStyle/>
-          <a:p>
-            <a:r>
-              <a:rPr lang="de-DE" sz="4000" dirty="0" err="1">
-                <a:solidFill>
-                  <a:schemeClr val="tx1"/>
-                </a:solidFill>
-              </a:rPr>
-              <a:t>Assumptions</a:t>
-            </a:r>
-            <a:r>
-              <a:rPr lang="de-DE" sz="4000" dirty="0">
-                <a:solidFill>
-                  <a:schemeClr val="tx1"/>
-                </a:solidFill>
-              </a:rPr>
-              <a:t> </a:t>
-            </a:r>
-            <a:r>
-              <a:rPr lang="de-DE" sz="4000" dirty="0" err="1">
-                <a:solidFill>
-                  <a:schemeClr val="tx1"/>
-                </a:solidFill>
-              </a:rPr>
-              <a:t>and</a:t>
-            </a:r>
-            <a:r>
-              <a:rPr lang="de-DE" sz="4000" dirty="0">
-                <a:solidFill>
-                  <a:schemeClr val="tx1"/>
-                </a:solidFill>
-              </a:rPr>
-              <a:t> Modeling</a:t>
-            </a:r>
-          </a:p>
-        </p:txBody>
-      </p:sp>
-      <p:sp>
-        <p:nvSpPr>
-          <p:cNvPr id="2" name="Datumsplatzhalter 1"/>
-          <p:cNvSpPr>
-            <a:spLocks noGrp="1"/>
-          </p:cNvSpPr>
-          <p:nvPr>
-            <p:ph type="dt" sz="half" idx="7"/>
-          </p:nvPr>
-        </p:nvSpPr>
-        <p:spPr/>
-        <p:txBody>
-          <a:bodyPr/>
-          <a:lstStyle/>
-          <a:p>
-            <a:pPr lvl="0"/>
-            <a:r>
-              <a:rPr lang="de-DE"/>
-              <a:t>September 6, 2016</a:t>
-            </a:r>
-            <a:endParaRPr lang="en-US"/>
-          </a:p>
-        </p:txBody>
-      </p:sp>
-      <p:sp>
-        <p:nvSpPr>
-          <p:cNvPr id="3" name="Foliennummernplatzhalter 2"/>
+          <p:cNvPr id="9" name="Foliennummernplatzhalter 8"/>
           <p:cNvSpPr>
             <a:spLocks noGrp="1"/>
           </p:cNvSpPr>
@@ -15770,60 +15378,6 @@
             <a:fld id="{79BF4F03-89AE-40EF-85A4-570282C99B96}" type="slidenum">
               <a:rPr lang="de-DE" smtClean="0"/>
               <a:t>5</a:t>
-            </a:fld>
-            <a:endParaRPr lang="de-DE"/>
-          </a:p>
-        </p:txBody>
-      </p:sp>
-    </p:spTree>
-    <p:extLst>
-      <p:ext uri="{BB962C8B-B14F-4D97-AF65-F5344CB8AC3E}">
-        <p14:creationId xmlns:p14="http://schemas.microsoft.com/office/powerpoint/2010/main" val="3376870965"/>
-      </p:ext>
-    </p:extLst>
-  </p:cSld>
-  <p:clrMapOvr>
-    <a:masterClrMapping/>
-  </p:clrMapOvr>
-</p:sld>
-</file>
-
-<file path=ppt/slides/slide6.xml><?xml version="1.0" encoding="utf-8"?>
-<p:sld xmlns:a="http://schemas.openxmlformats.org/drawingml/2006/main" xmlns:r="http://schemas.openxmlformats.org/officeDocument/2006/relationships" xmlns:p="http://schemas.openxmlformats.org/presentationml/2006/main">
-  <p:cSld>
-    <p:spTree>
-      <p:nvGrpSpPr>
-        <p:cNvPr id="1" name=""/>
-        <p:cNvGrpSpPr/>
-        <p:nvPr/>
-      </p:nvGrpSpPr>
-      <p:grpSpPr>
-        <a:xfrm>
-          <a:off x="0" y="0"/>
-          <a:ext cx="0" cy="0"/>
-          <a:chOff x="0" y="0"/>
-          <a:chExt cx="0" cy="0"/>
-        </a:xfrm>
-      </p:grpSpPr>
-      <p:sp>
-        <p:nvSpPr>
-          <p:cNvPr id="9" name="Foliennummernplatzhalter 8"/>
-          <p:cNvSpPr>
-            <a:spLocks noGrp="1"/>
-          </p:cNvSpPr>
-          <p:nvPr>
-            <p:ph type="sldNum" sz="quarter" idx="8"/>
-          </p:nvPr>
-        </p:nvSpPr>
-        <p:spPr/>
-        <p:txBody>
-          <a:bodyPr/>
-          <a:lstStyle/>
-          <a:p>
-            <a:pPr lvl="0"/>
-            <a:fld id="{79BF4F03-89AE-40EF-85A4-570282C99B96}" type="slidenum">
-              <a:rPr lang="de-DE" smtClean="0"/>
-              <a:t>6</a:t>
             </a:fld>
             <a:endParaRPr lang="de-DE" dirty="0"/>
           </a:p>
@@ -15919,7 +15473,7 @@
 </p:sld>
 </file>
 
-<file path=ppt/slides/slide7.xml><?xml version="1.0" encoding="utf-8"?>
+<file path=ppt/slides/slide6.xml><?xml version="1.0" encoding="utf-8"?>
 <p:sld xmlns:a="http://schemas.openxmlformats.org/drawingml/2006/main" xmlns:r="http://schemas.openxmlformats.org/officeDocument/2006/relationships" xmlns:p="http://schemas.openxmlformats.org/presentationml/2006/main">
   <p:cSld>
     <p:spTree>
@@ -15954,105 +15508,7 @@
             <a:pPr lvl="0"/>
             <a:fld id="{79BF4F03-89AE-40EF-85A4-570282C99B96}" type="slidenum">
               <a:rPr lang="de-DE" smtClean="0"/>
-              <a:t>7</a:t>
-            </a:fld>
-            <a:endParaRPr lang="de-DE" dirty="0"/>
-          </a:p>
-        </p:txBody>
-      </p:sp>
-      <p:sp>
-        <p:nvSpPr>
-          <p:cNvPr id="4" name="Titel 1"/>
-          <p:cNvSpPr txBox="1">
-            <a:spLocks noGrp="1"/>
-          </p:cNvSpPr>
-          <p:nvPr>
-            <p:ph type="title" idx="4294967295"/>
-          </p:nvPr>
-        </p:nvSpPr>
-        <p:spPr/>
-        <p:txBody>
-          <a:bodyPr/>
-          <a:lstStyle/>
-          <a:p>
-            <a:pPr lvl="0"/>
-            <a:endParaRPr lang="en-US" dirty="0"/>
-          </a:p>
-        </p:txBody>
-      </p:sp>
-      <p:sp>
-        <p:nvSpPr>
-          <p:cNvPr id="8" name="Datumsplatzhalter 7"/>
-          <p:cNvSpPr>
-            <a:spLocks noGrp="1"/>
-          </p:cNvSpPr>
-          <p:nvPr>
-            <p:ph type="dt" sz="half" idx="7"/>
-          </p:nvPr>
-        </p:nvSpPr>
-        <p:spPr/>
-        <p:txBody>
-          <a:bodyPr/>
-          <a:lstStyle/>
-          <a:p>
-            <a:pPr lvl="0"/>
-            <a:r>
-              <a:rPr lang="de-DE"/>
-              <a:t>September 6, 2016</a:t>
-            </a:r>
-            <a:endParaRPr lang="en-US"/>
-          </a:p>
-        </p:txBody>
-      </p:sp>
-    </p:spTree>
-    <p:extLst>
-      <p:ext uri="{BB962C8B-B14F-4D97-AF65-F5344CB8AC3E}">
-        <p14:creationId xmlns:p14="http://schemas.microsoft.com/office/powerpoint/2010/main" val="3346279330"/>
-      </p:ext>
-    </p:extLst>
-  </p:cSld>
-  <p:clrMapOvr>
-    <a:masterClrMapping/>
-  </p:clrMapOvr>
-</p:sld>
-</file>
-
-<file path=ppt/slides/slide8.xml><?xml version="1.0" encoding="utf-8"?>
-<p:sld xmlns:a="http://schemas.openxmlformats.org/drawingml/2006/main" xmlns:r="http://schemas.openxmlformats.org/officeDocument/2006/relationships" xmlns:p="http://schemas.openxmlformats.org/presentationml/2006/main">
-  <p:cSld>
-    <p:spTree>
-      <p:nvGrpSpPr>
-        <p:cNvPr id="1" name=""/>
-        <p:cNvGrpSpPr/>
-        <p:nvPr/>
-      </p:nvGrpSpPr>
-      <p:grpSpPr>
-        <a:xfrm>
-          <a:off x="0" y="0"/>
-          <a:ext cx="0" cy="0"/>
-          <a:chOff x="0" y="0"/>
-          <a:chExt cx="0" cy="0"/>
-        </a:xfrm>
-      </p:grpSpPr>
-      <p:sp>
-        <p:nvSpPr>
-          <p:cNvPr id="9" name="Foliennummernplatzhalter 8"/>
-          <p:cNvSpPr>
-            <a:spLocks noGrp="1"/>
-          </p:cNvSpPr>
-          <p:nvPr>
-            <p:ph type="sldNum" sz="quarter" idx="8"/>
-          </p:nvPr>
-        </p:nvSpPr>
-        <p:spPr/>
-        <p:txBody>
-          <a:bodyPr/>
-          <a:lstStyle/>
-          <a:p>
-            <a:pPr lvl="0"/>
-            <a:fld id="{79BF4F03-89AE-40EF-85A4-570282C99B96}" type="slidenum">
-              <a:rPr lang="de-DE" smtClean="0"/>
-              <a:t>8</a:t>
+              <a:t>6</a:t>
             </a:fld>
             <a:endParaRPr lang="de-DE" dirty="0"/>
           </a:p>
@@ -16148,6 +15604,486 @@
 </p:sld>
 </file>
 
+<file path=ppt/slides/slide7.xml><?xml version="1.0" encoding="utf-8"?>
+<p:sld xmlns:a="http://schemas.openxmlformats.org/drawingml/2006/main" xmlns:r="http://schemas.openxmlformats.org/officeDocument/2006/relationships" xmlns:p="http://schemas.openxmlformats.org/presentationml/2006/main">
+  <p:cSld>
+    <p:spTree>
+      <p:nvGrpSpPr>
+        <p:cNvPr id="1" name=""/>
+        <p:cNvGrpSpPr/>
+        <p:nvPr/>
+      </p:nvGrpSpPr>
+      <p:grpSpPr>
+        <a:xfrm>
+          <a:off x="0" y="0"/>
+          <a:ext cx="0" cy="0"/>
+          <a:chOff x="0" y="0"/>
+          <a:chExt cx="0" cy="0"/>
+        </a:xfrm>
+      </p:grpSpPr>
+      <p:sp>
+        <p:nvSpPr>
+          <p:cNvPr id="2" name="Titel 1"/>
+          <p:cNvSpPr>
+            <a:spLocks noGrp="1"/>
+          </p:cNvSpPr>
+          <p:nvPr>
+            <p:ph type="title"/>
+          </p:nvPr>
+        </p:nvSpPr>
+        <p:spPr/>
+        <p:txBody>
+          <a:bodyPr/>
+          <a:lstStyle/>
+          <a:p>
+            <a:endParaRPr lang="de-DE"/>
+          </a:p>
+        </p:txBody>
+      </p:sp>
+      <p:sp>
+        <p:nvSpPr>
+          <p:cNvPr id="3" name="Inhaltsplatzhalter 2"/>
+          <p:cNvSpPr>
+            <a:spLocks noGrp="1"/>
+          </p:cNvSpPr>
+          <p:nvPr>
+            <p:ph idx="1"/>
+          </p:nvPr>
+        </p:nvSpPr>
+        <p:spPr/>
+        <p:txBody>
+          <a:bodyPr/>
+          <a:lstStyle/>
+          <a:p>
+            <a:endParaRPr lang="de-DE" dirty="0"/>
+          </a:p>
+        </p:txBody>
+      </p:sp>
+      <p:sp>
+        <p:nvSpPr>
+          <p:cNvPr id="8" name="Datumsplatzhalter 7"/>
+          <p:cNvSpPr>
+            <a:spLocks noGrp="1"/>
+          </p:cNvSpPr>
+          <p:nvPr>
+            <p:ph type="dt" sz="half" idx="7"/>
+          </p:nvPr>
+        </p:nvSpPr>
+        <p:spPr/>
+        <p:txBody>
+          <a:bodyPr/>
+          <a:lstStyle/>
+          <a:p>
+            <a:pPr lvl="0"/>
+            <a:r>
+              <a:rPr lang="de-DE"/>
+              <a:t>September 6, 2016</a:t>
+            </a:r>
+            <a:endParaRPr lang="en-US"/>
+          </a:p>
+        </p:txBody>
+      </p:sp>
+      <p:sp>
+        <p:nvSpPr>
+          <p:cNvPr id="9" name="Foliennummernplatzhalter 8"/>
+          <p:cNvSpPr>
+            <a:spLocks noGrp="1"/>
+          </p:cNvSpPr>
+          <p:nvPr>
+            <p:ph type="sldNum" sz="quarter" idx="8"/>
+          </p:nvPr>
+        </p:nvSpPr>
+        <p:spPr/>
+        <p:txBody>
+          <a:bodyPr/>
+          <a:lstStyle/>
+          <a:p>
+            <a:pPr lvl="0"/>
+            <a:fld id="{79BF4F03-89AE-40EF-85A4-570282C99B96}" type="slidenum">
+              <a:rPr lang="de-DE" smtClean="0"/>
+              <a:t>7</a:t>
+            </a:fld>
+            <a:endParaRPr lang="de-DE" dirty="0"/>
+          </a:p>
+        </p:txBody>
+      </p:sp>
+    </p:spTree>
+    <p:extLst>
+      <p:ext uri="{BB962C8B-B14F-4D97-AF65-F5344CB8AC3E}">
+        <p14:creationId xmlns:p14="http://schemas.microsoft.com/office/powerpoint/2010/main" val="968195431"/>
+      </p:ext>
+    </p:extLst>
+  </p:cSld>
+  <p:clrMapOvr>
+    <a:masterClrMapping/>
+  </p:clrMapOvr>
+</p:sld>
+</file>
+
+<file path=ppt/slides/slide8.xml><?xml version="1.0" encoding="utf-8"?>
+<p:sld xmlns:a="http://schemas.openxmlformats.org/drawingml/2006/main" xmlns:r="http://schemas.openxmlformats.org/officeDocument/2006/relationships" xmlns:p="http://schemas.openxmlformats.org/presentationml/2006/main">
+  <p:cSld>
+    <p:spTree>
+      <p:nvGrpSpPr>
+        <p:cNvPr id="1" name=""/>
+        <p:cNvGrpSpPr/>
+        <p:nvPr/>
+      </p:nvGrpSpPr>
+      <p:grpSpPr>
+        <a:xfrm>
+          <a:off x="0" y="0"/>
+          <a:ext cx="0" cy="0"/>
+          <a:chOff x="0" y="0"/>
+          <a:chExt cx="0" cy="0"/>
+        </a:xfrm>
+      </p:grpSpPr>
+      <p:sp>
+        <p:nvSpPr>
+          <p:cNvPr id="9" name="Foliennummernplatzhalter 8"/>
+          <p:cNvSpPr>
+            <a:spLocks noGrp="1"/>
+          </p:cNvSpPr>
+          <p:nvPr>
+            <p:ph type="sldNum" sz="quarter" idx="8"/>
+          </p:nvPr>
+        </p:nvSpPr>
+        <p:spPr/>
+        <p:txBody>
+          <a:bodyPr/>
+          <a:lstStyle/>
+          <a:p>
+            <a:pPr lvl="0"/>
+            <a:fld id="{79BF4F03-89AE-40EF-85A4-570282C99B96}" type="slidenum">
+              <a:rPr lang="de-DE" smtClean="0"/>
+              <a:t>8</a:t>
+            </a:fld>
+            <a:endParaRPr lang="de-DE" dirty="0"/>
+          </a:p>
+        </p:txBody>
+      </p:sp>
+      <p:sp>
+        <p:nvSpPr>
+          <p:cNvPr id="4" name="Titel 1"/>
+          <p:cNvSpPr txBox="1">
+            <a:spLocks noGrp="1"/>
+          </p:cNvSpPr>
+          <p:nvPr>
+            <p:ph type="title" idx="4294967295"/>
+          </p:nvPr>
+        </p:nvSpPr>
+        <p:spPr/>
+        <p:txBody>
+          <a:bodyPr/>
+          <a:lstStyle/>
+          <a:p>
+            <a:pPr lvl="0"/>
+            <a:r>
+              <a:rPr lang="en-US" dirty="0"/>
+              <a:t>Behavior Expectations with CCTV Camera Turned ON</a:t>
+            </a:r>
+          </a:p>
+        </p:txBody>
+      </p:sp>
+      <p:sp>
+        <p:nvSpPr>
+          <p:cNvPr id="8" name="Datumsplatzhalter 7"/>
+          <p:cNvSpPr>
+            <a:spLocks noGrp="1"/>
+          </p:cNvSpPr>
+          <p:nvPr>
+            <p:ph type="dt" sz="half" idx="7"/>
+          </p:nvPr>
+        </p:nvSpPr>
+        <p:spPr/>
+        <p:txBody>
+          <a:bodyPr/>
+          <a:lstStyle/>
+          <a:p>
+            <a:pPr lvl="0"/>
+            <a:r>
+              <a:rPr lang="de-DE"/>
+              <a:t>September 6, 2016</a:t>
+            </a:r>
+            <a:endParaRPr lang="en-US"/>
+          </a:p>
+        </p:txBody>
+      </p:sp>
+      <p:pic>
+        <p:nvPicPr>
+          <p:cNvPr id="2" name="Grafik 1"/>
+          <p:cNvPicPr>
+            <a:picLocks noChangeAspect="1"/>
+          </p:cNvPicPr>
+          <p:nvPr/>
+        </p:nvPicPr>
+        <p:blipFill>
+          <a:blip r:embed="rId3">
+            <a:extLst>
+              <a:ext uri="{28A0092B-C50C-407E-A947-70E740481C1C}">
+                <a14:useLocalDpi xmlns:a14="http://schemas.microsoft.com/office/drawing/2010/main" val="0"/>
+              </a:ext>
+            </a:extLst>
+          </a:blip>
+          <a:stretch>
+            <a:fillRect/>
+          </a:stretch>
+        </p:blipFill>
+        <p:spPr>
+          <a:xfrm>
+            <a:off x="4565259" y="1333786"/>
+            <a:ext cx="4614740" cy="3960000"/>
+          </a:xfrm>
+          <a:prstGeom prst="rect">
+            <a:avLst/>
+          </a:prstGeom>
+        </p:spPr>
+      </p:pic>
+      <p:sp>
+        <p:nvSpPr>
+          <p:cNvPr id="10" name="Inhaltsplatzhalter 2"/>
+          <p:cNvSpPr txBox="1">
+            <a:spLocks/>
+          </p:cNvSpPr>
+          <p:nvPr/>
+        </p:nvSpPr>
+        <p:spPr>
+          <a:xfrm>
+            <a:off x="115020" y="1484994"/>
+            <a:ext cx="4336210" cy="3780001"/>
+          </a:xfrm>
+          <a:prstGeom prst="rect">
+            <a:avLst/>
+          </a:prstGeom>
+        </p:spPr>
+        <p:txBody>
+          <a:bodyPr anchor="ctr"/>
+          <a:lstStyle>
+            <a:lvl1pPr marL="0" marR="0" lvl="0" indent="0" defTabSz="914400" rtl="0" fontAlgn="auto" hangingPunct="1">
+              <a:lnSpc>
+                <a:spcPct val="100000"/>
+              </a:lnSpc>
+              <a:spcBef>
+                <a:spcPts val="0"/>
+              </a:spcBef>
+              <a:spcAft>
+                <a:spcPts val="1055"/>
+              </a:spcAft>
+              <a:buNone/>
+              <a:tabLst/>
+              <a:defRPr lang="de-DE" sz="2400" b="1" i="0" u="none" strike="noStrike" kern="1200" cap="none" spc="0" baseline="0">
+                <a:solidFill>
+                  <a:srgbClr val="2C3E50"/>
+                </a:solidFill>
+                <a:uFillTx/>
+                <a:latin typeface="Source Sans Pro Semibold" pitchFamily="34"/>
+              </a:defRPr>
+            </a:lvl1pPr>
+            <a:lvl2pPr marL="685800" marR="0" lvl="1" indent="-228600" algn="l" defTabSz="914400" rtl="0" fontAlgn="auto" hangingPunct="1">
+              <a:lnSpc>
+                <a:spcPct val="90000"/>
+              </a:lnSpc>
+              <a:spcBef>
+                <a:spcPts val="500"/>
+              </a:spcBef>
+              <a:spcAft>
+                <a:spcPts val="0"/>
+              </a:spcAft>
+              <a:buSzPct val="100000"/>
+              <a:buFont typeface="Arial" pitchFamily="34"/>
+              <a:buChar char="•"/>
+              <a:tabLst/>
+              <a:defRPr lang="de-DE" sz="2400" b="0" i="0" u="none" strike="noStrike" kern="1200" cap="none" spc="0" baseline="0">
+                <a:solidFill>
+                  <a:srgbClr val="000000"/>
+                </a:solidFill>
+                <a:uFillTx/>
+                <a:latin typeface="Calibri"/>
+              </a:defRPr>
+            </a:lvl2pPr>
+            <a:lvl3pPr marL="1143000" marR="0" lvl="2" indent="-228600" algn="l" defTabSz="914400" rtl="0" fontAlgn="auto" hangingPunct="1">
+              <a:lnSpc>
+                <a:spcPct val="90000"/>
+              </a:lnSpc>
+              <a:spcBef>
+                <a:spcPts val="500"/>
+              </a:spcBef>
+              <a:spcAft>
+                <a:spcPts val="0"/>
+              </a:spcAft>
+              <a:buSzPct val="100000"/>
+              <a:buFont typeface="Arial" pitchFamily="34"/>
+              <a:buChar char="•"/>
+              <a:tabLst/>
+              <a:defRPr lang="de-DE" sz="2000" b="0" i="0" u="none" strike="noStrike" kern="1200" cap="none" spc="0" baseline="0">
+                <a:solidFill>
+                  <a:srgbClr val="000000"/>
+                </a:solidFill>
+                <a:uFillTx/>
+                <a:latin typeface="Calibri"/>
+              </a:defRPr>
+            </a:lvl3pPr>
+            <a:lvl4pPr marL="1600200" marR="0" lvl="3" indent="-228600" algn="l" defTabSz="914400" rtl="0" fontAlgn="auto" hangingPunct="1">
+              <a:lnSpc>
+                <a:spcPct val="90000"/>
+              </a:lnSpc>
+              <a:spcBef>
+                <a:spcPts val="500"/>
+              </a:spcBef>
+              <a:spcAft>
+                <a:spcPts val="0"/>
+              </a:spcAft>
+              <a:buSzPct val="100000"/>
+              <a:buFont typeface="Arial" pitchFamily="34"/>
+              <a:buChar char="•"/>
+              <a:tabLst/>
+              <a:defRPr lang="de-DE" sz="1800" b="0" i="0" u="none" strike="noStrike" kern="1200" cap="none" spc="0" baseline="0">
+                <a:solidFill>
+                  <a:srgbClr val="000000"/>
+                </a:solidFill>
+                <a:uFillTx/>
+                <a:latin typeface="Calibri"/>
+              </a:defRPr>
+            </a:lvl4pPr>
+            <a:lvl5pPr marL="2057400" marR="0" lvl="4" indent="-228600" algn="l" defTabSz="914400" rtl="0" fontAlgn="auto" hangingPunct="1">
+              <a:lnSpc>
+                <a:spcPct val="90000"/>
+              </a:lnSpc>
+              <a:spcBef>
+                <a:spcPts val="500"/>
+              </a:spcBef>
+              <a:spcAft>
+                <a:spcPts val="0"/>
+              </a:spcAft>
+              <a:buSzPct val="100000"/>
+              <a:buFont typeface="Arial" pitchFamily="34"/>
+              <a:buChar char="•"/>
+              <a:tabLst/>
+              <a:defRPr lang="de-DE" sz="1800" b="0" i="0" u="none" strike="noStrike" kern="1200" cap="none" spc="0" baseline="0">
+                <a:solidFill>
+                  <a:srgbClr val="000000"/>
+                </a:solidFill>
+                <a:uFillTx/>
+                <a:latin typeface="Calibri"/>
+              </a:defRPr>
+            </a:lvl5pPr>
+            <a:lvl6pPr marL="2514600" indent="-228600" algn="l" defTabSz="914400" rtl="0" eaLnBrk="1" latinLnBrk="0" hangingPunct="1">
+              <a:lnSpc>
+                <a:spcPct val="90000"/>
+              </a:lnSpc>
+              <a:spcBef>
+                <a:spcPts val="500"/>
+              </a:spcBef>
+              <a:buFont typeface="Arial" panose="020B0604020202020204" pitchFamily="34" charset="0"/>
+              <a:buChar char="•"/>
+              <a:defRPr sz="1800" kern="1200">
+                <a:solidFill>
+                  <a:schemeClr val="tx1"/>
+                </a:solidFill>
+                <a:latin typeface="+mn-lt"/>
+                <a:ea typeface="+mn-ea"/>
+                <a:cs typeface="+mn-cs"/>
+              </a:defRPr>
+            </a:lvl6pPr>
+            <a:lvl7pPr marL="2971800" indent="-228600" algn="l" defTabSz="914400" rtl="0" eaLnBrk="1" latinLnBrk="0" hangingPunct="1">
+              <a:lnSpc>
+                <a:spcPct val="90000"/>
+              </a:lnSpc>
+              <a:spcBef>
+                <a:spcPts val="500"/>
+              </a:spcBef>
+              <a:buFont typeface="Arial" panose="020B0604020202020204" pitchFamily="34" charset="0"/>
+              <a:buChar char="•"/>
+              <a:defRPr sz="1800" kern="1200">
+                <a:solidFill>
+                  <a:schemeClr val="tx1"/>
+                </a:solidFill>
+                <a:latin typeface="+mn-lt"/>
+                <a:ea typeface="+mn-ea"/>
+                <a:cs typeface="+mn-cs"/>
+              </a:defRPr>
+            </a:lvl7pPr>
+            <a:lvl8pPr marL="3429000" indent="-228600" algn="l" defTabSz="914400" rtl="0" eaLnBrk="1" latinLnBrk="0" hangingPunct="1">
+              <a:lnSpc>
+                <a:spcPct val="90000"/>
+              </a:lnSpc>
+              <a:spcBef>
+                <a:spcPts val="500"/>
+              </a:spcBef>
+              <a:buFont typeface="Arial" panose="020B0604020202020204" pitchFamily="34" charset="0"/>
+              <a:buChar char="•"/>
+              <a:defRPr sz="1800" kern="1200">
+                <a:solidFill>
+                  <a:schemeClr val="tx1"/>
+                </a:solidFill>
+                <a:latin typeface="+mn-lt"/>
+                <a:ea typeface="+mn-ea"/>
+                <a:cs typeface="+mn-cs"/>
+              </a:defRPr>
+            </a:lvl8pPr>
+            <a:lvl9pPr marL="3886200" indent="-228600" algn="l" defTabSz="914400" rtl="0" eaLnBrk="1" latinLnBrk="0" hangingPunct="1">
+              <a:lnSpc>
+                <a:spcPct val="90000"/>
+              </a:lnSpc>
+              <a:spcBef>
+                <a:spcPts val="500"/>
+              </a:spcBef>
+              <a:buFont typeface="Arial" panose="020B0604020202020204" pitchFamily="34" charset="0"/>
+              <a:buChar char="•"/>
+              <a:defRPr sz="1800" kern="1200">
+                <a:solidFill>
+                  <a:schemeClr val="tx1"/>
+                </a:solidFill>
+                <a:latin typeface="+mn-lt"/>
+                <a:ea typeface="+mn-ea"/>
+                <a:cs typeface="+mn-cs"/>
+              </a:defRPr>
+            </a:lvl9pPr>
+          </a:lstStyle>
+          <a:p>
+            <a:pPr marL="342900" indent="-342900">
+              <a:buFont typeface="Arial" panose="020B0604020202020204" pitchFamily="34" charset="0"/>
+              <a:buChar char="•"/>
+            </a:pPr>
+            <a:r>
+              <a:rPr lang="en-US" dirty="0"/>
+              <a:t>Point-to-point radio link is the weakest link </a:t>
+            </a:r>
+          </a:p>
+          <a:p>
+            <a:pPr marL="342900" indent="-342900">
+              <a:buFont typeface="Arial" panose="020B0604020202020204" pitchFamily="34" charset="0"/>
+              <a:buChar char="•"/>
+            </a:pPr>
+            <a:r>
+              <a:rPr lang="en-US" dirty="0"/>
+              <a:t>Maximum 27 uniformly distributed web browsing clients supported in theory</a:t>
+            </a:r>
+          </a:p>
+          <a:p>
+            <a:pPr marL="342900" indent="-342900">
+              <a:buFont typeface="Arial" panose="020B0604020202020204" pitchFamily="34" charset="0"/>
+              <a:buChar char="•"/>
+            </a:pPr>
+            <a:r>
+              <a:rPr lang="en-US" dirty="0"/>
+              <a:t>Even less clients in practice (high data peaks instead of uniform distribution)</a:t>
+            </a:r>
+          </a:p>
+        </p:txBody>
+      </p:sp>
+    </p:spTree>
+    <p:extLst>
+      <p:ext uri="{BB962C8B-B14F-4D97-AF65-F5344CB8AC3E}">
+        <p14:creationId xmlns:p14="http://schemas.microsoft.com/office/powerpoint/2010/main" val="966713944"/>
+      </p:ext>
+    </p:extLst>
+  </p:cSld>
+  <p:clrMapOvr>
+    <a:masterClrMapping/>
+  </p:clrMapOvr>
+</p:sld>
+</file>
+
 <file path=ppt/slides/slide9.xml><?xml version="1.0" encoding="utf-8"?>
 <p:sld xmlns:a="http://schemas.openxmlformats.org/drawingml/2006/main" xmlns:r="http://schemas.openxmlformats.org/officeDocument/2006/relationships" xmlns:p="http://schemas.openxmlformats.org/presentationml/2006/main">
   <p:cSld>
@@ -16167,7 +16103,103 @@
       </p:grpSpPr>
       <p:sp>
         <p:nvSpPr>
-          <p:cNvPr id="9" name="Foliennummernplatzhalter 8"/>
+          <p:cNvPr id="4" name="Titel 3"/>
+          <p:cNvSpPr>
+            <a:spLocks noGrp="1"/>
+          </p:cNvSpPr>
+          <p:nvPr>
+            <p:ph type="title"/>
+          </p:nvPr>
+        </p:nvSpPr>
+        <p:spPr/>
+        <p:txBody>
+          <a:bodyPr/>
+          <a:lstStyle/>
+          <a:p>
+            <a:r>
+              <a:rPr lang="de-DE" sz="4000" dirty="0">
+                <a:solidFill>
+                  <a:schemeClr val="tx1"/>
+                </a:solidFill>
+              </a:rPr>
+              <a:t>Simulation </a:t>
+            </a:r>
+            <a:r>
+              <a:rPr lang="de-DE" sz="4000" dirty="0" err="1">
+                <a:solidFill>
+                  <a:schemeClr val="tx1"/>
+                </a:solidFill>
+              </a:rPr>
+              <a:t>and</a:t>
+            </a:r>
+            <a:r>
+              <a:rPr lang="de-DE" sz="4000" dirty="0">
+                <a:solidFill>
+                  <a:schemeClr val="tx1"/>
+                </a:solidFill>
+              </a:rPr>
+              <a:t> Evaluation</a:t>
+            </a:r>
+          </a:p>
+        </p:txBody>
+      </p:sp>
+      <p:sp>
+        <p:nvSpPr>
+          <p:cNvPr id="5" name="Textplatzhalter 4"/>
+          <p:cNvSpPr>
+            <a:spLocks noGrp="1"/>
+          </p:cNvSpPr>
+          <p:nvPr>
+            <p:ph type="body" idx="1"/>
+          </p:nvPr>
+        </p:nvSpPr>
+        <p:spPr/>
+        <p:txBody>
+          <a:bodyPr/>
+          <a:lstStyle/>
+          <a:p>
+            <a:r>
+              <a:rPr lang="de-DE" dirty="0"/>
+              <a:t>CCTV </a:t>
+            </a:r>
+            <a:r>
+              <a:rPr lang="de-DE" dirty="0" err="1"/>
+              <a:t>turned</a:t>
+            </a:r>
+            <a:r>
+              <a:rPr lang="de-DE" dirty="0"/>
+              <a:t> off</a:t>
+            </a:r>
+          </a:p>
+        </p:txBody>
+      </p:sp>
+      <p:sp>
+        <p:nvSpPr>
+          <p:cNvPr id="2" name="Datumsplatzhalter 1"/>
+          <p:cNvSpPr>
+            <a:spLocks noGrp="1"/>
+          </p:cNvSpPr>
+          <p:nvPr>
+            <p:ph type="dt" sz="half" idx="7"/>
+          </p:nvPr>
+        </p:nvSpPr>
+        <p:spPr/>
+        <p:txBody>
+          <a:bodyPr/>
+          <a:lstStyle/>
+          <a:p>
+            <a:pPr lvl="0"/>
+            <a:r>
+              <a:rPr lang="de-DE"/>
+              <a:t>September 6, 2016</a:t>
+            </a:r>
+            <a:endParaRPr lang="en-US"/>
+          </a:p>
+        </p:txBody>
+      </p:sp>
+      <p:sp>
+        <p:nvSpPr>
+          <p:cNvPr id="3" name="Foliennummernplatzhalter 2"/>
           <p:cNvSpPr>
             <a:spLocks noGrp="1"/>
           </p:cNvSpPr>
@@ -16185,58 +16217,14 @@
               <a:rPr lang="de-DE" smtClean="0"/>
               <a:t>9</a:t>
             </a:fld>
-            <a:endParaRPr lang="de-DE" dirty="0"/>
-          </a:p>
-        </p:txBody>
-      </p:sp>
-      <p:sp>
-        <p:nvSpPr>
-          <p:cNvPr id="4" name="Titel 1"/>
-          <p:cNvSpPr txBox="1">
-            <a:spLocks noGrp="1"/>
-          </p:cNvSpPr>
-          <p:nvPr>
-            <p:ph type="title" idx="4294967295"/>
-          </p:nvPr>
-        </p:nvSpPr>
-        <p:spPr/>
-        <p:txBody>
-          <a:bodyPr/>
-          <a:lstStyle/>
-          <a:p>
-            <a:pPr lvl="0"/>
-            <a:endParaRPr lang="en-US" dirty="0"/>
-          </a:p>
-        </p:txBody>
-      </p:sp>
-      <p:sp>
-        <p:nvSpPr>
-          <p:cNvPr id="8" name="Datumsplatzhalter 7"/>
-          <p:cNvSpPr>
-            <a:spLocks noGrp="1"/>
-          </p:cNvSpPr>
-          <p:nvPr>
-            <p:ph type="dt" sz="half" idx="7"/>
-          </p:nvPr>
-        </p:nvSpPr>
-        <p:spPr/>
-        <p:txBody>
-          <a:bodyPr/>
-          <a:lstStyle/>
-          <a:p>
-            <a:pPr lvl="0"/>
-            <a:r>
-              <a:rPr lang="de-DE"/>
-              <a:t>September 6, 2016</a:t>
-            </a:r>
-            <a:endParaRPr lang="en-US"/>
+            <a:endParaRPr lang="de-DE"/>
           </a:p>
         </p:txBody>
       </p:sp>
     </p:spTree>
     <p:extLst>
       <p:ext uri="{BB962C8B-B14F-4D97-AF65-F5344CB8AC3E}">
-        <p14:creationId xmlns:p14="http://schemas.microsoft.com/office/powerpoint/2010/main" val="968195431"/>
+        <p14:creationId xmlns:p14="http://schemas.microsoft.com/office/powerpoint/2010/main" val="2272141135"/>
       </p:ext>
     </p:extLst>
   </p:cSld>
